--- a/image/betl_architecture.pptx
+++ b/image/betl_architecture.pptx
@@ -10,6 +10,7 @@
     <p:sldId id="260" r:id="rId4"/>
     <p:sldId id="258" r:id="rId5"/>
     <p:sldId id="259" r:id="rId6"/>
+    <p:sldId id="261" r:id="rId7"/>
   </p:sldIdLst>
   <p:sldSz cx="12192000" cy="6858000"/>
   <p:notesSz cx="6858000" cy="9144000"/>
@@ -265,7 +266,7 @@
           <a:p>
             <a:fld id="{1719DC78-B2E2-489A-B4DC-503C173C394C}" type="datetimeFigureOut">
               <a:rPr lang="en-NL" smtClean="0"/>
-              <a:t>23/03/2021</a:t>
+              <a:t>29/03/2021</a:t>
             </a:fld>
             <a:endParaRPr lang="en-NL"/>
           </a:p>
@@ -465,7 +466,7 @@
           <a:p>
             <a:fld id="{1719DC78-B2E2-489A-B4DC-503C173C394C}" type="datetimeFigureOut">
               <a:rPr lang="en-NL" smtClean="0"/>
-              <a:t>23/03/2021</a:t>
+              <a:t>29/03/2021</a:t>
             </a:fld>
             <a:endParaRPr lang="en-NL"/>
           </a:p>
@@ -675,7 +676,7 @@
           <a:p>
             <a:fld id="{1719DC78-B2E2-489A-B4DC-503C173C394C}" type="datetimeFigureOut">
               <a:rPr lang="en-NL" smtClean="0"/>
-              <a:t>23/03/2021</a:t>
+              <a:t>29/03/2021</a:t>
             </a:fld>
             <a:endParaRPr lang="en-NL"/>
           </a:p>
@@ -875,7 +876,7 @@
           <a:p>
             <a:fld id="{1719DC78-B2E2-489A-B4DC-503C173C394C}" type="datetimeFigureOut">
               <a:rPr lang="en-NL" smtClean="0"/>
-              <a:t>23/03/2021</a:t>
+              <a:t>29/03/2021</a:t>
             </a:fld>
             <a:endParaRPr lang="en-NL"/>
           </a:p>
@@ -1151,7 +1152,7 @@
           <a:p>
             <a:fld id="{1719DC78-B2E2-489A-B4DC-503C173C394C}" type="datetimeFigureOut">
               <a:rPr lang="en-NL" smtClean="0"/>
-              <a:t>23/03/2021</a:t>
+              <a:t>29/03/2021</a:t>
             </a:fld>
             <a:endParaRPr lang="en-NL"/>
           </a:p>
@@ -1419,7 +1420,7 @@
           <a:p>
             <a:fld id="{1719DC78-B2E2-489A-B4DC-503C173C394C}" type="datetimeFigureOut">
               <a:rPr lang="en-NL" smtClean="0"/>
-              <a:t>23/03/2021</a:t>
+              <a:t>29/03/2021</a:t>
             </a:fld>
             <a:endParaRPr lang="en-NL"/>
           </a:p>
@@ -1834,7 +1835,7 @@
           <a:p>
             <a:fld id="{1719DC78-B2E2-489A-B4DC-503C173C394C}" type="datetimeFigureOut">
               <a:rPr lang="en-NL" smtClean="0"/>
-              <a:t>23/03/2021</a:t>
+              <a:t>29/03/2021</a:t>
             </a:fld>
             <a:endParaRPr lang="en-NL"/>
           </a:p>
@@ -1976,7 +1977,7 @@
           <a:p>
             <a:fld id="{1719DC78-B2E2-489A-B4DC-503C173C394C}" type="datetimeFigureOut">
               <a:rPr lang="en-NL" smtClean="0"/>
-              <a:t>23/03/2021</a:t>
+              <a:t>29/03/2021</a:t>
             </a:fld>
             <a:endParaRPr lang="en-NL"/>
           </a:p>
@@ -2089,7 +2090,7 @@
           <a:p>
             <a:fld id="{1719DC78-B2E2-489A-B4DC-503C173C394C}" type="datetimeFigureOut">
               <a:rPr lang="en-NL" smtClean="0"/>
-              <a:t>23/03/2021</a:t>
+              <a:t>29/03/2021</a:t>
             </a:fld>
             <a:endParaRPr lang="en-NL"/>
           </a:p>
@@ -2402,7 +2403,7 @@
           <a:p>
             <a:fld id="{1719DC78-B2E2-489A-B4DC-503C173C394C}" type="datetimeFigureOut">
               <a:rPr lang="en-NL" smtClean="0"/>
-              <a:t>23/03/2021</a:t>
+              <a:t>29/03/2021</a:t>
             </a:fld>
             <a:endParaRPr lang="en-NL"/>
           </a:p>
@@ -2691,7 +2692,7 @@
           <a:p>
             <a:fld id="{1719DC78-B2E2-489A-B4DC-503C173C394C}" type="datetimeFigureOut">
               <a:rPr lang="en-NL" smtClean="0"/>
-              <a:t>23/03/2021</a:t>
+              <a:t>29/03/2021</a:t>
             </a:fld>
             <a:endParaRPr lang="en-NL"/>
           </a:p>
@@ -2934,7 +2935,7 @@
           <a:p>
             <a:fld id="{1719DC78-B2E2-489A-B4DC-503C173C394C}" type="datetimeFigureOut">
               <a:rPr lang="en-NL" smtClean="0"/>
-              <a:t>23/03/2021</a:t>
+              <a:t>29/03/2021</a:t>
             </a:fld>
             <a:endParaRPr lang="en-NL"/>
           </a:p>
@@ -13937,6 +13938,1410 @@
 </p:sld>
 </file>
 
+<file path=ppt/slides/slide6.xml><?xml version="1.0" encoding="utf-8"?>
+<p:sld xmlns:a="http://schemas.openxmlformats.org/drawingml/2006/main" xmlns:r="http://schemas.openxmlformats.org/officeDocument/2006/relationships" xmlns:p="http://schemas.openxmlformats.org/presentationml/2006/main">
+  <p:cSld>
+    <p:spTree>
+      <p:nvGrpSpPr>
+        <p:cNvPr id="1" name=""/>
+        <p:cNvGrpSpPr/>
+        <p:nvPr/>
+      </p:nvGrpSpPr>
+      <p:grpSpPr>
+        <a:xfrm>
+          <a:off x="0" y="0"/>
+          <a:ext cx="0" cy="0"/>
+          <a:chOff x="0" y="0"/>
+          <a:chExt cx="0" cy="0"/>
+        </a:xfrm>
+      </p:grpSpPr>
+      <p:pic>
+        <p:nvPicPr>
+          <p:cNvPr id="24" name="Picture 23">
+            <a:extLst>
+              <a:ext uri="{FF2B5EF4-FFF2-40B4-BE49-F238E27FC236}">
+                <a16:creationId xmlns:a16="http://schemas.microsoft.com/office/drawing/2014/main" id="{9C96CFD8-003F-4F45-9647-576242098EC4}"/>
+              </a:ext>
+            </a:extLst>
+          </p:cNvPr>
+          <p:cNvPicPr>
+            <a:picLocks noChangeAspect="1"/>
+          </p:cNvPicPr>
+          <p:nvPr/>
+        </p:nvPicPr>
+        <p:blipFill>
+          <a:blip r:embed="rId2"/>
+          <a:stretch>
+            <a:fillRect/>
+          </a:stretch>
+        </p:blipFill>
+        <p:spPr>
+          <a:xfrm>
+            <a:off x="4843552" y="1122026"/>
+            <a:ext cx="1796883" cy="2015457"/>
+          </a:xfrm>
+          <a:prstGeom prst="rect">
+            <a:avLst/>
+          </a:prstGeom>
+        </p:spPr>
+      </p:pic>
+      <p:sp>
+        <p:nvSpPr>
+          <p:cNvPr id="28" name="TextBox 27">
+            <a:extLst>
+              <a:ext uri="{FF2B5EF4-FFF2-40B4-BE49-F238E27FC236}">
+                <a16:creationId xmlns:a16="http://schemas.microsoft.com/office/drawing/2014/main" id="{69B5C770-446A-45A5-99EC-964C40CBA4FA}"/>
+              </a:ext>
+            </a:extLst>
+          </p:cNvPr>
+          <p:cNvSpPr txBox="1"/>
+          <p:nvPr/>
+        </p:nvSpPr>
+        <p:spPr>
+          <a:xfrm>
+            <a:off x="662729" y="1391096"/>
+            <a:ext cx="3372374" cy="1569660"/>
+          </a:xfrm>
+          <a:prstGeom prst="rect">
+            <a:avLst/>
+          </a:prstGeom>
+          <a:noFill/>
+        </p:spPr>
+        <p:txBody>
+          <a:bodyPr wrap="square">
+            <a:spAutoFit/>
+          </a:bodyPr>
+          <a:lstStyle/>
+          <a:p>
+            <a:r>
+              <a:rPr lang="en-US" sz="800" dirty="0">
+                <a:solidFill>
+                  <a:srgbClr val="0000FF"/>
+                </a:solidFill>
+                <a:latin typeface="Consolas" panose="020B0609020204030204" pitchFamily="49" charset="0"/>
+              </a:rPr>
+              <a:t>select</a:t>
+            </a:r>
+            <a:r>
+              <a:rPr lang="en-US" sz="800" dirty="0">
+                <a:solidFill>
+                  <a:srgbClr val="000000"/>
+                </a:solidFill>
+                <a:latin typeface="Consolas" panose="020B0609020204030204" pitchFamily="49" charset="0"/>
+              </a:rPr>
+              <a:t> </a:t>
+            </a:r>
+          </a:p>
+          <a:p>
+            <a:r>
+              <a:rPr lang="en-US" sz="800" dirty="0">
+                <a:solidFill>
+                  <a:srgbClr val="808080"/>
+                </a:solidFill>
+                <a:latin typeface="Consolas" panose="020B0609020204030204" pitchFamily="49" charset="0"/>
+              </a:rPr>
+              <a:t>null</a:t>
+            </a:r>
+            <a:r>
+              <a:rPr lang="en-US" sz="800" dirty="0">
+                <a:solidFill>
+                  <a:srgbClr val="000000"/>
+                </a:solidFill>
+                <a:latin typeface="Consolas" panose="020B0609020204030204" pitchFamily="49" charset="0"/>
+              </a:rPr>
+              <a:t> </a:t>
+            </a:r>
+            <a:r>
+              <a:rPr lang="en-US" sz="800" dirty="0" err="1">
+                <a:solidFill>
+                  <a:srgbClr val="000000"/>
+                </a:solidFill>
+                <a:latin typeface="Consolas" panose="020B0609020204030204" pitchFamily="49" charset="0"/>
+              </a:rPr>
+              <a:t>src_obj_id</a:t>
+            </a:r>
+            <a:endParaRPr lang="en-US" sz="800" dirty="0">
+              <a:solidFill>
+                <a:srgbClr val="000000"/>
+              </a:solidFill>
+              <a:latin typeface="Consolas" panose="020B0609020204030204" pitchFamily="49" charset="0"/>
+            </a:endParaRPr>
+          </a:p>
+          <a:p>
+            <a:r>
+              <a:rPr lang="en-US" sz="800" dirty="0">
+                <a:solidFill>
+                  <a:srgbClr val="808080"/>
+                </a:solidFill>
+                <a:latin typeface="Consolas" panose="020B0609020204030204" pitchFamily="49" charset="0"/>
+              </a:rPr>
+              <a:t>,</a:t>
+            </a:r>
+            <a:r>
+              <a:rPr lang="en-US" sz="800" dirty="0">
+                <a:solidFill>
+                  <a:srgbClr val="000000"/>
+                </a:solidFill>
+                <a:latin typeface="Consolas" panose="020B0609020204030204" pitchFamily="49" charset="0"/>
+              </a:rPr>
+              <a:t> </a:t>
+            </a:r>
+            <a:r>
+              <a:rPr lang="en-US" sz="800" dirty="0" err="1">
+                <a:solidFill>
+                  <a:srgbClr val="FF00FF"/>
+                </a:solidFill>
+                <a:latin typeface="Consolas" panose="020B0609020204030204" pitchFamily="49" charset="0"/>
+              </a:rPr>
+              <a:t>isnull</a:t>
+            </a:r>
+            <a:r>
+              <a:rPr lang="en-US" sz="800" dirty="0">
+                <a:solidFill>
+                  <a:srgbClr val="808080"/>
+                </a:solidFill>
+                <a:latin typeface="Consolas" panose="020B0609020204030204" pitchFamily="49" charset="0"/>
+              </a:rPr>
+              <a:t>(</a:t>
+            </a:r>
+            <a:r>
+              <a:rPr lang="en-US" sz="800" dirty="0" err="1">
+                <a:solidFill>
+                  <a:srgbClr val="000000"/>
+                </a:solidFill>
+                <a:latin typeface="Consolas" panose="020B0609020204030204" pitchFamily="49" charset="0"/>
+              </a:rPr>
+              <a:t>o</a:t>
+            </a:r>
+            <a:r>
+              <a:rPr lang="en-US" sz="800" dirty="0" err="1">
+                <a:solidFill>
+                  <a:srgbClr val="808080"/>
+                </a:solidFill>
+                <a:latin typeface="Consolas" panose="020B0609020204030204" pitchFamily="49" charset="0"/>
+              </a:rPr>
+              <a:t>.</a:t>
+            </a:r>
+            <a:r>
+              <a:rPr lang="en-US" sz="800" dirty="0" err="1">
+                <a:solidFill>
+                  <a:srgbClr val="FF00FF"/>
+                </a:solidFill>
+                <a:latin typeface="Consolas" panose="020B0609020204030204" pitchFamily="49" charset="0"/>
+              </a:rPr>
+              <a:t>object_id</a:t>
+            </a:r>
+            <a:r>
+              <a:rPr lang="en-US" sz="800" dirty="0">
+                <a:solidFill>
+                  <a:srgbClr val="808080"/>
+                </a:solidFill>
+                <a:latin typeface="Consolas" panose="020B0609020204030204" pitchFamily="49" charset="0"/>
+              </a:rPr>
+              <a:t>,</a:t>
+            </a:r>
+            <a:r>
+              <a:rPr lang="en-US" sz="800" dirty="0">
+                <a:solidFill>
+                  <a:srgbClr val="000000"/>
+                </a:solidFill>
+                <a:latin typeface="Consolas" panose="020B0609020204030204" pitchFamily="49" charset="0"/>
+              </a:rPr>
+              <a:t> </a:t>
+            </a:r>
+            <a:r>
+              <a:rPr lang="en-US" sz="800" dirty="0" err="1">
+                <a:solidFill>
+                  <a:srgbClr val="000000"/>
+                </a:solidFill>
+                <a:latin typeface="Consolas" panose="020B0609020204030204" pitchFamily="49" charset="0"/>
+              </a:rPr>
+              <a:t>db</a:t>
+            </a:r>
+            <a:r>
+              <a:rPr lang="en-US" sz="800" dirty="0" err="1">
+                <a:solidFill>
+                  <a:srgbClr val="808080"/>
+                </a:solidFill>
+                <a:latin typeface="Consolas" panose="020B0609020204030204" pitchFamily="49" charset="0"/>
+              </a:rPr>
+              <a:t>.</a:t>
+            </a:r>
+            <a:r>
+              <a:rPr lang="en-US" sz="800" dirty="0" err="1">
+                <a:solidFill>
+                  <a:srgbClr val="000000"/>
+                </a:solidFill>
+                <a:latin typeface="Consolas" panose="020B0609020204030204" pitchFamily="49" charset="0"/>
+              </a:rPr>
+              <a:t>database_id</a:t>
+            </a:r>
+            <a:r>
+              <a:rPr lang="en-US" sz="800" dirty="0">
+                <a:solidFill>
+                  <a:srgbClr val="808080"/>
+                </a:solidFill>
+                <a:latin typeface="Consolas" panose="020B0609020204030204" pitchFamily="49" charset="0"/>
+              </a:rPr>
+              <a:t>)</a:t>
+            </a:r>
+            <a:r>
+              <a:rPr lang="en-US" sz="800" dirty="0">
+                <a:solidFill>
+                  <a:srgbClr val="000000"/>
+                </a:solidFill>
+                <a:latin typeface="Consolas" panose="020B0609020204030204" pitchFamily="49" charset="0"/>
+              </a:rPr>
+              <a:t> </a:t>
+            </a:r>
+            <a:r>
+              <a:rPr lang="en-US" sz="800" dirty="0" err="1">
+                <a:solidFill>
+                  <a:srgbClr val="000000"/>
+                </a:solidFill>
+                <a:latin typeface="Consolas" panose="020B0609020204030204" pitchFamily="49" charset="0"/>
+              </a:rPr>
+              <a:t>external_obj_id</a:t>
+            </a:r>
+            <a:r>
+              <a:rPr lang="en-US" sz="800" dirty="0">
+                <a:solidFill>
+                  <a:srgbClr val="000000"/>
+                </a:solidFill>
+                <a:latin typeface="Consolas" panose="020B0609020204030204" pitchFamily="49" charset="0"/>
+              </a:rPr>
+              <a:t> </a:t>
+            </a:r>
+          </a:p>
+          <a:p>
+            <a:r>
+              <a:rPr lang="en-US" sz="800" dirty="0">
+                <a:solidFill>
+                  <a:srgbClr val="808080"/>
+                </a:solidFill>
+                <a:latin typeface="Consolas" panose="020B0609020204030204" pitchFamily="49" charset="0"/>
+              </a:rPr>
+              <a:t>,</a:t>
+            </a:r>
+            <a:r>
+              <a:rPr lang="en-US" sz="800" dirty="0">
+                <a:solidFill>
+                  <a:srgbClr val="000000"/>
+                </a:solidFill>
+                <a:latin typeface="Consolas" panose="020B0609020204030204" pitchFamily="49" charset="0"/>
+              </a:rPr>
+              <a:t>  </a:t>
+            </a:r>
+            <a:r>
+              <a:rPr lang="en-US" sz="800" dirty="0" err="1">
+                <a:solidFill>
+                  <a:srgbClr val="000000"/>
+                </a:solidFill>
+                <a:latin typeface="Consolas" panose="020B0609020204030204" pitchFamily="49" charset="0"/>
+              </a:rPr>
+              <a:t>dbo</a:t>
+            </a:r>
+            <a:r>
+              <a:rPr lang="en-US" sz="800" dirty="0" err="1">
+                <a:solidFill>
+                  <a:srgbClr val="808080"/>
+                </a:solidFill>
+                <a:latin typeface="Consolas" panose="020B0609020204030204" pitchFamily="49" charset="0"/>
+              </a:rPr>
+              <a:t>.</a:t>
+            </a:r>
+            <a:r>
+              <a:rPr lang="en-US" sz="800" dirty="0" err="1">
+                <a:solidFill>
+                  <a:srgbClr val="000000"/>
+                </a:solidFill>
+                <a:latin typeface="Consolas" panose="020B0609020204030204" pitchFamily="49" charset="0"/>
+              </a:rPr>
+              <a:t>server_type</a:t>
+            </a:r>
+            <a:r>
+              <a:rPr lang="en-US" sz="800" dirty="0">
+                <a:solidFill>
+                  <a:srgbClr val="808080"/>
+                </a:solidFill>
+                <a:latin typeface="Consolas" panose="020B0609020204030204" pitchFamily="49" charset="0"/>
+              </a:rPr>
+              <a:t>()</a:t>
+            </a:r>
+            <a:r>
+              <a:rPr lang="en-US" sz="800" dirty="0">
+                <a:solidFill>
+                  <a:srgbClr val="000000"/>
+                </a:solidFill>
+                <a:latin typeface="Consolas" panose="020B0609020204030204" pitchFamily="49" charset="0"/>
+              </a:rPr>
+              <a:t> </a:t>
+            </a:r>
+            <a:r>
+              <a:rPr lang="en-US" sz="800" dirty="0" err="1">
+                <a:solidFill>
+                  <a:srgbClr val="000000"/>
+                </a:solidFill>
+                <a:latin typeface="Consolas" panose="020B0609020204030204" pitchFamily="49" charset="0"/>
+              </a:rPr>
+              <a:t>server_type</a:t>
+            </a:r>
+            <a:r>
+              <a:rPr lang="en-US" sz="800" dirty="0">
+                <a:solidFill>
+                  <a:srgbClr val="000000"/>
+                </a:solidFill>
+                <a:latin typeface="Consolas" panose="020B0609020204030204" pitchFamily="49" charset="0"/>
+              </a:rPr>
+              <a:t> </a:t>
+            </a:r>
+          </a:p>
+          <a:p>
+            <a:r>
+              <a:rPr lang="en-US" sz="800" dirty="0">
+                <a:solidFill>
+                  <a:srgbClr val="808080"/>
+                </a:solidFill>
+                <a:latin typeface="Consolas" panose="020B0609020204030204" pitchFamily="49" charset="0"/>
+              </a:rPr>
+              <a:t>,</a:t>
+            </a:r>
+            <a:r>
+              <a:rPr lang="en-US" sz="800" dirty="0">
+                <a:solidFill>
+                  <a:srgbClr val="000000"/>
+                </a:solidFill>
+                <a:latin typeface="Consolas" panose="020B0609020204030204" pitchFamily="49" charset="0"/>
+              </a:rPr>
+              <a:t> </a:t>
+            </a:r>
+            <a:r>
+              <a:rPr lang="en-US" sz="800" dirty="0">
+                <a:solidFill>
+                  <a:srgbClr val="FF00FF"/>
+                </a:solidFill>
+                <a:latin typeface="Consolas" panose="020B0609020204030204" pitchFamily="49" charset="0"/>
+              </a:rPr>
+              <a:t>@@SERVERNAME</a:t>
+            </a:r>
+            <a:r>
+              <a:rPr lang="en-US" sz="800" dirty="0">
+                <a:solidFill>
+                  <a:srgbClr val="000000"/>
+                </a:solidFill>
+                <a:latin typeface="Consolas" panose="020B0609020204030204" pitchFamily="49" charset="0"/>
+              </a:rPr>
+              <a:t> </a:t>
+            </a:r>
+            <a:r>
+              <a:rPr lang="en-US" sz="800" dirty="0" err="1">
+                <a:solidFill>
+                  <a:srgbClr val="000000"/>
+                </a:solidFill>
+                <a:latin typeface="Consolas" panose="020B0609020204030204" pitchFamily="49" charset="0"/>
+              </a:rPr>
+              <a:t>server_name</a:t>
+            </a:r>
+            <a:r>
+              <a:rPr lang="en-US" sz="800" dirty="0">
+                <a:solidFill>
+                  <a:srgbClr val="000000"/>
+                </a:solidFill>
+                <a:latin typeface="Consolas" panose="020B0609020204030204" pitchFamily="49" charset="0"/>
+              </a:rPr>
+              <a:t> </a:t>
+            </a:r>
+          </a:p>
+          <a:p>
+            <a:r>
+              <a:rPr lang="en-US" sz="800" dirty="0">
+                <a:solidFill>
+                  <a:srgbClr val="0000FF"/>
+                </a:solidFill>
+                <a:latin typeface="Consolas" panose="020B0609020204030204" pitchFamily="49" charset="0"/>
+              </a:rPr>
+              <a:t>, …..</a:t>
+            </a:r>
+          </a:p>
+          <a:p>
+            <a:r>
+              <a:rPr lang="en-US" sz="800" dirty="0">
+                <a:solidFill>
+                  <a:srgbClr val="0000FF"/>
+                </a:solidFill>
+                <a:latin typeface="Consolas" panose="020B0609020204030204" pitchFamily="49" charset="0"/>
+              </a:rPr>
+              <a:t>from</a:t>
+            </a:r>
+            <a:r>
+              <a:rPr lang="en-US" sz="800" dirty="0">
+                <a:solidFill>
+                  <a:srgbClr val="000000"/>
+                </a:solidFill>
+                <a:latin typeface="Consolas" panose="020B0609020204030204" pitchFamily="49" charset="0"/>
+              </a:rPr>
+              <a:t> </a:t>
+            </a:r>
+          </a:p>
+          <a:p>
+            <a:r>
+              <a:rPr lang="en-US" sz="800" dirty="0" err="1">
+                <a:solidFill>
+                  <a:srgbClr val="00FF00"/>
+                </a:solidFill>
+                <a:latin typeface="Consolas" panose="020B0609020204030204" pitchFamily="49" charset="0"/>
+              </a:rPr>
+              <a:t>sys</a:t>
+            </a:r>
+            <a:r>
+              <a:rPr lang="en-US" sz="800" dirty="0" err="1">
+                <a:solidFill>
+                  <a:srgbClr val="808080"/>
+                </a:solidFill>
+                <a:latin typeface="Consolas" panose="020B0609020204030204" pitchFamily="49" charset="0"/>
+              </a:rPr>
+              <a:t>.</a:t>
+            </a:r>
+            <a:r>
+              <a:rPr lang="en-US" sz="800" dirty="0" err="1">
+                <a:solidFill>
+                  <a:srgbClr val="00FF00"/>
+                </a:solidFill>
+                <a:latin typeface="Consolas" panose="020B0609020204030204" pitchFamily="49" charset="0"/>
+              </a:rPr>
+              <a:t>databases</a:t>
+            </a:r>
+            <a:r>
+              <a:rPr lang="en-US" sz="800" dirty="0">
+                <a:solidFill>
+                  <a:srgbClr val="000000"/>
+                </a:solidFill>
+                <a:latin typeface="Consolas" panose="020B0609020204030204" pitchFamily="49" charset="0"/>
+              </a:rPr>
+              <a:t> </a:t>
+            </a:r>
+            <a:r>
+              <a:rPr lang="en-US" sz="800" dirty="0" err="1">
+                <a:solidFill>
+                  <a:srgbClr val="000000"/>
+                </a:solidFill>
+                <a:latin typeface="Consolas" panose="020B0609020204030204" pitchFamily="49" charset="0"/>
+              </a:rPr>
+              <a:t>db</a:t>
+            </a:r>
+            <a:endParaRPr lang="en-US" sz="800" dirty="0">
+              <a:solidFill>
+                <a:srgbClr val="000000"/>
+              </a:solidFill>
+              <a:latin typeface="Consolas" panose="020B0609020204030204" pitchFamily="49" charset="0"/>
+            </a:endParaRPr>
+          </a:p>
+          <a:p>
+            <a:r>
+              <a:rPr lang="en-US" sz="800" dirty="0">
+                <a:solidFill>
+                  <a:srgbClr val="0000FF"/>
+                </a:solidFill>
+                <a:latin typeface="Consolas" panose="020B0609020204030204" pitchFamily="49" charset="0"/>
+              </a:rPr>
+              <a:t>full</a:t>
+            </a:r>
+            <a:r>
+              <a:rPr lang="en-US" sz="800" dirty="0">
+                <a:solidFill>
+                  <a:srgbClr val="000000"/>
+                </a:solidFill>
+                <a:latin typeface="Consolas" panose="020B0609020204030204" pitchFamily="49" charset="0"/>
+              </a:rPr>
+              <a:t> </a:t>
+            </a:r>
+            <a:r>
+              <a:rPr lang="en-US" sz="800" dirty="0">
+                <a:solidFill>
+                  <a:srgbClr val="808080"/>
+                </a:solidFill>
+                <a:latin typeface="Consolas" panose="020B0609020204030204" pitchFamily="49" charset="0"/>
+              </a:rPr>
+              <a:t>outer</a:t>
+            </a:r>
+            <a:r>
+              <a:rPr lang="en-US" sz="800" dirty="0">
+                <a:solidFill>
+                  <a:srgbClr val="000000"/>
+                </a:solidFill>
+                <a:latin typeface="Consolas" panose="020B0609020204030204" pitchFamily="49" charset="0"/>
+              </a:rPr>
+              <a:t> </a:t>
+            </a:r>
+            <a:r>
+              <a:rPr lang="en-US" sz="800" dirty="0">
+                <a:solidFill>
+                  <a:srgbClr val="808080"/>
+                </a:solidFill>
+                <a:latin typeface="Consolas" panose="020B0609020204030204" pitchFamily="49" charset="0"/>
+              </a:rPr>
+              <a:t>join</a:t>
+            </a:r>
+            <a:r>
+              <a:rPr lang="en-US" sz="800" dirty="0">
+                <a:solidFill>
+                  <a:srgbClr val="000000"/>
+                </a:solidFill>
+                <a:latin typeface="Consolas" panose="020B0609020204030204" pitchFamily="49" charset="0"/>
+              </a:rPr>
+              <a:t> </a:t>
+            </a:r>
+            <a:r>
+              <a:rPr lang="en-US" sz="800" dirty="0" err="1">
+                <a:solidFill>
+                  <a:srgbClr val="00FF00"/>
+                </a:solidFill>
+                <a:latin typeface="Consolas" panose="020B0609020204030204" pitchFamily="49" charset="0"/>
+              </a:rPr>
+              <a:t>sys</a:t>
+            </a:r>
+            <a:r>
+              <a:rPr lang="en-US" sz="800" dirty="0" err="1">
+                <a:solidFill>
+                  <a:srgbClr val="808080"/>
+                </a:solidFill>
+                <a:latin typeface="Consolas" panose="020B0609020204030204" pitchFamily="49" charset="0"/>
+              </a:rPr>
+              <a:t>.</a:t>
+            </a:r>
+            <a:r>
+              <a:rPr lang="en-US" sz="800" dirty="0" err="1">
+                <a:solidFill>
+                  <a:srgbClr val="00FF00"/>
+                </a:solidFill>
+                <a:latin typeface="Consolas" panose="020B0609020204030204" pitchFamily="49" charset="0"/>
+              </a:rPr>
+              <a:t>schemas</a:t>
+            </a:r>
+            <a:r>
+              <a:rPr lang="en-US" sz="800" dirty="0">
+                <a:solidFill>
+                  <a:srgbClr val="000000"/>
+                </a:solidFill>
+                <a:latin typeface="Consolas" panose="020B0609020204030204" pitchFamily="49" charset="0"/>
+              </a:rPr>
+              <a:t> s </a:t>
+            </a:r>
+            <a:r>
+              <a:rPr lang="en-US" sz="800" dirty="0">
+                <a:solidFill>
+                  <a:srgbClr val="0000FF"/>
+                </a:solidFill>
+                <a:latin typeface="Consolas" panose="020B0609020204030204" pitchFamily="49" charset="0"/>
+              </a:rPr>
+              <a:t>on</a:t>
+            </a:r>
+            <a:r>
+              <a:rPr lang="en-US" sz="800" dirty="0">
+                <a:solidFill>
+                  <a:srgbClr val="000000"/>
+                </a:solidFill>
+                <a:latin typeface="Consolas" panose="020B0609020204030204" pitchFamily="49" charset="0"/>
+              </a:rPr>
+              <a:t> </a:t>
+            </a:r>
+            <a:r>
+              <a:rPr lang="en-US" sz="800" dirty="0" err="1">
+                <a:solidFill>
+                  <a:srgbClr val="000000"/>
+                </a:solidFill>
+                <a:latin typeface="Consolas" panose="020B0609020204030204" pitchFamily="49" charset="0"/>
+              </a:rPr>
+              <a:t>db</a:t>
+            </a:r>
+            <a:r>
+              <a:rPr lang="en-US" sz="800" dirty="0" err="1">
+                <a:solidFill>
+                  <a:srgbClr val="808080"/>
+                </a:solidFill>
+                <a:latin typeface="Consolas" panose="020B0609020204030204" pitchFamily="49" charset="0"/>
+              </a:rPr>
+              <a:t>.</a:t>
+            </a:r>
+            <a:r>
+              <a:rPr lang="en-US" sz="800" dirty="0" err="1">
+                <a:solidFill>
+                  <a:srgbClr val="000000"/>
+                </a:solidFill>
+                <a:latin typeface="Consolas" panose="020B0609020204030204" pitchFamily="49" charset="0"/>
+              </a:rPr>
+              <a:t>database_id</a:t>
+            </a:r>
+            <a:r>
+              <a:rPr lang="en-US" sz="800" dirty="0">
+                <a:solidFill>
+                  <a:srgbClr val="000000"/>
+                </a:solidFill>
+                <a:latin typeface="Consolas" panose="020B0609020204030204" pitchFamily="49" charset="0"/>
+              </a:rPr>
+              <a:t> </a:t>
+            </a:r>
+            <a:r>
+              <a:rPr lang="en-US" sz="800" dirty="0">
+                <a:solidFill>
+                  <a:srgbClr val="808080"/>
+                </a:solidFill>
+                <a:latin typeface="Consolas" panose="020B0609020204030204" pitchFamily="49" charset="0"/>
+              </a:rPr>
+              <a:t>=</a:t>
+            </a:r>
+            <a:r>
+              <a:rPr lang="en-US" sz="800" dirty="0">
+                <a:solidFill>
+                  <a:srgbClr val="000000"/>
+                </a:solidFill>
+                <a:latin typeface="Consolas" panose="020B0609020204030204" pitchFamily="49" charset="0"/>
+              </a:rPr>
+              <a:t> </a:t>
+            </a:r>
+            <a:r>
+              <a:rPr lang="en-US" sz="800" dirty="0" err="1">
+                <a:solidFill>
+                  <a:srgbClr val="FF00FF"/>
+                </a:solidFill>
+                <a:latin typeface="Consolas" panose="020B0609020204030204" pitchFamily="49" charset="0"/>
+              </a:rPr>
+              <a:t>db_id</a:t>
+            </a:r>
+            <a:r>
+              <a:rPr lang="en-US" sz="800" dirty="0">
+                <a:solidFill>
+                  <a:srgbClr val="808080"/>
+                </a:solidFill>
+                <a:latin typeface="Consolas" panose="020B0609020204030204" pitchFamily="49" charset="0"/>
+              </a:rPr>
+              <a:t>()</a:t>
+            </a:r>
+            <a:endParaRPr lang="en-US" sz="800" dirty="0">
+              <a:solidFill>
+                <a:srgbClr val="000000"/>
+              </a:solidFill>
+              <a:latin typeface="Consolas" panose="020B0609020204030204" pitchFamily="49" charset="0"/>
+            </a:endParaRPr>
+          </a:p>
+          <a:p>
+            <a:r>
+              <a:rPr lang="en-US" sz="800" dirty="0">
+                <a:solidFill>
+                  <a:srgbClr val="808080"/>
+                </a:solidFill>
+                <a:latin typeface="Consolas" panose="020B0609020204030204" pitchFamily="49" charset="0"/>
+              </a:rPr>
+              <a:t>left</a:t>
+            </a:r>
+            <a:r>
+              <a:rPr lang="en-US" sz="800" dirty="0">
+                <a:solidFill>
+                  <a:srgbClr val="000000"/>
+                </a:solidFill>
+                <a:latin typeface="Consolas" panose="020B0609020204030204" pitchFamily="49" charset="0"/>
+              </a:rPr>
+              <a:t> </a:t>
+            </a:r>
+            <a:r>
+              <a:rPr lang="en-US" sz="800" dirty="0">
+                <a:solidFill>
+                  <a:srgbClr val="808080"/>
+                </a:solidFill>
+                <a:latin typeface="Consolas" panose="020B0609020204030204" pitchFamily="49" charset="0"/>
+              </a:rPr>
+              <a:t>join</a:t>
+            </a:r>
+            <a:r>
+              <a:rPr lang="en-US" sz="800" dirty="0">
+                <a:solidFill>
+                  <a:srgbClr val="000000"/>
+                </a:solidFill>
+                <a:latin typeface="Consolas" panose="020B0609020204030204" pitchFamily="49" charset="0"/>
+              </a:rPr>
+              <a:t> </a:t>
+            </a:r>
+            <a:r>
+              <a:rPr lang="en-US" sz="800" dirty="0" err="1">
+                <a:solidFill>
+                  <a:srgbClr val="00FF00"/>
+                </a:solidFill>
+                <a:latin typeface="Consolas" panose="020B0609020204030204" pitchFamily="49" charset="0"/>
+              </a:rPr>
+              <a:t>sys</a:t>
+            </a:r>
+            <a:r>
+              <a:rPr lang="en-US" sz="800" dirty="0" err="1">
+                <a:solidFill>
+                  <a:srgbClr val="808080"/>
+                </a:solidFill>
+                <a:latin typeface="Consolas" panose="020B0609020204030204" pitchFamily="49" charset="0"/>
+              </a:rPr>
+              <a:t>.</a:t>
+            </a:r>
+            <a:r>
+              <a:rPr lang="en-US" sz="800" dirty="0" err="1">
+                <a:solidFill>
+                  <a:srgbClr val="00FF00"/>
+                </a:solidFill>
+                <a:latin typeface="Consolas" panose="020B0609020204030204" pitchFamily="49" charset="0"/>
+              </a:rPr>
+              <a:t>objects</a:t>
+            </a:r>
+            <a:r>
+              <a:rPr lang="en-US" sz="800" dirty="0">
+                <a:solidFill>
+                  <a:srgbClr val="000000"/>
+                </a:solidFill>
+                <a:latin typeface="Consolas" panose="020B0609020204030204" pitchFamily="49" charset="0"/>
+              </a:rPr>
+              <a:t> o </a:t>
+            </a:r>
+            <a:r>
+              <a:rPr lang="en-US" sz="800" dirty="0">
+                <a:solidFill>
+                  <a:srgbClr val="0000FF"/>
+                </a:solidFill>
+                <a:latin typeface="Consolas" panose="020B0609020204030204" pitchFamily="49" charset="0"/>
+              </a:rPr>
+              <a:t>on</a:t>
+            </a:r>
+            <a:r>
+              <a:rPr lang="en-US" sz="800" dirty="0">
+                <a:solidFill>
+                  <a:srgbClr val="000000"/>
+                </a:solidFill>
+                <a:latin typeface="Consolas" panose="020B0609020204030204" pitchFamily="49" charset="0"/>
+              </a:rPr>
+              <a:t> </a:t>
+            </a:r>
+            <a:r>
+              <a:rPr lang="en-US" sz="800" dirty="0" err="1">
+                <a:solidFill>
+                  <a:srgbClr val="000000"/>
+                </a:solidFill>
+                <a:latin typeface="Consolas" panose="020B0609020204030204" pitchFamily="49" charset="0"/>
+              </a:rPr>
+              <a:t>o</a:t>
+            </a:r>
+            <a:r>
+              <a:rPr lang="en-US" sz="800" dirty="0" err="1">
+                <a:solidFill>
+                  <a:srgbClr val="808080"/>
+                </a:solidFill>
+                <a:latin typeface="Consolas" panose="020B0609020204030204" pitchFamily="49" charset="0"/>
+              </a:rPr>
+              <a:t>.</a:t>
+            </a:r>
+            <a:r>
+              <a:rPr lang="en-US" sz="800" dirty="0" err="1">
+                <a:solidFill>
+                  <a:srgbClr val="FF00FF"/>
+                </a:solidFill>
+                <a:latin typeface="Consolas" panose="020B0609020204030204" pitchFamily="49" charset="0"/>
+              </a:rPr>
+              <a:t>schema_id</a:t>
+            </a:r>
+            <a:r>
+              <a:rPr lang="en-US" sz="800" dirty="0">
+                <a:solidFill>
+                  <a:srgbClr val="000000"/>
+                </a:solidFill>
+                <a:latin typeface="Consolas" panose="020B0609020204030204" pitchFamily="49" charset="0"/>
+              </a:rPr>
+              <a:t> </a:t>
+            </a:r>
+            <a:r>
+              <a:rPr lang="en-US" sz="800" dirty="0">
+                <a:solidFill>
+                  <a:srgbClr val="808080"/>
+                </a:solidFill>
+                <a:latin typeface="Consolas" panose="020B0609020204030204" pitchFamily="49" charset="0"/>
+              </a:rPr>
+              <a:t>=</a:t>
+            </a:r>
+            <a:r>
+              <a:rPr lang="en-US" sz="800" dirty="0">
+                <a:solidFill>
+                  <a:srgbClr val="000000"/>
+                </a:solidFill>
+                <a:latin typeface="Consolas" panose="020B0609020204030204" pitchFamily="49" charset="0"/>
+              </a:rPr>
+              <a:t> </a:t>
+            </a:r>
+            <a:r>
+              <a:rPr lang="en-US" sz="800" dirty="0" err="1">
+                <a:solidFill>
+                  <a:srgbClr val="000000"/>
+                </a:solidFill>
+                <a:latin typeface="Consolas" panose="020B0609020204030204" pitchFamily="49" charset="0"/>
+              </a:rPr>
+              <a:t>s</a:t>
+            </a:r>
+            <a:r>
+              <a:rPr lang="en-US" sz="800" dirty="0" err="1">
+                <a:solidFill>
+                  <a:srgbClr val="808080"/>
+                </a:solidFill>
+                <a:latin typeface="Consolas" panose="020B0609020204030204" pitchFamily="49" charset="0"/>
+              </a:rPr>
+              <a:t>.</a:t>
+            </a:r>
+            <a:r>
+              <a:rPr lang="en-US" sz="800" dirty="0" err="1">
+                <a:solidFill>
+                  <a:srgbClr val="FF00FF"/>
+                </a:solidFill>
+                <a:latin typeface="Consolas" panose="020B0609020204030204" pitchFamily="49" charset="0"/>
+              </a:rPr>
+              <a:t>schema_id</a:t>
+            </a:r>
+            <a:endParaRPr lang="en-US" sz="800" dirty="0">
+              <a:solidFill>
+                <a:srgbClr val="000000"/>
+              </a:solidFill>
+              <a:latin typeface="Consolas" panose="020B0609020204030204" pitchFamily="49" charset="0"/>
+            </a:endParaRPr>
+          </a:p>
+          <a:p>
+            <a:r>
+              <a:rPr lang="en-US" sz="800" dirty="0">
+                <a:solidFill>
+                  <a:srgbClr val="808080"/>
+                </a:solidFill>
+                <a:latin typeface="Consolas" panose="020B0609020204030204" pitchFamily="49" charset="0"/>
+              </a:rPr>
+              <a:t>and</a:t>
+            </a:r>
+            <a:r>
+              <a:rPr lang="en-US" sz="800" dirty="0">
+                <a:solidFill>
+                  <a:srgbClr val="000000"/>
+                </a:solidFill>
+                <a:latin typeface="Consolas" panose="020B0609020204030204" pitchFamily="49" charset="0"/>
+              </a:rPr>
+              <a:t> </a:t>
+            </a:r>
+            <a:r>
+              <a:rPr lang="en-US" sz="800" dirty="0" err="1">
+                <a:solidFill>
+                  <a:srgbClr val="000000"/>
+                </a:solidFill>
+                <a:latin typeface="Consolas" panose="020B0609020204030204" pitchFamily="49" charset="0"/>
+              </a:rPr>
+              <a:t>o</a:t>
+            </a:r>
+            <a:r>
+              <a:rPr lang="en-US" sz="800" dirty="0" err="1">
+                <a:solidFill>
+                  <a:srgbClr val="808080"/>
+                </a:solidFill>
+                <a:latin typeface="Consolas" panose="020B0609020204030204" pitchFamily="49" charset="0"/>
+              </a:rPr>
+              <a:t>.</a:t>
+            </a:r>
+            <a:r>
+              <a:rPr lang="en-US" sz="800" dirty="0" err="1">
+                <a:solidFill>
+                  <a:srgbClr val="0000FF"/>
+                </a:solidFill>
+                <a:latin typeface="Consolas" panose="020B0609020204030204" pitchFamily="49" charset="0"/>
+              </a:rPr>
+              <a:t>type</a:t>
+            </a:r>
+            <a:r>
+              <a:rPr lang="en-US" sz="800" dirty="0">
+                <a:solidFill>
+                  <a:srgbClr val="000000"/>
+                </a:solidFill>
+                <a:latin typeface="Consolas" panose="020B0609020204030204" pitchFamily="49" charset="0"/>
+              </a:rPr>
+              <a:t> </a:t>
+            </a:r>
+            <a:r>
+              <a:rPr lang="en-US" sz="800" dirty="0">
+                <a:solidFill>
+                  <a:srgbClr val="808080"/>
+                </a:solidFill>
+                <a:latin typeface="Consolas" panose="020B0609020204030204" pitchFamily="49" charset="0"/>
+              </a:rPr>
+              <a:t>in</a:t>
+            </a:r>
+            <a:r>
+              <a:rPr lang="en-US" sz="800" dirty="0">
+                <a:solidFill>
+                  <a:srgbClr val="0000FF"/>
+                </a:solidFill>
+                <a:latin typeface="Consolas" panose="020B0609020204030204" pitchFamily="49" charset="0"/>
+              </a:rPr>
+              <a:t> </a:t>
+            </a:r>
+            <a:r>
+              <a:rPr lang="en-US" sz="800" dirty="0">
+                <a:solidFill>
+                  <a:srgbClr val="808080"/>
+                </a:solidFill>
+                <a:latin typeface="Consolas" panose="020B0609020204030204" pitchFamily="49" charset="0"/>
+              </a:rPr>
+              <a:t>(</a:t>
+            </a:r>
+            <a:r>
+              <a:rPr lang="en-US" sz="800" dirty="0">
+                <a:solidFill>
+                  <a:srgbClr val="000000"/>
+                </a:solidFill>
+                <a:latin typeface="Consolas" panose="020B0609020204030204" pitchFamily="49" charset="0"/>
+              </a:rPr>
+              <a:t> </a:t>
+            </a:r>
+            <a:r>
+              <a:rPr lang="en-US" sz="800" dirty="0">
+                <a:solidFill>
+                  <a:srgbClr val="FF0000"/>
+                </a:solidFill>
+                <a:latin typeface="Consolas" panose="020B0609020204030204" pitchFamily="49" charset="0"/>
+              </a:rPr>
+              <a:t>'U'</a:t>
+            </a:r>
+            <a:r>
+              <a:rPr lang="en-US" sz="800" dirty="0">
+                <a:solidFill>
+                  <a:srgbClr val="808080"/>
+                </a:solidFill>
+                <a:latin typeface="Consolas" panose="020B0609020204030204" pitchFamily="49" charset="0"/>
+              </a:rPr>
+              <a:t>,</a:t>
+            </a:r>
+            <a:r>
+              <a:rPr lang="en-US" sz="800" dirty="0">
+                <a:solidFill>
+                  <a:srgbClr val="FF0000"/>
+                </a:solidFill>
+                <a:latin typeface="Consolas" panose="020B0609020204030204" pitchFamily="49" charset="0"/>
+              </a:rPr>
+              <a:t>'V'</a:t>
+            </a:r>
+            <a:r>
+              <a:rPr lang="en-US" sz="800" dirty="0">
+                <a:solidFill>
+                  <a:srgbClr val="808080"/>
+                </a:solidFill>
+                <a:latin typeface="Consolas" panose="020B0609020204030204" pitchFamily="49" charset="0"/>
+              </a:rPr>
+              <a:t>)</a:t>
+            </a:r>
+            <a:r>
+              <a:rPr lang="en-US" sz="800" dirty="0">
+                <a:solidFill>
+                  <a:srgbClr val="000000"/>
+                </a:solidFill>
+                <a:latin typeface="Consolas" panose="020B0609020204030204" pitchFamily="49" charset="0"/>
+              </a:rPr>
+              <a:t> </a:t>
+            </a:r>
+            <a:r>
+              <a:rPr lang="en-US" sz="800" dirty="0">
+                <a:solidFill>
+                  <a:srgbClr val="008000"/>
+                </a:solidFill>
+                <a:latin typeface="Consolas" panose="020B0609020204030204" pitchFamily="49" charset="0"/>
+              </a:rPr>
+              <a:t>-- only tables and views</a:t>
+            </a:r>
+          </a:p>
+          <a:p>
+            <a:r>
+              <a:rPr lang="en-US" sz="800" dirty="0">
+                <a:solidFill>
+                  <a:srgbClr val="008000"/>
+                </a:solidFill>
+                <a:latin typeface="Consolas" panose="020B0609020204030204" pitchFamily="49" charset="0"/>
+              </a:rPr>
+              <a:t>….</a:t>
+            </a:r>
+            <a:endParaRPr lang="en-US" sz="800" dirty="0">
+              <a:solidFill>
+                <a:srgbClr val="000000"/>
+              </a:solidFill>
+              <a:latin typeface="Consolas" panose="020B0609020204030204" pitchFamily="49" charset="0"/>
+            </a:endParaRPr>
+          </a:p>
+        </p:txBody>
+      </p:sp>
+      <p:sp>
+        <p:nvSpPr>
+          <p:cNvPr id="29" name="Rectangle 28">
+            <a:extLst>
+              <a:ext uri="{FF2B5EF4-FFF2-40B4-BE49-F238E27FC236}">
+                <a16:creationId xmlns:a16="http://schemas.microsoft.com/office/drawing/2014/main" id="{35271839-180A-4A9A-A296-98B1C020DD7C}"/>
+              </a:ext>
+            </a:extLst>
+          </p:cNvPr>
+          <p:cNvSpPr/>
+          <p:nvPr/>
+        </p:nvSpPr>
+        <p:spPr>
+          <a:xfrm>
+            <a:off x="939567" y="427839"/>
+            <a:ext cx="2298584" cy="778077"/>
+          </a:xfrm>
+          <a:prstGeom prst="rect">
+            <a:avLst/>
+          </a:prstGeom>
+          <a:noFill/>
+        </p:spPr>
+        <p:style>
+          <a:lnRef idx="2">
+            <a:schemeClr val="accent1">
+              <a:shade val="50000"/>
+            </a:schemeClr>
+          </a:lnRef>
+          <a:fillRef idx="1">
+            <a:schemeClr val="accent1"/>
+          </a:fillRef>
+          <a:effectRef idx="0">
+            <a:schemeClr val="accent1"/>
+          </a:effectRef>
+          <a:fontRef idx="minor">
+            <a:schemeClr val="lt1"/>
+          </a:fontRef>
+        </p:style>
+        <p:txBody>
+          <a:bodyPr rtlCol="0" anchor="ctr"/>
+          <a:lstStyle/>
+          <a:p>
+            <a:pPr algn="ctr"/>
+            <a:r>
+              <a:rPr lang="en-US" dirty="0">
+                <a:solidFill>
+                  <a:schemeClr val="tx1"/>
+                </a:solidFill>
+              </a:rPr>
+              <a:t>object tree query</a:t>
+            </a:r>
+            <a:endParaRPr lang="en-NL" dirty="0">
+              <a:solidFill>
+                <a:schemeClr val="tx1"/>
+              </a:solidFill>
+            </a:endParaRPr>
+          </a:p>
+        </p:txBody>
+      </p:sp>
+      <p:sp>
+        <p:nvSpPr>
+          <p:cNvPr id="30" name="Cylinder 29">
+            <a:extLst>
+              <a:ext uri="{FF2B5EF4-FFF2-40B4-BE49-F238E27FC236}">
+                <a16:creationId xmlns:a16="http://schemas.microsoft.com/office/drawing/2014/main" id="{BB775DEB-80EA-45D8-8298-E6623D10686F}"/>
+              </a:ext>
+            </a:extLst>
+          </p:cNvPr>
+          <p:cNvSpPr/>
+          <p:nvPr/>
+        </p:nvSpPr>
+        <p:spPr>
+          <a:xfrm>
+            <a:off x="1409350" y="3632433"/>
+            <a:ext cx="1157681" cy="1459684"/>
+          </a:xfrm>
+          <a:prstGeom prst="can">
+            <a:avLst/>
+          </a:prstGeom>
+        </p:spPr>
+        <p:style>
+          <a:lnRef idx="2">
+            <a:schemeClr val="accent1">
+              <a:shade val="50000"/>
+            </a:schemeClr>
+          </a:lnRef>
+          <a:fillRef idx="1">
+            <a:schemeClr val="accent1"/>
+          </a:fillRef>
+          <a:effectRef idx="0">
+            <a:schemeClr val="accent1"/>
+          </a:effectRef>
+          <a:fontRef idx="minor">
+            <a:schemeClr val="lt1"/>
+          </a:fontRef>
+        </p:style>
+        <p:txBody>
+          <a:bodyPr rtlCol="0" anchor="ctr"/>
+          <a:lstStyle/>
+          <a:p>
+            <a:pPr algn="ctr"/>
+            <a:r>
+              <a:rPr lang="en-US" dirty="0"/>
+              <a:t>Source database</a:t>
+            </a:r>
+            <a:endParaRPr lang="en-NL" dirty="0"/>
+          </a:p>
+        </p:txBody>
+      </p:sp>
+      <p:sp>
+        <p:nvSpPr>
+          <p:cNvPr id="31" name="Cylinder 30">
+            <a:extLst>
+              <a:ext uri="{FF2B5EF4-FFF2-40B4-BE49-F238E27FC236}">
+                <a16:creationId xmlns:a16="http://schemas.microsoft.com/office/drawing/2014/main" id="{95E4C668-A9ED-4F6E-ACAB-D9AA747562DF}"/>
+              </a:ext>
+            </a:extLst>
+          </p:cNvPr>
+          <p:cNvSpPr/>
+          <p:nvPr/>
+        </p:nvSpPr>
+        <p:spPr>
+          <a:xfrm>
+            <a:off x="8862688" y="1208015"/>
+            <a:ext cx="1157681" cy="1459684"/>
+          </a:xfrm>
+          <a:prstGeom prst="can">
+            <a:avLst/>
+          </a:prstGeom>
+        </p:spPr>
+        <p:style>
+          <a:lnRef idx="2">
+            <a:schemeClr val="accent1">
+              <a:shade val="50000"/>
+            </a:schemeClr>
+          </a:lnRef>
+          <a:fillRef idx="1">
+            <a:schemeClr val="accent1"/>
+          </a:fillRef>
+          <a:effectRef idx="0">
+            <a:schemeClr val="accent1"/>
+          </a:effectRef>
+          <a:fontRef idx="minor">
+            <a:schemeClr val="lt1"/>
+          </a:fontRef>
+        </p:style>
+        <p:txBody>
+          <a:bodyPr rtlCol="0" anchor="ctr"/>
+          <a:lstStyle/>
+          <a:p>
+            <a:pPr algn="ctr"/>
+            <a:r>
+              <a:rPr lang="en-US" dirty="0"/>
+              <a:t>BETL</a:t>
+            </a:r>
+            <a:endParaRPr lang="en-NL" dirty="0"/>
+          </a:p>
+        </p:txBody>
+      </p:sp>
+      <p:sp>
+        <p:nvSpPr>
+          <p:cNvPr id="32" name="Rectangle 31">
+            <a:extLst>
+              <a:ext uri="{FF2B5EF4-FFF2-40B4-BE49-F238E27FC236}">
+                <a16:creationId xmlns:a16="http://schemas.microsoft.com/office/drawing/2014/main" id="{C129B65D-C836-46AC-A3F2-E08402EB827D}"/>
+              </a:ext>
+            </a:extLst>
+          </p:cNvPr>
+          <p:cNvSpPr/>
+          <p:nvPr/>
+        </p:nvSpPr>
+        <p:spPr>
+          <a:xfrm>
+            <a:off x="4424921" y="169179"/>
+            <a:ext cx="2298584" cy="778077"/>
+          </a:xfrm>
+          <a:prstGeom prst="rect">
+            <a:avLst/>
+          </a:prstGeom>
+          <a:noFill/>
+          <a:ln>
+            <a:noFill/>
+          </a:ln>
+        </p:spPr>
+        <p:style>
+          <a:lnRef idx="2">
+            <a:schemeClr val="accent1">
+              <a:shade val="50000"/>
+            </a:schemeClr>
+          </a:lnRef>
+          <a:fillRef idx="1">
+            <a:schemeClr val="accent1"/>
+          </a:fillRef>
+          <a:effectRef idx="0">
+            <a:schemeClr val="accent1"/>
+          </a:effectRef>
+          <a:fontRef idx="minor">
+            <a:schemeClr val="lt1"/>
+          </a:fontRef>
+        </p:style>
+        <p:txBody>
+          <a:bodyPr rtlCol="0" anchor="ctr"/>
+          <a:lstStyle/>
+          <a:p>
+            <a:pPr algn="ctr"/>
+            <a:r>
+              <a:rPr lang="en-US" dirty="0">
+                <a:solidFill>
+                  <a:schemeClr val="tx1"/>
+                </a:solidFill>
+              </a:rPr>
+              <a:t>object tree</a:t>
+            </a:r>
+            <a:endParaRPr lang="en-NL" dirty="0">
+              <a:solidFill>
+                <a:schemeClr val="tx1"/>
+              </a:solidFill>
+            </a:endParaRPr>
+          </a:p>
+        </p:txBody>
+      </p:sp>
+      <p:cxnSp>
+        <p:nvCxnSpPr>
+          <p:cNvPr id="34" name="Straight Arrow Connector 33">
+            <a:extLst>
+              <a:ext uri="{FF2B5EF4-FFF2-40B4-BE49-F238E27FC236}">
+                <a16:creationId xmlns:a16="http://schemas.microsoft.com/office/drawing/2014/main" id="{D2B5BF5A-2B62-4AE2-8C4E-10C302A1FB5F}"/>
+              </a:ext>
+            </a:extLst>
+          </p:cNvPr>
+          <p:cNvCxnSpPr/>
+          <p:nvPr/>
+        </p:nvCxnSpPr>
+        <p:spPr>
+          <a:xfrm>
+            <a:off x="4102217" y="1937857"/>
+            <a:ext cx="469783" cy="0"/>
+          </a:xfrm>
+          <a:prstGeom prst="straightConnector1">
+            <a:avLst/>
+          </a:prstGeom>
+          <a:ln>
+            <a:tailEnd type="triangle"/>
+          </a:ln>
+        </p:spPr>
+        <p:style>
+          <a:lnRef idx="1">
+            <a:schemeClr val="accent1"/>
+          </a:lnRef>
+          <a:fillRef idx="0">
+            <a:schemeClr val="accent1"/>
+          </a:fillRef>
+          <a:effectRef idx="0">
+            <a:schemeClr val="accent1"/>
+          </a:effectRef>
+          <a:fontRef idx="minor">
+            <a:schemeClr val="tx1"/>
+          </a:fontRef>
+        </p:style>
+      </p:cxnSp>
+      <p:cxnSp>
+        <p:nvCxnSpPr>
+          <p:cNvPr id="35" name="Straight Arrow Connector 34">
+            <a:extLst>
+              <a:ext uri="{FF2B5EF4-FFF2-40B4-BE49-F238E27FC236}">
+                <a16:creationId xmlns:a16="http://schemas.microsoft.com/office/drawing/2014/main" id="{F7119577-8D27-455B-B380-667D9BA1B85E}"/>
+              </a:ext>
+            </a:extLst>
+          </p:cNvPr>
+          <p:cNvCxnSpPr/>
+          <p:nvPr/>
+        </p:nvCxnSpPr>
+        <p:spPr>
+          <a:xfrm>
+            <a:off x="7501156" y="1937857"/>
+            <a:ext cx="469783" cy="0"/>
+          </a:xfrm>
+          <a:prstGeom prst="straightConnector1">
+            <a:avLst/>
+          </a:prstGeom>
+          <a:ln>
+            <a:tailEnd type="triangle"/>
+          </a:ln>
+        </p:spPr>
+        <p:style>
+          <a:lnRef idx="1">
+            <a:schemeClr val="accent1"/>
+          </a:lnRef>
+          <a:fillRef idx="0">
+            <a:schemeClr val="accent1"/>
+          </a:fillRef>
+          <a:effectRef idx="0">
+            <a:schemeClr val="accent1"/>
+          </a:effectRef>
+          <a:fontRef idx="minor">
+            <a:schemeClr val="tx1"/>
+          </a:fontRef>
+        </p:style>
+      </p:cxnSp>
+      <p:sp>
+        <p:nvSpPr>
+          <p:cNvPr id="36" name="Rectangle 35">
+            <a:extLst>
+              <a:ext uri="{FF2B5EF4-FFF2-40B4-BE49-F238E27FC236}">
+                <a16:creationId xmlns:a16="http://schemas.microsoft.com/office/drawing/2014/main" id="{AEF8AA37-064F-47E6-9AB8-74779DE2B391}"/>
+              </a:ext>
+            </a:extLst>
+          </p:cNvPr>
+          <p:cNvSpPr/>
+          <p:nvPr/>
+        </p:nvSpPr>
+        <p:spPr>
+          <a:xfrm>
+            <a:off x="6652748" y="1210107"/>
+            <a:ext cx="2298584" cy="778077"/>
+          </a:xfrm>
+          <a:prstGeom prst="rect">
+            <a:avLst/>
+          </a:prstGeom>
+          <a:noFill/>
+          <a:ln>
+            <a:noFill/>
+          </a:ln>
+        </p:spPr>
+        <p:style>
+          <a:lnRef idx="2">
+            <a:schemeClr val="accent1">
+              <a:shade val="50000"/>
+            </a:schemeClr>
+          </a:lnRef>
+          <a:fillRef idx="1">
+            <a:schemeClr val="accent1"/>
+          </a:fillRef>
+          <a:effectRef idx="0">
+            <a:schemeClr val="accent1"/>
+          </a:effectRef>
+          <a:fontRef idx="minor">
+            <a:schemeClr val="lt1"/>
+          </a:fontRef>
+        </p:style>
+        <p:txBody>
+          <a:bodyPr rtlCol="0" anchor="ctr"/>
+          <a:lstStyle/>
+          <a:p>
+            <a:pPr algn="ctr"/>
+            <a:r>
+              <a:rPr lang="en-US" dirty="0">
+                <a:solidFill>
+                  <a:schemeClr val="tx1"/>
+                </a:solidFill>
+              </a:rPr>
+              <a:t>Ingest object tree</a:t>
+            </a:r>
+            <a:endParaRPr lang="en-NL" dirty="0">
+              <a:solidFill>
+                <a:schemeClr val="tx1"/>
+              </a:solidFill>
+            </a:endParaRPr>
+          </a:p>
+        </p:txBody>
+      </p:sp>
+    </p:spTree>
+    <p:extLst>
+      <p:ext uri="{BB962C8B-B14F-4D97-AF65-F5344CB8AC3E}">
+        <p14:creationId xmlns:p14="http://schemas.microsoft.com/office/powerpoint/2010/main" val="3759393528"/>
+      </p:ext>
+    </p:extLst>
+  </p:cSld>
+  <p:clrMapOvr>
+    <a:masterClrMapping/>
+  </p:clrMapOvr>
+</p:sld>
+</file>
+
 <file path=ppt/theme/theme1.xml><?xml version="1.0" encoding="utf-8"?>
 <a:theme xmlns:a="http://schemas.openxmlformats.org/drawingml/2006/main" name="Office Theme">
   <a:themeElements>

--- a/image/betl_architecture.pptx
+++ b/image/betl_architecture.pptx
@@ -15041,7 +15041,7 @@
         </p:nvSpPr>
         <p:spPr>
           <a:xfrm>
-            <a:off x="1409350" y="3632433"/>
+            <a:off x="1191235" y="3229761"/>
             <a:ext cx="1157681" cy="1459684"/>
           </a:xfrm>
           <a:prstGeom prst="can">

--- a/image/betl_architecture.pptx
+++ b/image/betl_architecture.pptx
@@ -266,7 +266,7 @@
           <a:p>
             <a:fld id="{1719DC78-B2E2-489A-B4DC-503C173C394C}" type="datetimeFigureOut">
               <a:rPr lang="en-NL" smtClean="0"/>
-              <a:t>29/03/2021</a:t>
+              <a:t>01/07/2021</a:t>
             </a:fld>
             <a:endParaRPr lang="en-NL"/>
           </a:p>
@@ -466,7 +466,7 @@
           <a:p>
             <a:fld id="{1719DC78-B2E2-489A-B4DC-503C173C394C}" type="datetimeFigureOut">
               <a:rPr lang="en-NL" smtClean="0"/>
-              <a:t>29/03/2021</a:t>
+              <a:t>01/07/2021</a:t>
             </a:fld>
             <a:endParaRPr lang="en-NL"/>
           </a:p>
@@ -676,7 +676,7 @@
           <a:p>
             <a:fld id="{1719DC78-B2E2-489A-B4DC-503C173C394C}" type="datetimeFigureOut">
               <a:rPr lang="en-NL" smtClean="0"/>
-              <a:t>29/03/2021</a:t>
+              <a:t>01/07/2021</a:t>
             </a:fld>
             <a:endParaRPr lang="en-NL"/>
           </a:p>
@@ -876,7 +876,7 @@
           <a:p>
             <a:fld id="{1719DC78-B2E2-489A-B4DC-503C173C394C}" type="datetimeFigureOut">
               <a:rPr lang="en-NL" smtClean="0"/>
-              <a:t>29/03/2021</a:t>
+              <a:t>01/07/2021</a:t>
             </a:fld>
             <a:endParaRPr lang="en-NL"/>
           </a:p>
@@ -1152,7 +1152,7 @@
           <a:p>
             <a:fld id="{1719DC78-B2E2-489A-B4DC-503C173C394C}" type="datetimeFigureOut">
               <a:rPr lang="en-NL" smtClean="0"/>
-              <a:t>29/03/2021</a:t>
+              <a:t>01/07/2021</a:t>
             </a:fld>
             <a:endParaRPr lang="en-NL"/>
           </a:p>
@@ -1420,7 +1420,7 @@
           <a:p>
             <a:fld id="{1719DC78-B2E2-489A-B4DC-503C173C394C}" type="datetimeFigureOut">
               <a:rPr lang="en-NL" smtClean="0"/>
-              <a:t>29/03/2021</a:t>
+              <a:t>01/07/2021</a:t>
             </a:fld>
             <a:endParaRPr lang="en-NL"/>
           </a:p>
@@ -1835,7 +1835,7 @@
           <a:p>
             <a:fld id="{1719DC78-B2E2-489A-B4DC-503C173C394C}" type="datetimeFigureOut">
               <a:rPr lang="en-NL" smtClean="0"/>
-              <a:t>29/03/2021</a:t>
+              <a:t>01/07/2021</a:t>
             </a:fld>
             <a:endParaRPr lang="en-NL"/>
           </a:p>
@@ -1977,7 +1977,7 @@
           <a:p>
             <a:fld id="{1719DC78-B2E2-489A-B4DC-503C173C394C}" type="datetimeFigureOut">
               <a:rPr lang="en-NL" smtClean="0"/>
-              <a:t>29/03/2021</a:t>
+              <a:t>01/07/2021</a:t>
             </a:fld>
             <a:endParaRPr lang="en-NL"/>
           </a:p>
@@ -2090,7 +2090,7 @@
           <a:p>
             <a:fld id="{1719DC78-B2E2-489A-B4DC-503C173C394C}" type="datetimeFigureOut">
               <a:rPr lang="en-NL" smtClean="0"/>
-              <a:t>29/03/2021</a:t>
+              <a:t>01/07/2021</a:t>
             </a:fld>
             <a:endParaRPr lang="en-NL"/>
           </a:p>
@@ -2403,7 +2403,7 @@
           <a:p>
             <a:fld id="{1719DC78-B2E2-489A-B4DC-503C173C394C}" type="datetimeFigureOut">
               <a:rPr lang="en-NL" smtClean="0"/>
-              <a:t>29/03/2021</a:t>
+              <a:t>01/07/2021</a:t>
             </a:fld>
             <a:endParaRPr lang="en-NL"/>
           </a:p>
@@ -2692,7 +2692,7 @@
           <a:p>
             <a:fld id="{1719DC78-B2E2-489A-B4DC-503C173C394C}" type="datetimeFigureOut">
               <a:rPr lang="en-NL" smtClean="0"/>
-              <a:t>29/03/2021</a:t>
+              <a:t>01/07/2021</a:t>
             </a:fld>
             <a:endParaRPr lang="en-NL"/>
           </a:p>
@@ -2935,7 +2935,7 @@
           <a:p>
             <a:fld id="{1719DC78-B2E2-489A-B4DC-503C173C394C}" type="datetimeFigureOut">
               <a:rPr lang="en-NL" smtClean="0"/>
-              <a:t>29/03/2021</a:t>
+              <a:t>01/07/2021</a:t>
             </a:fld>
             <a:endParaRPr lang="en-NL"/>
           </a:p>
@@ -13977,7 +13977,7 @@
         </p:blipFill>
         <p:spPr>
           <a:xfrm>
-            <a:off x="4843552" y="1122026"/>
+            <a:off x="812910" y="2363597"/>
             <a:ext cx="1796883" cy="2015457"/>
           </a:xfrm>
           <a:prstGeom prst="rect">
@@ -13999,7 +13999,7 @@
         </p:nvSpPr>
         <p:spPr>
           <a:xfrm>
-            <a:off x="662729" y="1391096"/>
+            <a:off x="2954323" y="1578767"/>
             <a:ext cx="3372374" cy="1569660"/>
           </a:xfrm>
           <a:prstGeom prst="rect">
@@ -14982,8 +14982,8 @@
         </p:nvSpPr>
         <p:spPr>
           <a:xfrm>
-            <a:off x="939567" y="427839"/>
-            <a:ext cx="2298584" cy="778077"/>
+            <a:off x="3103927" y="821069"/>
+            <a:ext cx="1904301" cy="579892"/>
           </a:xfrm>
           <a:prstGeom prst="rect">
             <a:avLst/>
@@ -15041,7 +15041,7 @@
         </p:nvSpPr>
         <p:spPr>
           <a:xfrm>
-            <a:off x="1191235" y="3229761"/>
+            <a:off x="1132512" y="362204"/>
             <a:ext cx="1157681" cy="1459684"/>
           </a:xfrm>
           <a:prstGeom prst="can">
@@ -15091,7 +15091,7 @@
         </p:nvSpPr>
         <p:spPr>
           <a:xfrm>
-            <a:off x="8862688" y="1208015"/>
+            <a:off x="8879466" y="362204"/>
             <a:ext cx="1157681" cy="1459684"/>
           </a:xfrm>
           <a:prstGeom prst="can">
@@ -15141,7 +15141,7 @@
         </p:nvSpPr>
         <p:spPr>
           <a:xfrm>
-            <a:off x="4424921" y="169179"/>
+            <a:off x="562059" y="1703704"/>
             <a:ext cx="2298584" cy="778077"/>
           </a:xfrm>
           <a:prstGeom prst="rect">
@@ -15203,7 +15203,7 @@
         </p:nvCxnSpPr>
         <p:spPr>
           <a:xfrm>
-            <a:off x="4102217" y="1937857"/>
+            <a:off x="2550251" y="1182848"/>
             <a:ext cx="469783" cy="0"/>
           </a:xfrm>
           <a:prstGeom prst="straightConnector1">
@@ -15242,7 +15242,7 @@
         </p:nvCxnSpPr>
         <p:spPr>
           <a:xfrm>
-            <a:off x="7501156" y="1937857"/>
+            <a:off x="6182965" y="1111015"/>
             <a:ext cx="469783" cy="0"/>
           </a:xfrm>
           <a:prstGeom prst="straightConnector1">
@@ -15281,7 +15281,7 @@
         </p:nvSpPr>
         <p:spPr>
           <a:xfrm>
-            <a:off x="6652748" y="1210107"/>
+            <a:off x="6616815" y="721976"/>
             <a:ext cx="2298584" cy="778077"/>
           </a:xfrm>
           <a:prstGeom prst="rect">
@@ -15319,7 +15319,7 @@
                   <a:schemeClr val="tx1"/>
                 </a:solidFill>
               </a:rPr>
-              <a:t>Ingest object tree</a:t>
+              <a:t>stored procedure ingest object tree</a:t>
             </a:r>
             <a:endParaRPr lang="en-NL" dirty="0">
               <a:solidFill>

--- a/image/betl_architecture.pptx
+++ b/image/betl_architecture.pptx
@@ -17,6 +17,7 @@
     <p:sldId id="269" r:id="rId11"/>
     <p:sldId id="266" r:id="rId12"/>
     <p:sldId id="264" r:id="rId13"/>
+    <p:sldId id="272" r:id="rId14"/>
   </p:sldIdLst>
   <p:sldSz cx="12192000" cy="6858000"/>
   <p:notesSz cx="6858000" cy="9144000"/>
@@ -272,7 +273,7 @@
           <a:p>
             <a:fld id="{1719DC78-B2E2-489A-B4DC-503C173C394C}" type="datetimeFigureOut">
               <a:rPr lang="en-NL" smtClean="0"/>
-              <a:t>09/07/2021</a:t>
+              <a:t>04/10/2021</a:t>
             </a:fld>
             <a:endParaRPr lang="en-NL"/>
           </a:p>
@@ -472,7 +473,7 @@
           <a:p>
             <a:fld id="{1719DC78-B2E2-489A-B4DC-503C173C394C}" type="datetimeFigureOut">
               <a:rPr lang="en-NL" smtClean="0"/>
-              <a:t>09/07/2021</a:t>
+              <a:t>04/10/2021</a:t>
             </a:fld>
             <a:endParaRPr lang="en-NL"/>
           </a:p>
@@ -682,7 +683,7 @@
           <a:p>
             <a:fld id="{1719DC78-B2E2-489A-B4DC-503C173C394C}" type="datetimeFigureOut">
               <a:rPr lang="en-NL" smtClean="0"/>
-              <a:t>09/07/2021</a:t>
+              <a:t>04/10/2021</a:t>
             </a:fld>
             <a:endParaRPr lang="en-NL"/>
           </a:p>
@@ -882,7 +883,7 @@
           <a:p>
             <a:fld id="{1719DC78-B2E2-489A-B4DC-503C173C394C}" type="datetimeFigureOut">
               <a:rPr lang="en-NL" smtClean="0"/>
-              <a:t>09/07/2021</a:t>
+              <a:t>04/10/2021</a:t>
             </a:fld>
             <a:endParaRPr lang="en-NL"/>
           </a:p>
@@ -1158,7 +1159,7 @@
           <a:p>
             <a:fld id="{1719DC78-B2E2-489A-B4DC-503C173C394C}" type="datetimeFigureOut">
               <a:rPr lang="en-NL" smtClean="0"/>
-              <a:t>09/07/2021</a:t>
+              <a:t>04/10/2021</a:t>
             </a:fld>
             <a:endParaRPr lang="en-NL"/>
           </a:p>
@@ -1426,7 +1427,7 @@
           <a:p>
             <a:fld id="{1719DC78-B2E2-489A-B4DC-503C173C394C}" type="datetimeFigureOut">
               <a:rPr lang="en-NL" smtClean="0"/>
-              <a:t>09/07/2021</a:t>
+              <a:t>04/10/2021</a:t>
             </a:fld>
             <a:endParaRPr lang="en-NL"/>
           </a:p>
@@ -1841,7 +1842,7 @@
           <a:p>
             <a:fld id="{1719DC78-B2E2-489A-B4DC-503C173C394C}" type="datetimeFigureOut">
               <a:rPr lang="en-NL" smtClean="0"/>
-              <a:t>09/07/2021</a:t>
+              <a:t>04/10/2021</a:t>
             </a:fld>
             <a:endParaRPr lang="en-NL"/>
           </a:p>
@@ -1983,7 +1984,7 @@
           <a:p>
             <a:fld id="{1719DC78-B2E2-489A-B4DC-503C173C394C}" type="datetimeFigureOut">
               <a:rPr lang="en-NL" smtClean="0"/>
-              <a:t>09/07/2021</a:t>
+              <a:t>04/10/2021</a:t>
             </a:fld>
             <a:endParaRPr lang="en-NL"/>
           </a:p>
@@ -2096,7 +2097,7 @@
           <a:p>
             <a:fld id="{1719DC78-B2E2-489A-B4DC-503C173C394C}" type="datetimeFigureOut">
               <a:rPr lang="en-NL" smtClean="0"/>
-              <a:t>09/07/2021</a:t>
+              <a:t>04/10/2021</a:t>
             </a:fld>
             <a:endParaRPr lang="en-NL"/>
           </a:p>
@@ -2409,7 +2410,7 @@
           <a:p>
             <a:fld id="{1719DC78-B2E2-489A-B4DC-503C173C394C}" type="datetimeFigureOut">
               <a:rPr lang="en-NL" smtClean="0"/>
-              <a:t>09/07/2021</a:t>
+              <a:t>04/10/2021</a:t>
             </a:fld>
             <a:endParaRPr lang="en-NL"/>
           </a:p>
@@ -2698,7 +2699,7 @@
           <a:p>
             <a:fld id="{1719DC78-B2E2-489A-B4DC-503C173C394C}" type="datetimeFigureOut">
               <a:rPr lang="en-NL" smtClean="0"/>
-              <a:t>09/07/2021</a:t>
+              <a:t>04/10/2021</a:t>
             </a:fld>
             <a:endParaRPr lang="en-NL"/>
           </a:p>
@@ -2941,7 +2942,7 @@
           <a:p>
             <a:fld id="{1719DC78-B2E2-489A-B4DC-503C173C394C}" type="datetimeFigureOut">
               <a:rPr lang="en-NL" smtClean="0"/>
-              <a:t>09/07/2021</a:t>
+              <a:t>04/10/2021</a:t>
             </a:fld>
             <a:endParaRPr lang="en-NL"/>
           </a:p>
@@ -4884,6 +4885,1349 @@
     <p:extLst>
       <p:ext uri="{BB962C8B-B14F-4D97-AF65-F5344CB8AC3E}">
         <p14:creationId xmlns:p14="http://schemas.microsoft.com/office/powerpoint/2010/main" val="500047213"/>
+      </p:ext>
+    </p:extLst>
+  </p:cSld>
+  <p:clrMapOvr>
+    <a:masterClrMapping/>
+  </p:clrMapOvr>
+</p:sld>
+</file>
+
+<file path=ppt/slides/slide13.xml><?xml version="1.0" encoding="utf-8"?>
+<p:sld xmlns:a="http://schemas.openxmlformats.org/drawingml/2006/main" xmlns:r="http://schemas.openxmlformats.org/officeDocument/2006/relationships" xmlns:p="http://schemas.openxmlformats.org/presentationml/2006/main">
+  <p:cSld>
+    <p:spTree>
+      <p:nvGrpSpPr>
+        <p:cNvPr id="1" name=""/>
+        <p:cNvGrpSpPr/>
+        <p:nvPr/>
+      </p:nvGrpSpPr>
+      <p:grpSpPr>
+        <a:xfrm>
+          <a:off x="0" y="0"/>
+          <a:ext cx="0" cy="0"/>
+          <a:chOff x="0" y="0"/>
+          <a:chExt cx="0" cy="0"/>
+        </a:xfrm>
+      </p:grpSpPr>
+      <p:sp>
+        <p:nvSpPr>
+          <p:cNvPr id="4" name="Rectangle: Rounded Corners 3">
+            <a:extLst>
+              <a:ext uri="{FF2B5EF4-FFF2-40B4-BE49-F238E27FC236}">
+                <a16:creationId xmlns:a16="http://schemas.microsoft.com/office/drawing/2014/main" id="{F4E5DE4B-D85C-4A24-AC57-E52165092C69}"/>
+              </a:ext>
+            </a:extLst>
+          </p:cNvPr>
+          <p:cNvSpPr/>
+          <p:nvPr/>
+        </p:nvSpPr>
+        <p:spPr>
+          <a:xfrm>
+            <a:off x="4870518" y="2181637"/>
+            <a:ext cx="1340954" cy="589163"/>
+          </a:xfrm>
+          <a:prstGeom prst="roundRect">
+            <a:avLst/>
+          </a:prstGeom>
+          <a:solidFill>
+            <a:srgbClr val="DEEBF7"/>
+          </a:solidFill>
+        </p:spPr>
+        <p:style>
+          <a:lnRef idx="2">
+            <a:schemeClr val="accent1">
+              <a:shade val="50000"/>
+            </a:schemeClr>
+          </a:lnRef>
+          <a:fillRef idx="1">
+            <a:schemeClr val="accent1"/>
+          </a:fillRef>
+          <a:effectRef idx="0">
+            <a:schemeClr val="accent1"/>
+          </a:effectRef>
+          <a:fontRef idx="minor">
+            <a:schemeClr val="lt1"/>
+          </a:fontRef>
+        </p:style>
+        <p:txBody>
+          <a:bodyPr rtlCol="0" anchor="ctr"/>
+          <a:lstStyle/>
+          <a:p>
+            <a:pPr algn="ctr"/>
+            <a:r>
+              <a:rPr lang="en-US" dirty="0">
+                <a:solidFill>
+                  <a:schemeClr val="tx1"/>
+                </a:solidFill>
+              </a:rPr>
+              <a:t>ETL</a:t>
+            </a:r>
+            <a:endParaRPr lang="en-NL" dirty="0">
+              <a:solidFill>
+                <a:schemeClr val="tx1"/>
+              </a:solidFill>
+            </a:endParaRPr>
+          </a:p>
+        </p:txBody>
+      </p:sp>
+      <p:sp>
+        <p:nvSpPr>
+          <p:cNvPr id="5" name="Rectangle: Rounded Corners 4">
+            <a:extLst>
+              <a:ext uri="{FF2B5EF4-FFF2-40B4-BE49-F238E27FC236}">
+                <a16:creationId xmlns:a16="http://schemas.microsoft.com/office/drawing/2014/main" id="{8D5865D0-A28D-4D73-BA22-E0FB6B539A4C}"/>
+              </a:ext>
+            </a:extLst>
+          </p:cNvPr>
+          <p:cNvSpPr/>
+          <p:nvPr/>
+        </p:nvSpPr>
+        <p:spPr>
+          <a:xfrm>
+            <a:off x="6348198" y="2181637"/>
+            <a:ext cx="1552604" cy="562656"/>
+          </a:xfrm>
+          <a:prstGeom prst="roundRect">
+            <a:avLst/>
+          </a:prstGeom>
+          <a:solidFill>
+            <a:srgbClr val="F4B183"/>
+          </a:solidFill>
+        </p:spPr>
+        <p:style>
+          <a:lnRef idx="2">
+            <a:schemeClr val="accent1">
+              <a:shade val="50000"/>
+            </a:schemeClr>
+          </a:lnRef>
+          <a:fillRef idx="1">
+            <a:schemeClr val="accent1"/>
+          </a:fillRef>
+          <a:effectRef idx="0">
+            <a:schemeClr val="accent1"/>
+          </a:effectRef>
+          <a:fontRef idx="minor">
+            <a:schemeClr val="lt1"/>
+          </a:fontRef>
+        </p:style>
+        <p:txBody>
+          <a:bodyPr rtlCol="0" anchor="ctr"/>
+          <a:lstStyle/>
+          <a:p>
+            <a:pPr algn="ctr"/>
+            <a:r>
+              <a:rPr lang="en-US" dirty="0">
+                <a:solidFill>
+                  <a:schemeClr val="tx1"/>
+                </a:solidFill>
+              </a:rPr>
+              <a:t>DDL</a:t>
+            </a:r>
+            <a:endParaRPr lang="en-NL" dirty="0">
+              <a:solidFill>
+                <a:schemeClr val="tx1"/>
+              </a:solidFill>
+            </a:endParaRPr>
+          </a:p>
+        </p:txBody>
+      </p:sp>
+      <p:sp>
+        <p:nvSpPr>
+          <p:cNvPr id="6" name="Rectangle: Rounded Corners 5">
+            <a:extLst>
+              <a:ext uri="{FF2B5EF4-FFF2-40B4-BE49-F238E27FC236}">
+                <a16:creationId xmlns:a16="http://schemas.microsoft.com/office/drawing/2014/main" id="{0A7B2505-E936-449F-B832-C1C70F4A4304}"/>
+              </a:ext>
+            </a:extLst>
+          </p:cNvPr>
+          <p:cNvSpPr/>
+          <p:nvPr/>
+        </p:nvSpPr>
+        <p:spPr>
+          <a:xfrm>
+            <a:off x="8058511" y="2181637"/>
+            <a:ext cx="1552604" cy="562656"/>
+          </a:xfrm>
+          <a:prstGeom prst="roundRect">
+            <a:avLst/>
+          </a:prstGeom>
+          <a:solidFill>
+            <a:srgbClr val="E2F0D9"/>
+          </a:solidFill>
+        </p:spPr>
+        <p:style>
+          <a:lnRef idx="2">
+            <a:schemeClr val="accent1">
+              <a:shade val="50000"/>
+            </a:schemeClr>
+          </a:lnRef>
+          <a:fillRef idx="1">
+            <a:schemeClr val="accent1"/>
+          </a:fillRef>
+          <a:effectRef idx="0">
+            <a:schemeClr val="accent1"/>
+          </a:effectRef>
+          <a:fontRef idx="minor">
+            <a:schemeClr val="lt1"/>
+          </a:fontRef>
+        </p:style>
+        <p:txBody>
+          <a:bodyPr rtlCol="0" anchor="ctr"/>
+          <a:lstStyle/>
+          <a:p>
+            <a:pPr algn="ctr"/>
+            <a:r>
+              <a:rPr lang="en-US" dirty="0">
+                <a:solidFill>
+                  <a:schemeClr val="tx1"/>
+                </a:solidFill>
+              </a:rPr>
+              <a:t>Orchestration</a:t>
+            </a:r>
+            <a:endParaRPr lang="en-NL" dirty="0">
+              <a:solidFill>
+                <a:schemeClr val="tx1"/>
+              </a:solidFill>
+            </a:endParaRPr>
+          </a:p>
+        </p:txBody>
+      </p:sp>
+      <p:sp>
+        <p:nvSpPr>
+          <p:cNvPr id="7" name="Rectangle: Rounded Corners 6">
+            <a:extLst>
+              <a:ext uri="{FF2B5EF4-FFF2-40B4-BE49-F238E27FC236}">
+                <a16:creationId xmlns:a16="http://schemas.microsoft.com/office/drawing/2014/main" id="{C7DD2FA4-1BA2-4F02-9C74-001336233441}"/>
+              </a:ext>
+            </a:extLst>
+          </p:cNvPr>
+          <p:cNvSpPr/>
+          <p:nvPr/>
+        </p:nvSpPr>
+        <p:spPr>
+          <a:xfrm>
+            <a:off x="6077311" y="1164382"/>
+            <a:ext cx="1708732" cy="676864"/>
+          </a:xfrm>
+          <a:prstGeom prst="roundRect">
+            <a:avLst/>
+          </a:prstGeom>
+          <a:solidFill>
+            <a:schemeClr val="bg2">
+              <a:lumMod val="90000"/>
+            </a:schemeClr>
+          </a:solidFill>
+        </p:spPr>
+        <p:style>
+          <a:lnRef idx="2">
+            <a:schemeClr val="accent1">
+              <a:shade val="50000"/>
+            </a:schemeClr>
+          </a:lnRef>
+          <a:fillRef idx="1">
+            <a:schemeClr val="accent1"/>
+          </a:fillRef>
+          <a:effectRef idx="0">
+            <a:schemeClr val="accent1"/>
+          </a:effectRef>
+          <a:fontRef idx="minor">
+            <a:schemeClr val="lt1"/>
+          </a:fontRef>
+        </p:style>
+        <p:txBody>
+          <a:bodyPr rtlCol="0" anchor="ctr"/>
+          <a:lstStyle/>
+          <a:p>
+            <a:pPr algn="ctr"/>
+            <a:r>
+              <a:rPr lang="en-US" dirty="0">
+                <a:solidFill>
+                  <a:schemeClr val="tx1"/>
+                </a:solidFill>
+              </a:rPr>
+              <a:t>ETL Tool</a:t>
+            </a:r>
+            <a:endParaRPr lang="en-NL" dirty="0">
+              <a:solidFill>
+                <a:schemeClr val="tx1"/>
+              </a:solidFill>
+            </a:endParaRPr>
+          </a:p>
+        </p:txBody>
+      </p:sp>
+      <p:cxnSp>
+        <p:nvCxnSpPr>
+          <p:cNvPr id="8" name="Straight Connector 7">
+            <a:extLst>
+              <a:ext uri="{FF2B5EF4-FFF2-40B4-BE49-F238E27FC236}">
+                <a16:creationId xmlns:a16="http://schemas.microsoft.com/office/drawing/2014/main" id="{8D2676DC-CB1F-4D0D-96BD-2D998F701D03}"/>
+              </a:ext>
+            </a:extLst>
+          </p:cNvPr>
+          <p:cNvCxnSpPr>
+            <a:cxnSpLocks/>
+            <a:stCxn id="7" idx="2"/>
+            <a:endCxn id="4" idx="0"/>
+          </p:cNvCxnSpPr>
+          <p:nvPr/>
+        </p:nvCxnSpPr>
+        <p:spPr>
+          <a:xfrm flipH="1">
+            <a:off x="5540995" y="1841246"/>
+            <a:ext cx="1390682" cy="340391"/>
+          </a:xfrm>
+          <a:prstGeom prst="line">
+            <a:avLst/>
+          </a:prstGeom>
+        </p:spPr>
+        <p:style>
+          <a:lnRef idx="1">
+            <a:schemeClr val="accent1"/>
+          </a:lnRef>
+          <a:fillRef idx="0">
+            <a:schemeClr val="accent1"/>
+          </a:fillRef>
+          <a:effectRef idx="0">
+            <a:schemeClr val="accent1"/>
+          </a:effectRef>
+          <a:fontRef idx="minor">
+            <a:schemeClr val="tx1"/>
+          </a:fontRef>
+        </p:style>
+      </p:cxnSp>
+      <p:cxnSp>
+        <p:nvCxnSpPr>
+          <p:cNvPr id="9" name="Straight Connector 8">
+            <a:extLst>
+              <a:ext uri="{FF2B5EF4-FFF2-40B4-BE49-F238E27FC236}">
+                <a16:creationId xmlns:a16="http://schemas.microsoft.com/office/drawing/2014/main" id="{594D326D-1C60-43BF-B639-89CAF5767DA8}"/>
+              </a:ext>
+            </a:extLst>
+          </p:cNvPr>
+          <p:cNvCxnSpPr>
+            <a:cxnSpLocks/>
+            <a:stCxn id="7" idx="2"/>
+            <a:endCxn id="5" idx="0"/>
+          </p:cNvCxnSpPr>
+          <p:nvPr/>
+        </p:nvCxnSpPr>
+        <p:spPr>
+          <a:xfrm>
+            <a:off x="6931677" y="1841246"/>
+            <a:ext cx="192823" cy="340391"/>
+          </a:xfrm>
+          <a:prstGeom prst="line">
+            <a:avLst/>
+          </a:prstGeom>
+        </p:spPr>
+        <p:style>
+          <a:lnRef idx="1">
+            <a:schemeClr val="accent1"/>
+          </a:lnRef>
+          <a:fillRef idx="0">
+            <a:schemeClr val="accent1"/>
+          </a:fillRef>
+          <a:effectRef idx="0">
+            <a:schemeClr val="accent1"/>
+          </a:effectRef>
+          <a:fontRef idx="minor">
+            <a:schemeClr val="tx1"/>
+          </a:fontRef>
+        </p:style>
+      </p:cxnSp>
+      <p:cxnSp>
+        <p:nvCxnSpPr>
+          <p:cNvPr id="10" name="Straight Connector 9">
+            <a:extLst>
+              <a:ext uri="{FF2B5EF4-FFF2-40B4-BE49-F238E27FC236}">
+                <a16:creationId xmlns:a16="http://schemas.microsoft.com/office/drawing/2014/main" id="{EF5C4E9A-25FF-436A-AD57-61002F06AA2F}"/>
+              </a:ext>
+            </a:extLst>
+          </p:cNvPr>
+          <p:cNvCxnSpPr>
+            <a:cxnSpLocks/>
+            <a:stCxn id="7" idx="2"/>
+            <a:endCxn id="6" idx="0"/>
+          </p:cNvCxnSpPr>
+          <p:nvPr/>
+        </p:nvCxnSpPr>
+        <p:spPr>
+          <a:xfrm>
+            <a:off x="6931677" y="1841246"/>
+            <a:ext cx="1903136" cy="340391"/>
+          </a:xfrm>
+          <a:prstGeom prst="line">
+            <a:avLst/>
+          </a:prstGeom>
+        </p:spPr>
+        <p:style>
+          <a:lnRef idx="1">
+            <a:schemeClr val="accent1"/>
+          </a:lnRef>
+          <a:fillRef idx="0">
+            <a:schemeClr val="accent1"/>
+          </a:fillRef>
+          <a:effectRef idx="0">
+            <a:schemeClr val="accent1"/>
+          </a:effectRef>
+          <a:fontRef idx="minor">
+            <a:schemeClr val="tx1"/>
+          </a:fontRef>
+        </p:style>
+      </p:cxnSp>
+      <p:sp>
+        <p:nvSpPr>
+          <p:cNvPr id="12" name="Cylinder 11">
+            <a:extLst>
+              <a:ext uri="{FF2B5EF4-FFF2-40B4-BE49-F238E27FC236}">
+                <a16:creationId xmlns:a16="http://schemas.microsoft.com/office/drawing/2014/main" id="{8826948B-FCF2-4D0D-B3A1-3238B1A390FD}"/>
+              </a:ext>
+            </a:extLst>
+          </p:cNvPr>
+          <p:cNvSpPr/>
+          <p:nvPr/>
+        </p:nvSpPr>
+        <p:spPr>
+          <a:xfrm>
+            <a:off x="592561" y="2340997"/>
+            <a:ext cx="1232482" cy="632779"/>
+          </a:xfrm>
+          <a:prstGeom prst="can">
+            <a:avLst/>
+          </a:prstGeom>
+          <a:solidFill>
+            <a:srgbClr val="DEEBF7"/>
+          </a:solidFill>
+        </p:spPr>
+        <p:style>
+          <a:lnRef idx="2">
+            <a:schemeClr val="accent1">
+              <a:shade val="50000"/>
+            </a:schemeClr>
+          </a:lnRef>
+          <a:fillRef idx="1">
+            <a:schemeClr val="accent1"/>
+          </a:fillRef>
+          <a:effectRef idx="0">
+            <a:schemeClr val="accent1"/>
+          </a:effectRef>
+          <a:fontRef idx="minor">
+            <a:schemeClr val="lt1"/>
+          </a:fontRef>
+        </p:style>
+        <p:txBody>
+          <a:bodyPr rtlCol="0" anchor="ctr"/>
+          <a:lstStyle/>
+          <a:p>
+            <a:pPr algn="ctr"/>
+            <a:r>
+              <a:rPr lang="en-US" dirty="0">
+                <a:solidFill>
+                  <a:schemeClr val="tx1"/>
+                </a:solidFill>
+              </a:rPr>
+              <a:t>Meta data</a:t>
+            </a:r>
+            <a:endParaRPr lang="en-NL" dirty="0">
+              <a:solidFill>
+                <a:schemeClr val="tx1"/>
+              </a:solidFill>
+            </a:endParaRPr>
+          </a:p>
+        </p:txBody>
+      </p:sp>
+      <p:sp>
+        <p:nvSpPr>
+          <p:cNvPr id="13" name="Flowchart: Multidocument 12">
+            <a:extLst>
+              <a:ext uri="{FF2B5EF4-FFF2-40B4-BE49-F238E27FC236}">
+                <a16:creationId xmlns:a16="http://schemas.microsoft.com/office/drawing/2014/main" id="{896A5635-B91B-425B-A602-FEA69D15DBC3}"/>
+              </a:ext>
+            </a:extLst>
+          </p:cNvPr>
+          <p:cNvSpPr/>
+          <p:nvPr/>
+        </p:nvSpPr>
+        <p:spPr>
+          <a:xfrm>
+            <a:off x="592561" y="1151100"/>
+            <a:ext cx="1340954" cy="687695"/>
+          </a:xfrm>
+          <a:prstGeom prst="flowChartMultidocument">
+            <a:avLst/>
+          </a:prstGeom>
+          <a:solidFill>
+            <a:srgbClr val="DEEBF7"/>
+          </a:solidFill>
+        </p:spPr>
+        <p:style>
+          <a:lnRef idx="2">
+            <a:schemeClr val="accent1">
+              <a:shade val="50000"/>
+            </a:schemeClr>
+          </a:lnRef>
+          <a:fillRef idx="1">
+            <a:schemeClr val="accent1"/>
+          </a:fillRef>
+          <a:effectRef idx="0">
+            <a:schemeClr val="accent1"/>
+          </a:effectRef>
+          <a:fontRef idx="minor">
+            <a:schemeClr val="lt1"/>
+          </a:fontRef>
+        </p:style>
+        <p:txBody>
+          <a:bodyPr rtlCol="0" anchor="ctr"/>
+          <a:lstStyle/>
+          <a:p>
+            <a:pPr algn="ctr"/>
+            <a:r>
+              <a:rPr lang="en-US" dirty="0">
+                <a:solidFill>
+                  <a:schemeClr val="tx1"/>
+                </a:solidFill>
+              </a:rPr>
+              <a:t>Templates</a:t>
+            </a:r>
+            <a:endParaRPr lang="en-NL" dirty="0">
+              <a:solidFill>
+                <a:schemeClr val="tx1"/>
+              </a:solidFill>
+            </a:endParaRPr>
+          </a:p>
+        </p:txBody>
+      </p:sp>
+      <p:cxnSp>
+        <p:nvCxnSpPr>
+          <p:cNvPr id="14" name="Straight Connector 13">
+            <a:extLst>
+              <a:ext uri="{FF2B5EF4-FFF2-40B4-BE49-F238E27FC236}">
+                <a16:creationId xmlns:a16="http://schemas.microsoft.com/office/drawing/2014/main" id="{1BE165CB-709E-408F-8063-C7BD88920E53}"/>
+              </a:ext>
+            </a:extLst>
+          </p:cNvPr>
+          <p:cNvCxnSpPr>
+            <a:cxnSpLocks/>
+            <a:endCxn id="13" idx="3"/>
+          </p:cNvCxnSpPr>
+          <p:nvPr/>
+        </p:nvCxnSpPr>
+        <p:spPr>
+          <a:xfrm flipH="1" flipV="1">
+            <a:off x="1933515" y="1494948"/>
+            <a:ext cx="1489207" cy="362980"/>
+          </a:xfrm>
+          <a:prstGeom prst="line">
+            <a:avLst/>
+          </a:prstGeom>
+        </p:spPr>
+        <p:style>
+          <a:lnRef idx="1">
+            <a:schemeClr val="accent1"/>
+          </a:lnRef>
+          <a:fillRef idx="0">
+            <a:schemeClr val="accent1"/>
+          </a:fillRef>
+          <a:effectRef idx="0">
+            <a:schemeClr val="accent1"/>
+          </a:effectRef>
+          <a:fontRef idx="minor">
+            <a:schemeClr val="tx1"/>
+          </a:fontRef>
+        </p:style>
+      </p:cxnSp>
+      <p:cxnSp>
+        <p:nvCxnSpPr>
+          <p:cNvPr id="15" name="Straight Connector 14">
+            <a:extLst>
+              <a:ext uri="{FF2B5EF4-FFF2-40B4-BE49-F238E27FC236}">
+                <a16:creationId xmlns:a16="http://schemas.microsoft.com/office/drawing/2014/main" id="{33D8588F-2932-4448-A052-F6272B99BF5E}"/>
+              </a:ext>
+            </a:extLst>
+          </p:cNvPr>
+          <p:cNvCxnSpPr>
+            <a:cxnSpLocks/>
+            <a:stCxn id="12" idx="4"/>
+          </p:cNvCxnSpPr>
+          <p:nvPr/>
+        </p:nvCxnSpPr>
+        <p:spPr>
+          <a:xfrm flipV="1">
+            <a:off x="1825043" y="1857928"/>
+            <a:ext cx="1597679" cy="799459"/>
+          </a:xfrm>
+          <a:prstGeom prst="line">
+            <a:avLst/>
+          </a:prstGeom>
+        </p:spPr>
+        <p:style>
+          <a:lnRef idx="1">
+            <a:schemeClr val="accent1"/>
+          </a:lnRef>
+          <a:fillRef idx="0">
+            <a:schemeClr val="accent1"/>
+          </a:fillRef>
+          <a:effectRef idx="0">
+            <a:schemeClr val="accent1"/>
+          </a:effectRef>
+          <a:fontRef idx="minor">
+            <a:schemeClr val="tx1"/>
+          </a:fontRef>
+        </p:style>
+      </p:cxnSp>
+      <p:sp>
+        <p:nvSpPr>
+          <p:cNvPr id="16" name="Rectangle: Rounded Corners 15">
+            <a:extLst>
+              <a:ext uri="{FF2B5EF4-FFF2-40B4-BE49-F238E27FC236}">
+                <a16:creationId xmlns:a16="http://schemas.microsoft.com/office/drawing/2014/main" id="{C0DA9A2B-032E-49F9-8F23-AD4B58FCA285}"/>
+              </a:ext>
+            </a:extLst>
+          </p:cNvPr>
+          <p:cNvSpPr/>
+          <p:nvPr/>
+        </p:nvSpPr>
+        <p:spPr>
+          <a:xfrm>
+            <a:off x="484089" y="3863200"/>
+            <a:ext cx="1340954" cy="457200"/>
+          </a:xfrm>
+          <a:prstGeom prst="roundRect">
+            <a:avLst/>
+          </a:prstGeom>
+          <a:solidFill>
+            <a:srgbClr val="DEEBF7"/>
+          </a:solidFill>
+        </p:spPr>
+        <p:style>
+          <a:lnRef idx="2">
+            <a:schemeClr val="accent1">
+              <a:shade val="50000"/>
+            </a:schemeClr>
+          </a:lnRef>
+          <a:fillRef idx="1">
+            <a:schemeClr val="accent1"/>
+          </a:fillRef>
+          <a:effectRef idx="0">
+            <a:schemeClr val="accent1"/>
+          </a:effectRef>
+          <a:fontRef idx="minor">
+            <a:schemeClr val="lt1"/>
+          </a:fontRef>
+        </p:style>
+        <p:txBody>
+          <a:bodyPr rtlCol="0" anchor="ctr"/>
+          <a:lstStyle/>
+          <a:p>
+            <a:pPr algn="ctr"/>
+            <a:r>
+              <a:rPr lang="en-US" dirty="0">
+                <a:solidFill>
+                  <a:schemeClr val="tx1"/>
+                </a:solidFill>
+              </a:rPr>
+              <a:t>Object tree</a:t>
+            </a:r>
+            <a:endParaRPr lang="en-NL" dirty="0">
+              <a:solidFill>
+                <a:schemeClr val="tx1"/>
+              </a:solidFill>
+            </a:endParaRPr>
+          </a:p>
+        </p:txBody>
+      </p:sp>
+      <p:sp>
+        <p:nvSpPr>
+          <p:cNvPr id="17" name="Rectangle: Rounded Corners 16">
+            <a:extLst>
+              <a:ext uri="{FF2B5EF4-FFF2-40B4-BE49-F238E27FC236}">
+                <a16:creationId xmlns:a16="http://schemas.microsoft.com/office/drawing/2014/main" id="{EE6DBED2-7CA2-4D55-BA2C-8B839EB8C8BE}"/>
+              </a:ext>
+            </a:extLst>
+          </p:cNvPr>
+          <p:cNvSpPr/>
+          <p:nvPr/>
+        </p:nvSpPr>
+        <p:spPr>
+          <a:xfrm>
+            <a:off x="2199401" y="3859875"/>
+            <a:ext cx="1232482" cy="457200"/>
+          </a:xfrm>
+          <a:prstGeom prst="roundRect">
+            <a:avLst/>
+          </a:prstGeom>
+          <a:solidFill>
+            <a:srgbClr val="DEEBF7"/>
+          </a:solidFill>
+        </p:spPr>
+        <p:style>
+          <a:lnRef idx="2">
+            <a:schemeClr val="accent1">
+              <a:shade val="50000"/>
+            </a:schemeClr>
+          </a:lnRef>
+          <a:fillRef idx="1">
+            <a:schemeClr val="accent1"/>
+          </a:fillRef>
+          <a:effectRef idx="0">
+            <a:schemeClr val="accent1"/>
+          </a:effectRef>
+          <a:fontRef idx="minor">
+            <a:schemeClr val="lt1"/>
+          </a:fontRef>
+        </p:style>
+        <p:txBody>
+          <a:bodyPr rtlCol="0" anchor="ctr"/>
+          <a:lstStyle/>
+          <a:p>
+            <a:pPr algn="ctr"/>
+            <a:r>
+              <a:rPr lang="en-US" dirty="0">
+                <a:solidFill>
+                  <a:schemeClr val="tx1"/>
+                </a:solidFill>
+              </a:rPr>
+              <a:t>Mapping</a:t>
+            </a:r>
+            <a:endParaRPr lang="en-NL" dirty="0">
+              <a:solidFill>
+                <a:schemeClr val="tx1"/>
+              </a:solidFill>
+            </a:endParaRPr>
+          </a:p>
+        </p:txBody>
+      </p:sp>
+      <p:sp>
+        <p:nvSpPr>
+          <p:cNvPr id="18" name="Rectangle: Rounded Corners 17">
+            <a:extLst>
+              <a:ext uri="{FF2B5EF4-FFF2-40B4-BE49-F238E27FC236}">
+                <a16:creationId xmlns:a16="http://schemas.microsoft.com/office/drawing/2014/main" id="{FF2E89BE-9A08-45CF-B697-B3A0467F5262}"/>
+              </a:ext>
+            </a:extLst>
+          </p:cNvPr>
+          <p:cNvSpPr/>
+          <p:nvPr/>
+        </p:nvSpPr>
+        <p:spPr>
+          <a:xfrm>
+            <a:off x="3937711" y="3867425"/>
+            <a:ext cx="1882063" cy="449650"/>
+          </a:xfrm>
+          <a:prstGeom prst="roundRect">
+            <a:avLst/>
+          </a:prstGeom>
+          <a:solidFill>
+            <a:srgbClr val="DEEBF7"/>
+          </a:solidFill>
+        </p:spPr>
+        <p:style>
+          <a:lnRef idx="2">
+            <a:schemeClr val="accent1">
+              <a:shade val="50000"/>
+            </a:schemeClr>
+          </a:lnRef>
+          <a:fillRef idx="1">
+            <a:schemeClr val="accent1"/>
+          </a:fillRef>
+          <a:effectRef idx="0">
+            <a:schemeClr val="accent1"/>
+          </a:effectRef>
+          <a:fontRef idx="minor">
+            <a:schemeClr val="lt1"/>
+          </a:fontRef>
+        </p:style>
+        <p:txBody>
+          <a:bodyPr rtlCol="0" anchor="ctr"/>
+          <a:lstStyle/>
+          <a:p>
+            <a:pPr algn="ctr"/>
+            <a:r>
+              <a:rPr lang="en-US" dirty="0">
+                <a:solidFill>
+                  <a:schemeClr val="tx1"/>
+                </a:solidFill>
+              </a:rPr>
+              <a:t>Business rules</a:t>
+            </a:r>
+            <a:endParaRPr lang="en-NL" dirty="0">
+              <a:solidFill>
+                <a:schemeClr val="tx1"/>
+              </a:solidFill>
+            </a:endParaRPr>
+          </a:p>
+        </p:txBody>
+      </p:sp>
+      <p:sp>
+        <p:nvSpPr>
+          <p:cNvPr id="19" name="Rectangle: Rounded Corners 18">
+            <a:extLst>
+              <a:ext uri="{FF2B5EF4-FFF2-40B4-BE49-F238E27FC236}">
+                <a16:creationId xmlns:a16="http://schemas.microsoft.com/office/drawing/2014/main" id="{A7B051AE-B803-4175-A6E7-8069A4C85692}"/>
+              </a:ext>
+            </a:extLst>
+          </p:cNvPr>
+          <p:cNvSpPr/>
+          <p:nvPr/>
+        </p:nvSpPr>
+        <p:spPr>
+          <a:xfrm>
+            <a:off x="6224017" y="3859875"/>
+            <a:ext cx="1577769" cy="457200"/>
+          </a:xfrm>
+          <a:prstGeom prst="roundRect">
+            <a:avLst/>
+          </a:prstGeom>
+          <a:solidFill>
+            <a:srgbClr val="DEEBF7"/>
+          </a:solidFill>
+        </p:spPr>
+        <p:style>
+          <a:lnRef idx="2">
+            <a:schemeClr val="accent1">
+              <a:shade val="50000"/>
+            </a:schemeClr>
+          </a:lnRef>
+          <a:fillRef idx="1">
+            <a:schemeClr val="accent1"/>
+          </a:fillRef>
+          <a:effectRef idx="0">
+            <a:schemeClr val="accent1"/>
+          </a:effectRef>
+          <a:fontRef idx="minor">
+            <a:schemeClr val="lt1"/>
+          </a:fontRef>
+        </p:style>
+        <p:txBody>
+          <a:bodyPr rtlCol="0" anchor="ctr"/>
+          <a:lstStyle/>
+          <a:p>
+            <a:pPr algn="ctr"/>
+            <a:r>
+              <a:rPr lang="en-US" dirty="0">
+                <a:solidFill>
+                  <a:schemeClr val="tx1"/>
+                </a:solidFill>
+              </a:rPr>
+              <a:t>Properties</a:t>
+            </a:r>
+            <a:endParaRPr lang="en-NL" dirty="0">
+              <a:solidFill>
+                <a:schemeClr val="tx1"/>
+              </a:solidFill>
+            </a:endParaRPr>
+          </a:p>
+        </p:txBody>
+      </p:sp>
+      <p:cxnSp>
+        <p:nvCxnSpPr>
+          <p:cNvPr id="20" name="Straight Connector 19">
+            <a:extLst>
+              <a:ext uri="{FF2B5EF4-FFF2-40B4-BE49-F238E27FC236}">
+                <a16:creationId xmlns:a16="http://schemas.microsoft.com/office/drawing/2014/main" id="{D69A6113-737E-4207-B256-DA99BC005BFF}"/>
+              </a:ext>
+            </a:extLst>
+          </p:cNvPr>
+          <p:cNvCxnSpPr>
+            <a:cxnSpLocks/>
+            <a:stCxn id="12" idx="3"/>
+            <a:endCxn id="16" idx="0"/>
+          </p:cNvCxnSpPr>
+          <p:nvPr/>
+        </p:nvCxnSpPr>
+        <p:spPr>
+          <a:xfrm flipH="1">
+            <a:off x="1154566" y="2973776"/>
+            <a:ext cx="54236" cy="889424"/>
+          </a:xfrm>
+          <a:prstGeom prst="line">
+            <a:avLst/>
+          </a:prstGeom>
+        </p:spPr>
+        <p:style>
+          <a:lnRef idx="1">
+            <a:schemeClr val="accent1"/>
+          </a:lnRef>
+          <a:fillRef idx="0">
+            <a:schemeClr val="accent1"/>
+          </a:fillRef>
+          <a:effectRef idx="0">
+            <a:schemeClr val="accent1"/>
+          </a:effectRef>
+          <a:fontRef idx="minor">
+            <a:schemeClr val="tx1"/>
+          </a:fontRef>
+        </p:style>
+      </p:cxnSp>
+      <p:cxnSp>
+        <p:nvCxnSpPr>
+          <p:cNvPr id="22" name="Straight Connector 21">
+            <a:extLst>
+              <a:ext uri="{FF2B5EF4-FFF2-40B4-BE49-F238E27FC236}">
+                <a16:creationId xmlns:a16="http://schemas.microsoft.com/office/drawing/2014/main" id="{97346CA1-1C67-4FBE-BE12-66EF48069E54}"/>
+              </a:ext>
+            </a:extLst>
+          </p:cNvPr>
+          <p:cNvCxnSpPr>
+            <a:cxnSpLocks/>
+            <a:stCxn id="12" idx="3"/>
+            <a:endCxn id="17" idx="0"/>
+          </p:cNvCxnSpPr>
+          <p:nvPr/>
+        </p:nvCxnSpPr>
+        <p:spPr>
+          <a:xfrm>
+            <a:off x="1208802" y="2973776"/>
+            <a:ext cx="1606840" cy="886099"/>
+          </a:xfrm>
+          <a:prstGeom prst="line">
+            <a:avLst/>
+          </a:prstGeom>
+        </p:spPr>
+        <p:style>
+          <a:lnRef idx="1">
+            <a:schemeClr val="accent1"/>
+          </a:lnRef>
+          <a:fillRef idx="0">
+            <a:schemeClr val="accent1"/>
+          </a:fillRef>
+          <a:effectRef idx="0">
+            <a:schemeClr val="accent1"/>
+          </a:effectRef>
+          <a:fontRef idx="minor">
+            <a:schemeClr val="tx1"/>
+          </a:fontRef>
+        </p:style>
+      </p:cxnSp>
+      <p:cxnSp>
+        <p:nvCxnSpPr>
+          <p:cNvPr id="23" name="Straight Connector 22">
+            <a:extLst>
+              <a:ext uri="{FF2B5EF4-FFF2-40B4-BE49-F238E27FC236}">
+                <a16:creationId xmlns:a16="http://schemas.microsoft.com/office/drawing/2014/main" id="{75BD7DE8-9521-4909-A3E8-9718D42C3748}"/>
+              </a:ext>
+            </a:extLst>
+          </p:cNvPr>
+          <p:cNvCxnSpPr>
+            <a:cxnSpLocks/>
+            <a:endCxn id="18" idx="0"/>
+          </p:cNvCxnSpPr>
+          <p:nvPr/>
+        </p:nvCxnSpPr>
+        <p:spPr>
+          <a:xfrm>
+            <a:off x="1212749" y="2959625"/>
+            <a:ext cx="3665994" cy="907800"/>
+          </a:xfrm>
+          <a:prstGeom prst="line">
+            <a:avLst/>
+          </a:prstGeom>
+        </p:spPr>
+        <p:style>
+          <a:lnRef idx="1">
+            <a:schemeClr val="accent1"/>
+          </a:lnRef>
+          <a:fillRef idx="0">
+            <a:schemeClr val="accent1"/>
+          </a:fillRef>
+          <a:effectRef idx="0">
+            <a:schemeClr val="accent1"/>
+          </a:effectRef>
+          <a:fontRef idx="minor">
+            <a:schemeClr val="tx1"/>
+          </a:fontRef>
+        </p:style>
+      </p:cxnSp>
+      <p:cxnSp>
+        <p:nvCxnSpPr>
+          <p:cNvPr id="24" name="Straight Connector 23">
+            <a:extLst>
+              <a:ext uri="{FF2B5EF4-FFF2-40B4-BE49-F238E27FC236}">
+                <a16:creationId xmlns:a16="http://schemas.microsoft.com/office/drawing/2014/main" id="{E3B4B25D-21A7-4973-863F-5E6F219ABA47}"/>
+              </a:ext>
+            </a:extLst>
+          </p:cNvPr>
+          <p:cNvCxnSpPr>
+            <a:cxnSpLocks/>
+            <a:endCxn id="19" idx="0"/>
+          </p:cNvCxnSpPr>
+          <p:nvPr/>
+        </p:nvCxnSpPr>
+        <p:spPr>
+          <a:xfrm>
+            <a:off x="1244852" y="2963850"/>
+            <a:ext cx="5768050" cy="896025"/>
+          </a:xfrm>
+          <a:prstGeom prst="line">
+            <a:avLst/>
+          </a:prstGeom>
+        </p:spPr>
+        <p:style>
+          <a:lnRef idx="1">
+            <a:schemeClr val="accent1"/>
+          </a:lnRef>
+          <a:fillRef idx="0">
+            <a:schemeClr val="accent1"/>
+          </a:fillRef>
+          <a:effectRef idx="0">
+            <a:schemeClr val="accent1"/>
+          </a:effectRef>
+          <a:fontRef idx="minor">
+            <a:schemeClr val="tx1"/>
+          </a:fontRef>
+        </p:style>
+      </p:cxnSp>
+      <p:pic>
+        <p:nvPicPr>
+          <p:cNvPr id="25" name="Picture 12" descr="azure-data-factory - Microsoft Q&amp;A">
+            <a:extLst>
+              <a:ext uri="{FF2B5EF4-FFF2-40B4-BE49-F238E27FC236}">
+                <a16:creationId xmlns:a16="http://schemas.microsoft.com/office/drawing/2014/main" id="{63C7BC70-9502-4FF2-A194-3E7559CEFC6F}"/>
+              </a:ext>
+            </a:extLst>
+          </p:cNvPr>
+          <p:cNvPicPr>
+            <a:picLocks noChangeAspect="1" noChangeArrowheads="1"/>
+          </p:cNvPicPr>
+          <p:nvPr/>
+        </p:nvPicPr>
+        <p:blipFill>
+          <a:blip r:embed="rId2">
+            <a:extLst>
+              <a:ext uri="{28A0092B-C50C-407E-A947-70E740481C1C}">
+                <a14:useLocalDpi xmlns:a14="http://schemas.microsoft.com/office/drawing/2010/main" val="0"/>
+              </a:ext>
+            </a:extLst>
+          </a:blip>
+          <a:srcRect/>
+          <a:stretch>
+            <a:fillRect/>
+          </a:stretch>
+        </p:blipFill>
+        <p:spPr bwMode="auto">
+          <a:xfrm>
+            <a:off x="7131310" y="577168"/>
+            <a:ext cx="515040" cy="515040"/>
+          </a:xfrm>
+          <a:prstGeom prst="rect">
+            <a:avLst/>
+          </a:prstGeom>
+          <a:noFill/>
+          <a:extLst>
+            <a:ext uri="{909E8E84-426E-40DD-AFC4-6F175D3DCCD1}">
+              <a14:hiddenFill xmlns:a14="http://schemas.microsoft.com/office/drawing/2010/main">
+                <a:solidFill>
+                  <a:srgbClr val="FFFFFF"/>
+                </a:solidFill>
+              </a14:hiddenFill>
+            </a:ext>
+          </a:extLst>
+        </p:spPr>
+      </p:pic>
+      <p:pic>
+        <p:nvPicPr>
+          <p:cNvPr id="26" name="Picture 14" descr="Data Pipeline Development (Azure Data Factory) – Crafting Bytes">
+            <a:extLst>
+              <a:ext uri="{FF2B5EF4-FFF2-40B4-BE49-F238E27FC236}">
+                <a16:creationId xmlns:a16="http://schemas.microsoft.com/office/drawing/2014/main" id="{EFD7C195-1BC2-4F4F-953A-09CCAD6E44D2}"/>
+              </a:ext>
+            </a:extLst>
+          </p:cNvPr>
+          <p:cNvPicPr>
+            <a:picLocks noChangeAspect="1" noChangeArrowheads="1"/>
+          </p:cNvPicPr>
+          <p:nvPr/>
+        </p:nvPicPr>
+        <p:blipFill>
+          <a:blip r:embed="rId3">
+            <a:extLst>
+              <a:ext uri="{28A0092B-C50C-407E-A947-70E740481C1C}">
+                <a14:useLocalDpi xmlns:a14="http://schemas.microsoft.com/office/drawing/2010/main" val="0"/>
+              </a:ext>
+            </a:extLst>
+          </a:blip>
+          <a:srcRect/>
+          <a:stretch>
+            <a:fillRect/>
+          </a:stretch>
+        </p:blipFill>
+        <p:spPr bwMode="auto">
+          <a:xfrm>
+            <a:off x="7883245" y="607451"/>
+            <a:ext cx="1489395" cy="511980"/>
+          </a:xfrm>
+          <a:prstGeom prst="rect">
+            <a:avLst/>
+          </a:prstGeom>
+          <a:noFill/>
+          <a:extLst>
+            <a:ext uri="{909E8E84-426E-40DD-AFC4-6F175D3DCCD1}">
+              <a14:hiddenFill xmlns:a14="http://schemas.microsoft.com/office/drawing/2010/main">
+                <a:solidFill>
+                  <a:srgbClr val="FFFFFF"/>
+                </a:solidFill>
+              </a14:hiddenFill>
+            </a:ext>
+          </a:extLst>
+        </p:spPr>
+      </p:pic>
+      <p:cxnSp>
+        <p:nvCxnSpPr>
+          <p:cNvPr id="27" name="Straight Arrow Connector 26">
+            <a:extLst>
+              <a:ext uri="{FF2B5EF4-FFF2-40B4-BE49-F238E27FC236}">
+                <a16:creationId xmlns:a16="http://schemas.microsoft.com/office/drawing/2014/main" id="{3B4589BE-4EE2-425D-8299-9DEA52A54E0C}"/>
+              </a:ext>
+            </a:extLst>
+          </p:cNvPr>
+          <p:cNvCxnSpPr/>
+          <p:nvPr/>
+        </p:nvCxnSpPr>
+        <p:spPr>
+          <a:xfrm>
+            <a:off x="3336236" y="2152206"/>
+            <a:ext cx="1152000" cy="0"/>
+          </a:xfrm>
+          <a:prstGeom prst="straightConnector1">
+            <a:avLst/>
+          </a:prstGeom>
+          <a:ln w="73025">
+            <a:tailEnd type="triangle"/>
+          </a:ln>
+          <a:effectLst>
+            <a:outerShdw blurRad="50800" dist="38100" dir="5400000" algn="t" rotWithShape="0">
+              <a:prstClr val="black">
+                <a:alpha val="40000"/>
+              </a:prstClr>
+            </a:outerShdw>
+          </a:effectLst>
+        </p:spPr>
+        <p:style>
+          <a:lnRef idx="1">
+            <a:schemeClr val="accent1"/>
+          </a:lnRef>
+          <a:fillRef idx="0">
+            <a:schemeClr val="accent1"/>
+          </a:fillRef>
+          <a:effectRef idx="0">
+            <a:schemeClr val="accent1"/>
+          </a:effectRef>
+          <a:fontRef idx="minor">
+            <a:schemeClr val="tx1"/>
+          </a:fontRef>
+        </p:style>
+      </p:cxnSp>
+      <p:pic>
+        <p:nvPicPr>
+          <p:cNvPr id="28" name="Picture 27" descr="Afbeeldingsresultaat voor tandwielen">
+            <a:extLst>
+              <a:ext uri="{FF2B5EF4-FFF2-40B4-BE49-F238E27FC236}">
+                <a16:creationId xmlns:a16="http://schemas.microsoft.com/office/drawing/2014/main" id="{D475B7FA-CC0E-4A64-A5B1-5A39D5EA23D9}"/>
+              </a:ext>
+            </a:extLst>
+          </p:cNvPr>
+          <p:cNvPicPr>
+            <a:picLocks noChangeAspect="1" noChangeArrowheads="1"/>
+          </p:cNvPicPr>
+          <p:nvPr/>
+        </p:nvPicPr>
+        <p:blipFill>
+          <a:blip r:embed="rId4" cstate="print">
+            <a:extLst>
+              <a:ext uri="{28A0092B-C50C-407E-A947-70E740481C1C}">
+                <a14:useLocalDpi xmlns:a14="http://schemas.microsoft.com/office/drawing/2010/main" val="0"/>
+              </a:ext>
+            </a:extLst>
+          </a:blip>
+          <a:srcRect/>
+          <a:stretch>
+            <a:fillRect/>
+          </a:stretch>
+        </p:blipFill>
+        <p:spPr bwMode="auto">
+          <a:xfrm>
+            <a:off x="3493795" y="1592979"/>
+            <a:ext cx="720205" cy="491266"/>
+          </a:xfrm>
+          <a:prstGeom prst="rect">
+            <a:avLst/>
+          </a:prstGeom>
+          <a:noFill/>
+          <a:extLst>
+            <a:ext uri="{909E8E84-426E-40DD-AFC4-6F175D3DCCD1}">
+              <a14:hiddenFill xmlns:a14="http://schemas.microsoft.com/office/drawing/2010/main">
+                <a:solidFill>
+                  <a:srgbClr val="FFFFFF"/>
+                </a:solidFill>
+              </a14:hiddenFill>
+            </a:ext>
+          </a:extLst>
+        </p:spPr>
+      </p:pic>
+      <p:pic>
+        <p:nvPicPr>
+          <p:cNvPr id="29" name="Picture 28">
+            <a:extLst>
+              <a:ext uri="{FF2B5EF4-FFF2-40B4-BE49-F238E27FC236}">
+                <a16:creationId xmlns:a16="http://schemas.microsoft.com/office/drawing/2014/main" id="{F7CD3A82-BE66-4590-B8E0-1BE957151FFE}"/>
+              </a:ext>
+            </a:extLst>
+          </p:cNvPr>
+          <p:cNvPicPr>
+            <a:picLocks noChangeAspect="1"/>
+          </p:cNvPicPr>
+          <p:nvPr/>
+        </p:nvPicPr>
+        <p:blipFill>
+          <a:blip r:embed="rId5"/>
+          <a:stretch>
+            <a:fillRect/>
+          </a:stretch>
+        </p:blipFill>
+        <p:spPr>
+          <a:xfrm>
+            <a:off x="3649506" y="4526813"/>
+            <a:ext cx="6963608" cy="2189077"/>
+          </a:xfrm>
+          <a:prstGeom prst="rect">
+            <a:avLst/>
+          </a:prstGeom>
+        </p:spPr>
+      </p:pic>
+      <p:sp>
+        <p:nvSpPr>
+          <p:cNvPr id="30" name="TextBox 29">
+            <a:extLst>
+              <a:ext uri="{FF2B5EF4-FFF2-40B4-BE49-F238E27FC236}">
+                <a16:creationId xmlns:a16="http://schemas.microsoft.com/office/drawing/2014/main" id="{B621BFB5-E23D-4DBF-9BD3-2CFAD493700D}"/>
+              </a:ext>
+            </a:extLst>
+          </p:cNvPr>
+          <p:cNvSpPr txBox="1"/>
+          <p:nvPr/>
+        </p:nvSpPr>
+        <p:spPr>
+          <a:xfrm>
+            <a:off x="3179327" y="2295605"/>
+            <a:ext cx="1634077" cy="369332"/>
+          </a:xfrm>
+          <a:prstGeom prst="rect">
+            <a:avLst/>
+          </a:prstGeom>
+          <a:noFill/>
+        </p:spPr>
+        <p:txBody>
+          <a:bodyPr wrap="square" rtlCol="0">
+            <a:spAutoFit/>
+          </a:bodyPr>
+          <a:lstStyle/>
+          <a:p>
+            <a:r>
+              <a:rPr lang="en-US" dirty="0"/>
+              <a:t>Code generator</a:t>
+            </a:r>
+            <a:endParaRPr lang="en-NL" dirty="0"/>
+          </a:p>
+        </p:txBody>
+      </p:sp>
+      <p:pic>
+        <p:nvPicPr>
+          <p:cNvPr id="31" name="Picture 4">
+            <a:extLst>
+              <a:ext uri="{FF2B5EF4-FFF2-40B4-BE49-F238E27FC236}">
+                <a16:creationId xmlns:a16="http://schemas.microsoft.com/office/drawing/2014/main" id="{692184F9-9CB0-420A-B51D-79BE6D4E58FA}"/>
+              </a:ext>
+            </a:extLst>
+          </p:cNvPr>
+          <p:cNvPicPr>
+            <a:picLocks noChangeAspect="1" noChangeArrowheads="1"/>
+          </p:cNvPicPr>
+          <p:nvPr/>
+        </p:nvPicPr>
+        <p:blipFill rotWithShape="1">
+          <a:blip r:embed="rId6">
+            <a:extLst>
+              <a:ext uri="{28A0092B-C50C-407E-A947-70E740481C1C}">
+                <a14:useLocalDpi xmlns:a14="http://schemas.microsoft.com/office/drawing/2010/main" val="0"/>
+              </a:ext>
+            </a:extLst>
+          </a:blip>
+          <a:srcRect t="27964" b="35261"/>
+          <a:stretch/>
+        </p:blipFill>
+        <p:spPr bwMode="auto">
+          <a:xfrm>
+            <a:off x="3483587" y="1145143"/>
+            <a:ext cx="945430" cy="347675"/>
+          </a:xfrm>
+          <a:prstGeom prst="rect">
+            <a:avLst/>
+          </a:prstGeom>
+          <a:noFill/>
+          <a:extLst>
+            <a:ext uri="{909E8E84-426E-40DD-AFC4-6F175D3DCCD1}">
+              <a14:hiddenFill xmlns:a14="http://schemas.microsoft.com/office/drawing/2010/main">
+                <a:solidFill>
+                  <a:srgbClr val="FFFFFF"/>
+                </a:solidFill>
+              </a14:hiddenFill>
+            </a:ext>
+          </a:extLst>
+        </p:spPr>
+      </p:pic>
+      <p:pic>
+        <p:nvPicPr>
+          <p:cNvPr id="32" name="Picture 10" descr="Top 24 T-SQL Interview Questions &amp; Answers">
+            <a:extLst>
+              <a:ext uri="{FF2B5EF4-FFF2-40B4-BE49-F238E27FC236}">
+                <a16:creationId xmlns:a16="http://schemas.microsoft.com/office/drawing/2014/main" id="{0C042580-A9DE-4AB2-81A5-3926DEC6CF83}"/>
+              </a:ext>
+            </a:extLst>
+          </p:cNvPr>
+          <p:cNvPicPr>
+            <a:picLocks noChangeAspect="1" noChangeArrowheads="1"/>
+          </p:cNvPicPr>
+          <p:nvPr/>
+        </p:nvPicPr>
+        <p:blipFill>
+          <a:blip r:embed="rId7">
+            <a:extLst>
+              <a:ext uri="{28A0092B-C50C-407E-A947-70E740481C1C}">
+                <a14:useLocalDpi xmlns:a14="http://schemas.microsoft.com/office/drawing/2010/main" val="0"/>
+              </a:ext>
+            </a:extLst>
+          </a:blip>
+          <a:srcRect/>
+          <a:stretch>
+            <a:fillRect/>
+          </a:stretch>
+        </p:blipFill>
+        <p:spPr bwMode="auto">
+          <a:xfrm>
+            <a:off x="759572" y="249334"/>
+            <a:ext cx="789988" cy="660231"/>
+          </a:xfrm>
+          <a:prstGeom prst="rect">
+            <a:avLst/>
+          </a:prstGeom>
+          <a:noFill/>
+          <a:extLst>
+            <a:ext uri="{909E8E84-426E-40DD-AFC4-6F175D3DCCD1}">
+              <a14:hiddenFill xmlns:a14="http://schemas.microsoft.com/office/drawing/2010/main">
+                <a:solidFill>
+                  <a:srgbClr val="FFFFFF"/>
+                </a:solidFill>
+              </a14:hiddenFill>
+            </a:ext>
+          </a:extLst>
+        </p:spPr>
+      </p:pic>
+    </p:spTree>
+    <p:extLst>
+      <p:ext uri="{BB962C8B-B14F-4D97-AF65-F5344CB8AC3E}">
+        <p14:creationId xmlns:p14="http://schemas.microsoft.com/office/powerpoint/2010/main" val="3628466793"/>
       </p:ext>
     </p:extLst>
   </p:cSld>

--- a/image/betl_architecture.pptx
+++ b/image/betl_architecture.pptx
@@ -18,6 +18,7 @@
     <p:sldId id="266" r:id="rId12"/>
     <p:sldId id="264" r:id="rId13"/>
     <p:sldId id="272" r:id="rId14"/>
+    <p:sldId id="273" r:id="rId15"/>
   </p:sldIdLst>
   <p:sldSz cx="12192000" cy="6858000"/>
   <p:notesSz cx="6858000" cy="9144000"/>
@@ -273,7 +274,7 @@
           <a:p>
             <a:fld id="{1719DC78-B2E2-489A-B4DC-503C173C394C}" type="datetimeFigureOut">
               <a:rPr lang="en-NL" smtClean="0"/>
-              <a:t>04/10/2021</a:t>
+              <a:t>19/10/2021</a:t>
             </a:fld>
             <a:endParaRPr lang="en-NL"/>
           </a:p>
@@ -473,7 +474,7 @@
           <a:p>
             <a:fld id="{1719DC78-B2E2-489A-B4DC-503C173C394C}" type="datetimeFigureOut">
               <a:rPr lang="en-NL" smtClean="0"/>
-              <a:t>04/10/2021</a:t>
+              <a:t>19/10/2021</a:t>
             </a:fld>
             <a:endParaRPr lang="en-NL"/>
           </a:p>
@@ -683,7 +684,7 @@
           <a:p>
             <a:fld id="{1719DC78-B2E2-489A-B4DC-503C173C394C}" type="datetimeFigureOut">
               <a:rPr lang="en-NL" smtClean="0"/>
-              <a:t>04/10/2021</a:t>
+              <a:t>19/10/2021</a:t>
             </a:fld>
             <a:endParaRPr lang="en-NL"/>
           </a:p>
@@ -883,7 +884,7 @@
           <a:p>
             <a:fld id="{1719DC78-B2E2-489A-B4DC-503C173C394C}" type="datetimeFigureOut">
               <a:rPr lang="en-NL" smtClean="0"/>
-              <a:t>04/10/2021</a:t>
+              <a:t>19/10/2021</a:t>
             </a:fld>
             <a:endParaRPr lang="en-NL"/>
           </a:p>
@@ -1159,7 +1160,7 @@
           <a:p>
             <a:fld id="{1719DC78-B2E2-489A-B4DC-503C173C394C}" type="datetimeFigureOut">
               <a:rPr lang="en-NL" smtClean="0"/>
-              <a:t>04/10/2021</a:t>
+              <a:t>19/10/2021</a:t>
             </a:fld>
             <a:endParaRPr lang="en-NL"/>
           </a:p>
@@ -1427,7 +1428,7 @@
           <a:p>
             <a:fld id="{1719DC78-B2E2-489A-B4DC-503C173C394C}" type="datetimeFigureOut">
               <a:rPr lang="en-NL" smtClean="0"/>
-              <a:t>04/10/2021</a:t>
+              <a:t>19/10/2021</a:t>
             </a:fld>
             <a:endParaRPr lang="en-NL"/>
           </a:p>
@@ -1842,7 +1843,7 @@
           <a:p>
             <a:fld id="{1719DC78-B2E2-489A-B4DC-503C173C394C}" type="datetimeFigureOut">
               <a:rPr lang="en-NL" smtClean="0"/>
-              <a:t>04/10/2021</a:t>
+              <a:t>19/10/2021</a:t>
             </a:fld>
             <a:endParaRPr lang="en-NL"/>
           </a:p>
@@ -1984,7 +1985,7 @@
           <a:p>
             <a:fld id="{1719DC78-B2E2-489A-B4DC-503C173C394C}" type="datetimeFigureOut">
               <a:rPr lang="en-NL" smtClean="0"/>
-              <a:t>04/10/2021</a:t>
+              <a:t>19/10/2021</a:t>
             </a:fld>
             <a:endParaRPr lang="en-NL"/>
           </a:p>
@@ -2097,7 +2098,7 @@
           <a:p>
             <a:fld id="{1719DC78-B2E2-489A-B4DC-503C173C394C}" type="datetimeFigureOut">
               <a:rPr lang="en-NL" smtClean="0"/>
-              <a:t>04/10/2021</a:t>
+              <a:t>19/10/2021</a:t>
             </a:fld>
             <a:endParaRPr lang="en-NL"/>
           </a:p>
@@ -2410,7 +2411,7 @@
           <a:p>
             <a:fld id="{1719DC78-B2E2-489A-B4DC-503C173C394C}" type="datetimeFigureOut">
               <a:rPr lang="en-NL" smtClean="0"/>
-              <a:t>04/10/2021</a:t>
+              <a:t>19/10/2021</a:t>
             </a:fld>
             <a:endParaRPr lang="en-NL"/>
           </a:p>
@@ -2699,7 +2700,7 @@
           <a:p>
             <a:fld id="{1719DC78-B2E2-489A-B4DC-503C173C394C}" type="datetimeFigureOut">
               <a:rPr lang="en-NL" smtClean="0"/>
-              <a:t>04/10/2021</a:t>
+              <a:t>19/10/2021</a:t>
             </a:fld>
             <a:endParaRPr lang="en-NL"/>
           </a:p>
@@ -2942,7 +2943,7 @@
           <a:p>
             <a:fld id="{1719DC78-B2E2-489A-B4DC-503C173C394C}" type="datetimeFigureOut">
               <a:rPr lang="en-NL" smtClean="0"/>
-              <a:t>04/10/2021</a:t>
+              <a:t>19/10/2021</a:t>
             </a:fld>
             <a:endParaRPr lang="en-NL"/>
           </a:p>
@@ -6228,6 +6229,387 @@
     <p:extLst>
       <p:ext uri="{BB962C8B-B14F-4D97-AF65-F5344CB8AC3E}">
         <p14:creationId xmlns:p14="http://schemas.microsoft.com/office/powerpoint/2010/main" val="3628466793"/>
+      </p:ext>
+    </p:extLst>
+  </p:cSld>
+  <p:clrMapOvr>
+    <a:masterClrMapping/>
+  </p:clrMapOvr>
+</p:sld>
+</file>
+
+<file path=ppt/slides/slide14.xml><?xml version="1.0" encoding="utf-8"?>
+<p:sld xmlns:a="http://schemas.openxmlformats.org/drawingml/2006/main" xmlns:r="http://schemas.openxmlformats.org/officeDocument/2006/relationships" xmlns:p="http://schemas.openxmlformats.org/presentationml/2006/main">
+  <p:cSld>
+    <p:spTree>
+      <p:nvGrpSpPr>
+        <p:cNvPr id="1" name=""/>
+        <p:cNvGrpSpPr/>
+        <p:nvPr/>
+      </p:nvGrpSpPr>
+      <p:grpSpPr>
+        <a:xfrm>
+          <a:off x="0" y="0"/>
+          <a:ext cx="0" cy="0"/>
+          <a:chOff x="0" y="0"/>
+          <a:chExt cx="0" cy="0"/>
+        </a:xfrm>
+      </p:grpSpPr>
+      <p:sp>
+        <p:nvSpPr>
+          <p:cNvPr id="7" name="Rectangle: Rounded Corners 6">
+            <a:extLst>
+              <a:ext uri="{FF2B5EF4-FFF2-40B4-BE49-F238E27FC236}">
+                <a16:creationId xmlns:a16="http://schemas.microsoft.com/office/drawing/2014/main" id="{94093D4A-0F3E-4DC0-8B27-850C7761D523}"/>
+              </a:ext>
+            </a:extLst>
+          </p:cNvPr>
+          <p:cNvSpPr/>
+          <p:nvPr/>
+        </p:nvSpPr>
+        <p:spPr>
+          <a:xfrm>
+            <a:off x="1028375" y="1403029"/>
+            <a:ext cx="1340954" cy="457200"/>
+          </a:xfrm>
+          <a:prstGeom prst="roundRect">
+            <a:avLst/>
+          </a:prstGeom>
+          <a:solidFill>
+            <a:srgbClr val="DEEBF7"/>
+          </a:solidFill>
+        </p:spPr>
+        <p:style>
+          <a:lnRef idx="2">
+            <a:schemeClr val="accent1">
+              <a:shade val="50000"/>
+            </a:schemeClr>
+          </a:lnRef>
+          <a:fillRef idx="1">
+            <a:schemeClr val="accent1"/>
+          </a:fillRef>
+          <a:effectRef idx="0">
+            <a:schemeClr val="accent1"/>
+          </a:effectRef>
+          <a:fontRef idx="minor">
+            <a:schemeClr val="lt1"/>
+          </a:fontRef>
+        </p:style>
+        <p:txBody>
+          <a:bodyPr rtlCol="0" anchor="ctr"/>
+          <a:lstStyle/>
+          <a:p>
+            <a:pPr algn="ctr"/>
+            <a:r>
+              <a:rPr lang="en-US" dirty="0">
+                <a:solidFill>
+                  <a:schemeClr val="tx1"/>
+                </a:solidFill>
+              </a:rPr>
+              <a:t>Batch</a:t>
+            </a:r>
+            <a:endParaRPr lang="en-NL" dirty="0">
+              <a:solidFill>
+                <a:schemeClr val="tx1"/>
+              </a:solidFill>
+            </a:endParaRPr>
+          </a:p>
+        </p:txBody>
+      </p:sp>
+      <p:sp>
+        <p:nvSpPr>
+          <p:cNvPr id="8" name="Rectangle: Rounded Corners 7">
+            <a:extLst>
+              <a:ext uri="{FF2B5EF4-FFF2-40B4-BE49-F238E27FC236}">
+                <a16:creationId xmlns:a16="http://schemas.microsoft.com/office/drawing/2014/main" id="{ADE0A6C9-6F00-4713-854E-BD2490589D70}"/>
+              </a:ext>
+            </a:extLst>
+          </p:cNvPr>
+          <p:cNvSpPr/>
+          <p:nvPr/>
+        </p:nvSpPr>
+        <p:spPr>
+          <a:xfrm>
+            <a:off x="1028375" y="2448057"/>
+            <a:ext cx="1340954" cy="457200"/>
+          </a:xfrm>
+          <a:prstGeom prst="roundRect">
+            <a:avLst/>
+          </a:prstGeom>
+          <a:solidFill>
+            <a:srgbClr val="DEEBF7"/>
+          </a:solidFill>
+        </p:spPr>
+        <p:style>
+          <a:lnRef idx="2">
+            <a:schemeClr val="accent1">
+              <a:shade val="50000"/>
+            </a:schemeClr>
+          </a:lnRef>
+          <a:fillRef idx="1">
+            <a:schemeClr val="accent1"/>
+          </a:fillRef>
+          <a:effectRef idx="0">
+            <a:schemeClr val="accent1"/>
+          </a:effectRef>
+          <a:fontRef idx="minor">
+            <a:schemeClr val="lt1"/>
+          </a:fontRef>
+        </p:style>
+        <p:txBody>
+          <a:bodyPr rtlCol="0" anchor="ctr"/>
+          <a:lstStyle/>
+          <a:p>
+            <a:pPr algn="ctr"/>
+            <a:r>
+              <a:rPr lang="en-US" dirty="0">
+                <a:solidFill>
+                  <a:schemeClr val="tx1"/>
+                </a:solidFill>
+              </a:rPr>
+              <a:t>Transfer</a:t>
+            </a:r>
+            <a:endParaRPr lang="en-NL" dirty="0">
+              <a:solidFill>
+                <a:schemeClr val="tx1"/>
+              </a:solidFill>
+            </a:endParaRPr>
+          </a:p>
+        </p:txBody>
+      </p:sp>
+      <p:sp>
+        <p:nvSpPr>
+          <p:cNvPr id="9" name="Rectangle: Rounded Corners 8">
+            <a:extLst>
+              <a:ext uri="{FF2B5EF4-FFF2-40B4-BE49-F238E27FC236}">
+                <a16:creationId xmlns:a16="http://schemas.microsoft.com/office/drawing/2014/main" id="{D9DD7B21-E92B-4350-9CB1-5A58A677A230}"/>
+              </a:ext>
+            </a:extLst>
+          </p:cNvPr>
+          <p:cNvSpPr/>
+          <p:nvPr/>
+        </p:nvSpPr>
+        <p:spPr>
+          <a:xfrm>
+            <a:off x="3079592" y="1403029"/>
+            <a:ext cx="1340954" cy="457200"/>
+          </a:xfrm>
+          <a:prstGeom prst="roundRect">
+            <a:avLst/>
+          </a:prstGeom>
+          <a:solidFill>
+            <a:srgbClr val="DEEBF7"/>
+          </a:solidFill>
+        </p:spPr>
+        <p:style>
+          <a:lnRef idx="2">
+            <a:schemeClr val="accent1">
+              <a:shade val="50000"/>
+            </a:schemeClr>
+          </a:lnRef>
+          <a:fillRef idx="1">
+            <a:schemeClr val="accent1"/>
+          </a:fillRef>
+          <a:effectRef idx="0">
+            <a:schemeClr val="accent1"/>
+          </a:effectRef>
+          <a:fontRef idx="minor">
+            <a:schemeClr val="lt1"/>
+          </a:fontRef>
+        </p:style>
+        <p:txBody>
+          <a:bodyPr rtlCol="0" anchor="ctr"/>
+          <a:lstStyle/>
+          <a:p>
+            <a:pPr algn="ctr"/>
+            <a:r>
+              <a:rPr lang="en-US" dirty="0">
+                <a:solidFill>
+                  <a:schemeClr val="tx1"/>
+                </a:solidFill>
+              </a:rPr>
+              <a:t>Logging</a:t>
+            </a:r>
+            <a:endParaRPr lang="en-NL" dirty="0">
+              <a:solidFill>
+                <a:schemeClr val="tx1"/>
+              </a:solidFill>
+            </a:endParaRPr>
+          </a:p>
+        </p:txBody>
+      </p:sp>
+      <p:cxnSp>
+        <p:nvCxnSpPr>
+          <p:cNvPr id="14" name="Straight Arrow Connector 13">
+            <a:extLst>
+              <a:ext uri="{FF2B5EF4-FFF2-40B4-BE49-F238E27FC236}">
+                <a16:creationId xmlns:a16="http://schemas.microsoft.com/office/drawing/2014/main" id="{D85E997D-4DB6-47BD-9755-C041341E0A22}"/>
+              </a:ext>
+            </a:extLst>
+          </p:cNvPr>
+          <p:cNvCxnSpPr>
+            <a:cxnSpLocks/>
+            <a:stCxn id="9" idx="1"/>
+            <a:endCxn id="7" idx="3"/>
+          </p:cNvCxnSpPr>
+          <p:nvPr/>
+        </p:nvCxnSpPr>
+        <p:spPr>
+          <a:xfrm flipH="1">
+            <a:off x="2369329" y="1631629"/>
+            <a:ext cx="710263" cy="0"/>
+          </a:xfrm>
+          <a:prstGeom prst="straightConnector1">
+            <a:avLst/>
+          </a:prstGeom>
+          <a:ln>
+            <a:tailEnd type="triangle"/>
+          </a:ln>
+        </p:spPr>
+        <p:style>
+          <a:lnRef idx="1">
+            <a:schemeClr val="accent1"/>
+          </a:lnRef>
+          <a:fillRef idx="0">
+            <a:schemeClr val="accent1"/>
+          </a:fillRef>
+          <a:effectRef idx="0">
+            <a:schemeClr val="accent1"/>
+          </a:effectRef>
+          <a:fontRef idx="minor">
+            <a:schemeClr val="tx1"/>
+          </a:fontRef>
+        </p:style>
+      </p:cxnSp>
+      <p:cxnSp>
+        <p:nvCxnSpPr>
+          <p:cNvPr id="20" name="Straight Arrow Connector 19">
+            <a:extLst>
+              <a:ext uri="{FF2B5EF4-FFF2-40B4-BE49-F238E27FC236}">
+                <a16:creationId xmlns:a16="http://schemas.microsoft.com/office/drawing/2014/main" id="{2A204097-E304-4D67-AB06-33BAF7FB2012}"/>
+              </a:ext>
+            </a:extLst>
+          </p:cNvPr>
+          <p:cNvCxnSpPr>
+            <a:cxnSpLocks/>
+            <a:stCxn id="8" idx="0"/>
+            <a:endCxn id="7" idx="2"/>
+          </p:cNvCxnSpPr>
+          <p:nvPr/>
+        </p:nvCxnSpPr>
+        <p:spPr>
+          <a:xfrm flipV="1">
+            <a:off x="1698852" y="1860229"/>
+            <a:ext cx="0" cy="587828"/>
+          </a:xfrm>
+          <a:prstGeom prst="straightConnector1">
+            <a:avLst/>
+          </a:prstGeom>
+          <a:ln>
+            <a:tailEnd type="triangle"/>
+          </a:ln>
+        </p:spPr>
+        <p:style>
+          <a:lnRef idx="1">
+            <a:schemeClr val="accent1"/>
+          </a:lnRef>
+          <a:fillRef idx="0">
+            <a:schemeClr val="accent1"/>
+          </a:fillRef>
+          <a:effectRef idx="0">
+            <a:schemeClr val="accent1"/>
+          </a:effectRef>
+          <a:fontRef idx="minor">
+            <a:schemeClr val="tx1"/>
+          </a:fontRef>
+        </p:style>
+      </p:cxnSp>
+      <p:cxnSp>
+        <p:nvCxnSpPr>
+          <p:cNvPr id="25" name="Straight Arrow Connector 24">
+            <a:extLst>
+              <a:ext uri="{FF2B5EF4-FFF2-40B4-BE49-F238E27FC236}">
+                <a16:creationId xmlns:a16="http://schemas.microsoft.com/office/drawing/2014/main" id="{0571A7B4-3B46-480B-B459-BAB6EA505429}"/>
+              </a:ext>
+            </a:extLst>
+          </p:cNvPr>
+          <p:cNvCxnSpPr>
+            <a:cxnSpLocks/>
+            <a:stCxn id="7" idx="0"/>
+            <a:endCxn id="7" idx="1"/>
+          </p:cNvCxnSpPr>
+          <p:nvPr/>
+        </p:nvCxnSpPr>
+        <p:spPr>
+          <a:xfrm rot="16200000" flipH="1" flipV="1">
+            <a:off x="1249314" y="1182090"/>
+            <a:ext cx="228600" cy="670477"/>
+          </a:xfrm>
+          <a:prstGeom prst="curvedConnector4">
+            <a:avLst>
+              <a:gd name="adj1" fmla="val -176189"/>
+              <a:gd name="adj2" fmla="val 179555"/>
+            </a:avLst>
+          </a:prstGeom>
+          <a:ln>
+            <a:tailEnd type="triangle"/>
+          </a:ln>
+        </p:spPr>
+        <p:style>
+          <a:lnRef idx="1">
+            <a:schemeClr val="accent1"/>
+          </a:lnRef>
+          <a:fillRef idx="0">
+            <a:schemeClr val="accent1"/>
+          </a:fillRef>
+          <a:effectRef idx="0">
+            <a:schemeClr val="accent1"/>
+          </a:effectRef>
+          <a:fontRef idx="minor">
+            <a:schemeClr val="tx1"/>
+          </a:fontRef>
+        </p:style>
+      </p:cxnSp>
+      <p:sp>
+        <p:nvSpPr>
+          <p:cNvPr id="32" name="TextBox 31">
+            <a:extLst>
+              <a:ext uri="{FF2B5EF4-FFF2-40B4-BE49-F238E27FC236}">
+                <a16:creationId xmlns:a16="http://schemas.microsoft.com/office/drawing/2014/main" id="{52083E80-9385-4DF6-A366-85F08DB4FA1A}"/>
+              </a:ext>
+            </a:extLst>
+          </p:cNvPr>
+          <p:cNvSpPr txBox="1"/>
+          <p:nvPr/>
+        </p:nvSpPr>
+        <p:spPr>
+          <a:xfrm>
+            <a:off x="843318" y="735930"/>
+            <a:ext cx="1213474" cy="276999"/>
+          </a:xfrm>
+          <a:prstGeom prst="rect">
+            <a:avLst/>
+          </a:prstGeom>
+          <a:noFill/>
+        </p:spPr>
+        <p:txBody>
+          <a:bodyPr wrap="none" rtlCol="0">
+            <a:spAutoFit/>
+          </a:bodyPr>
+          <a:lstStyle/>
+          <a:p>
+            <a:r>
+              <a:rPr lang="en-US" sz="1200" dirty="0" err="1"/>
+              <a:t>parent_batch_id</a:t>
+            </a:r>
+            <a:endParaRPr lang="en-NL" sz="1200" dirty="0"/>
+          </a:p>
+        </p:txBody>
+      </p:sp>
+    </p:spTree>
+    <p:extLst>
+      <p:ext uri="{BB962C8B-B14F-4D97-AF65-F5344CB8AC3E}">
+        <p14:creationId xmlns:p14="http://schemas.microsoft.com/office/powerpoint/2010/main" val="3139101122"/>
       </p:ext>
     </p:extLst>
   </p:cSld>

--- a/image/betl_architecture.pptx
+++ b/image/betl_architecture.pptx
@@ -6606,6 +6606,66 @@
           </a:p>
         </p:txBody>
       </p:sp>
+      <p:pic>
+        <p:nvPicPr>
+          <p:cNvPr id="34" name="Picture 33">
+            <a:extLst>
+              <a:ext uri="{FF2B5EF4-FFF2-40B4-BE49-F238E27FC236}">
+                <a16:creationId xmlns:a16="http://schemas.microsoft.com/office/drawing/2014/main" id="{7BC4FF21-4891-4858-9C74-A7555D12EA9F}"/>
+              </a:ext>
+            </a:extLst>
+          </p:cNvPr>
+          <p:cNvPicPr>
+            <a:picLocks noChangeAspect="1"/>
+          </p:cNvPicPr>
+          <p:nvPr/>
+        </p:nvPicPr>
+        <p:blipFill>
+          <a:blip r:embed="rId2"/>
+          <a:stretch>
+            <a:fillRect/>
+          </a:stretch>
+        </p:blipFill>
+        <p:spPr>
+          <a:xfrm>
+            <a:off x="4760635" y="269395"/>
+            <a:ext cx="7220958" cy="2267266"/>
+          </a:xfrm>
+          <a:prstGeom prst="rect">
+            <a:avLst/>
+          </a:prstGeom>
+        </p:spPr>
+      </p:pic>
+      <p:pic>
+        <p:nvPicPr>
+          <p:cNvPr id="38" name="Picture 37">
+            <a:extLst>
+              <a:ext uri="{FF2B5EF4-FFF2-40B4-BE49-F238E27FC236}">
+                <a16:creationId xmlns:a16="http://schemas.microsoft.com/office/drawing/2014/main" id="{B45E385C-A006-4F36-9695-9562DD8D6472}"/>
+              </a:ext>
+            </a:extLst>
+          </p:cNvPr>
+          <p:cNvPicPr>
+            <a:picLocks noChangeAspect="1"/>
+          </p:cNvPicPr>
+          <p:nvPr/>
+        </p:nvPicPr>
+        <p:blipFill>
+          <a:blip r:embed="rId3"/>
+          <a:stretch>
+            <a:fillRect/>
+          </a:stretch>
+        </p:blipFill>
+        <p:spPr>
+          <a:xfrm>
+            <a:off x="94444" y="3038153"/>
+            <a:ext cx="11545911" cy="1371791"/>
+          </a:xfrm>
+          <a:prstGeom prst="rect">
+            <a:avLst/>
+          </a:prstGeom>
+        </p:spPr>
+      </p:pic>
     </p:spTree>
     <p:extLst>
       <p:ext uri="{BB962C8B-B14F-4D97-AF65-F5344CB8AC3E}">

--- a/image/betl_architecture.pptx
+++ b/image/betl_architecture.pptx
@@ -19,6 +19,7 @@
     <p:sldId id="264" r:id="rId13"/>
     <p:sldId id="272" r:id="rId14"/>
     <p:sldId id="273" r:id="rId15"/>
+    <p:sldId id="274" r:id="rId16"/>
   </p:sldIdLst>
   <p:sldSz cx="12192000" cy="6858000"/>
   <p:notesSz cx="6858000" cy="9144000"/>
@@ -274,7 +275,7 @@
           <a:p>
             <a:fld id="{1719DC78-B2E2-489A-B4DC-503C173C394C}" type="datetimeFigureOut">
               <a:rPr lang="en-NL" smtClean="0"/>
-              <a:t>19/10/2021</a:t>
+              <a:t>09/11/2021</a:t>
             </a:fld>
             <a:endParaRPr lang="en-NL"/>
           </a:p>
@@ -474,7 +475,7 @@
           <a:p>
             <a:fld id="{1719DC78-B2E2-489A-B4DC-503C173C394C}" type="datetimeFigureOut">
               <a:rPr lang="en-NL" smtClean="0"/>
-              <a:t>19/10/2021</a:t>
+              <a:t>09/11/2021</a:t>
             </a:fld>
             <a:endParaRPr lang="en-NL"/>
           </a:p>
@@ -684,7 +685,7 @@
           <a:p>
             <a:fld id="{1719DC78-B2E2-489A-B4DC-503C173C394C}" type="datetimeFigureOut">
               <a:rPr lang="en-NL" smtClean="0"/>
-              <a:t>19/10/2021</a:t>
+              <a:t>09/11/2021</a:t>
             </a:fld>
             <a:endParaRPr lang="en-NL"/>
           </a:p>
@@ -884,7 +885,7 @@
           <a:p>
             <a:fld id="{1719DC78-B2E2-489A-B4DC-503C173C394C}" type="datetimeFigureOut">
               <a:rPr lang="en-NL" smtClean="0"/>
-              <a:t>19/10/2021</a:t>
+              <a:t>09/11/2021</a:t>
             </a:fld>
             <a:endParaRPr lang="en-NL"/>
           </a:p>
@@ -1160,7 +1161,7 @@
           <a:p>
             <a:fld id="{1719DC78-B2E2-489A-B4DC-503C173C394C}" type="datetimeFigureOut">
               <a:rPr lang="en-NL" smtClean="0"/>
-              <a:t>19/10/2021</a:t>
+              <a:t>09/11/2021</a:t>
             </a:fld>
             <a:endParaRPr lang="en-NL"/>
           </a:p>
@@ -1428,7 +1429,7 @@
           <a:p>
             <a:fld id="{1719DC78-B2E2-489A-B4DC-503C173C394C}" type="datetimeFigureOut">
               <a:rPr lang="en-NL" smtClean="0"/>
-              <a:t>19/10/2021</a:t>
+              <a:t>09/11/2021</a:t>
             </a:fld>
             <a:endParaRPr lang="en-NL"/>
           </a:p>
@@ -1843,7 +1844,7 @@
           <a:p>
             <a:fld id="{1719DC78-B2E2-489A-B4DC-503C173C394C}" type="datetimeFigureOut">
               <a:rPr lang="en-NL" smtClean="0"/>
-              <a:t>19/10/2021</a:t>
+              <a:t>09/11/2021</a:t>
             </a:fld>
             <a:endParaRPr lang="en-NL"/>
           </a:p>
@@ -1985,7 +1986,7 @@
           <a:p>
             <a:fld id="{1719DC78-B2E2-489A-B4DC-503C173C394C}" type="datetimeFigureOut">
               <a:rPr lang="en-NL" smtClean="0"/>
-              <a:t>19/10/2021</a:t>
+              <a:t>09/11/2021</a:t>
             </a:fld>
             <a:endParaRPr lang="en-NL"/>
           </a:p>
@@ -2098,7 +2099,7 @@
           <a:p>
             <a:fld id="{1719DC78-B2E2-489A-B4DC-503C173C394C}" type="datetimeFigureOut">
               <a:rPr lang="en-NL" smtClean="0"/>
-              <a:t>19/10/2021</a:t>
+              <a:t>09/11/2021</a:t>
             </a:fld>
             <a:endParaRPr lang="en-NL"/>
           </a:p>
@@ -2411,7 +2412,7 @@
           <a:p>
             <a:fld id="{1719DC78-B2E2-489A-B4DC-503C173C394C}" type="datetimeFigureOut">
               <a:rPr lang="en-NL" smtClean="0"/>
-              <a:t>19/10/2021</a:t>
+              <a:t>09/11/2021</a:t>
             </a:fld>
             <a:endParaRPr lang="en-NL"/>
           </a:p>
@@ -2700,7 +2701,7 @@
           <a:p>
             <a:fld id="{1719DC78-B2E2-489A-B4DC-503C173C394C}" type="datetimeFigureOut">
               <a:rPr lang="en-NL" smtClean="0"/>
-              <a:t>19/10/2021</a:t>
+              <a:t>09/11/2021</a:t>
             </a:fld>
             <a:endParaRPr lang="en-NL"/>
           </a:p>
@@ -2943,7 +2944,7 @@
           <a:p>
             <a:fld id="{1719DC78-B2E2-489A-B4DC-503C173C394C}" type="datetimeFigureOut">
               <a:rPr lang="en-NL" smtClean="0"/>
-              <a:t>19/10/2021</a:t>
+              <a:t>09/11/2021</a:t>
             </a:fld>
             <a:endParaRPr lang="en-NL"/>
           </a:p>
@@ -6670,6 +6671,1162 @@
     <p:extLst>
       <p:ext uri="{BB962C8B-B14F-4D97-AF65-F5344CB8AC3E}">
         <p14:creationId xmlns:p14="http://schemas.microsoft.com/office/powerpoint/2010/main" val="3139101122"/>
+      </p:ext>
+    </p:extLst>
+  </p:cSld>
+  <p:clrMapOvr>
+    <a:masterClrMapping/>
+  </p:clrMapOvr>
+</p:sld>
+</file>
+
+<file path=ppt/slides/slide15.xml><?xml version="1.0" encoding="utf-8"?>
+<p:sld xmlns:a="http://schemas.openxmlformats.org/drawingml/2006/main" xmlns:r="http://schemas.openxmlformats.org/officeDocument/2006/relationships" xmlns:p="http://schemas.openxmlformats.org/presentationml/2006/main">
+  <p:cSld>
+    <p:spTree>
+      <p:nvGrpSpPr>
+        <p:cNvPr id="1" name=""/>
+        <p:cNvGrpSpPr/>
+        <p:nvPr/>
+      </p:nvGrpSpPr>
+      <p:grpSpPr>
+        <a:xfrm>
+          <a:off x="0" y="0"/>
+          <a:ext cx="0" cy="0"/>
+          <a:chOff x="0" y="0"/>
+          <a:chExt cx="0" cy="0"/>
+        </a:xfrm>
+      </p:grpSpPr>
+      <p:pic>
+        <p:nvPicPr>
+          <p:cNvPr id="1028" name="Picture 4" descr="Two Thin Arrows Forming A Circle Svg Png Icon Free Download (#72450) -  OnlineWebFonts.COM">
+            <a:extLst>
+              <a:ext uri="{FF2B5EF4-FFF2-40B4-BE49-F238E27FC236}">
+                <a16:creationId xmlns:a16="http://schemas.microsoft.com/office/drawing/2014/main" id="{81245560-09F4-40F5-9F8F-5DA0132DA6D9}"/>
+              </a:ext>
+            </a:extLst>
+          </p:cNvPr>
+          <p:cNvPicPr>
+            <a:picLocks noChangeAspect="1" noChangeArrowheads="1"/>
+          </p:cNvPicPr>
+          <p:nvPr/>
+        </p:nvPicPr>
+        <p:blipFill>
+          <a:blip r:embed="rId2">
+            <a:extLst>
+              <a:ext uri="{28A0092B-C50C-407E-A947-70E740481C1C}">
+                <a14:useLocalDpi xmlns:a14="http://schemas.microsoft.com/office/drawing/2010/main" val="0"/>
+              </a:ext>
+            </a:extLst>
+          </a:blip>
+          <a:srcRect/>
+          <a:stretch>
+            <a:fillRect/>
+          </a:stretch>
+        </p:blipFill>
+        <p:spPr bwMode="auto">
+          <a:xfrm>
+            <a:off x="238608" y="863541"/>
+            <a:ext cx="1737526" cy="1435042"/>
+          </a:xfrm>
+          <a:prstGeom prst="rect">
+            <a:avLst/>
+          </a:prstGeom>
+          <a:noFill/>
+          <a:extLst>
+            <a:ext uri="{909E8E84-426E-40DD-AFC4-6F175D3DCCD1}">
+              <a14:hiddenFill xmlns:a14="http://schemas.microsoft.com/office/drawing/2010/main">
+                <a:solidFill>
+                  <a:srgbClr val="FFFFFF"/>
+                </a:solidFill>
+              </a14:hiddenFill>
+            </a:ext>
+          </a:extLst>
+        </p:spPr>
+      </p:pic>
+      <p:sp>
+        <p:nvSpPr>
+          <p:cNvPr id="10" name="Flowchart: Multidocument 9">
+            <a:extLst>
+              <a:ext uri="{FF2B5EF4-FFF2-40B4-BE49-F238E27FC236}">
+                <a16:creationId xmlns:a16="http://schemas.microsoft.com/office/drawing/2014/main" id="{056556A1-70DE-4BB1-836A-00F1EBC2E897}"/>
+              </a:ext>
+            </a:extLst>
+          </p:cNvPr>
+          <p:cNvSpPr/>
+          <p:nvPr/>
+        </p:nvSpPr>
+        <p:spPr>
+          <a:xfrm>
+            <a:off x="956348" y="1216404"/>
+            <a:ext cx="310390" cy="377505"/>
+          </a:xfrm>
+          <a:prstGeom prst="flowChartMultidocument">
+            <a:avLst/>
+          </a:prstGeom>
+        </p:spPr>
+        <p:style>
+          <a:lnRef idx="2">
+            <a:schemeClr val="accent5"/>
+          </a:lnRef>
+          <a:fillRef idx="1">
+            <a:schemeClr val="lt1"/>
+          </a:fillRef>
+          <a:effectRef idx="0">
+            <a:schemeClr val="accent5"/>
+          </a:effectRef>
+          <a:fontRef idx="minor">
+            <a:schemeClr val="dk1"/>
+          </a:fontRef>
+        </p:style>
+        <p:txBody>
+          <a:bodyPr rtlCol="0" anchor="ctr"/>
+          <a:lstStyle/>
+          <a:p>
+            <a:pPr algn="ctr"/>
+            <a:endParaRPr lang="en-NL"/>
+          </a:p>
+        </p:txBody>
+      </p:sp>
+      <p:sp>
+        <p:nvSpPr>
+          <p:cNvPr id="11" name="TextBox 10">
+            <a:extLst>
+              <a:ext uri="{FF2B5EF4-FFF2-40B4-BE49-F238E27FC236}">
+                <a16:creationId xmlns:a16="http://schemas.microsoft.com/office/drawing/2014/main" id="{1913D4DD-B791-4FA4-B789-34BEBCFEA88A}"/>
+              </a:ext>
+            </a:extLst>
+          </p:cNvPr>
+          <p:cNvSpPr txBox="1"/>
+          <p:nvPr/>
+        </p:nvSpPr>
+        <p:spPr>
+          <a:xfrm>
+            <a:off x="595620" y="377505"/>
+            <a:ext cx="950838" cy="369332"/>
+          </a:xfrm>
+          <a:prstGeom prst="rect">
+            <a:avLst/>
+          </a:prstGeom>
+          <a:noFill/>
+        </p:spPr>
+        <p:txBody>
+          <a:bodyPr wrap="none" rtlCol="0">
+            <a:spAutoFit/>
+          </a:bodyPr>
+          <a:lstStyle/>
+          <a:p>
+            <a:r>
+              <a:rPr lang="en-US" dirty="0"/>
+              <a:t>for each</a:t>
+            </a:r>
+            <a:endParaRPr lang="en-NL" dirty="0"/>
+          </a:p>
+        </p:txBody>
+      </p:sp>
+      <p:sp>
+        <p:nvSpPr>
+          <p:cNvPr id="14" name="TextBox 13">
+            <a:extLst>
+              <a:ext uri="{FF2B5EF4-FFF2-40B4-BE49-F238E27FC236}">
+                <a16:creationId xmlns:a16="http://schemas.microsoft.com/office/drawing/2014/main" id="{02C9A181-5517-4FB0-A293-FE8C8BB9DE12}"/>
+              </a:ext>
+            </a:extLst>
+          </p:cNvPr>
+          <p:cNvSpPr txBox="1"/>
+          <p:nvPr/>
+        </p:nvSpPr>
+        <p:spPr>
+          <a:xfrm>
+            <a:off x="647352" y="1603695"/>
+            <a:ext cx="880626" cy="369332"/>
+          </a:xfrm>
+          <a:prstGeom prst="rect">
+            <a:avLst/>
+          </a:prstGeom>
+          <a:noFill/>
+        </p:spPr>
+        <p:txBody>
+          <a:bodyPr wrap="none" rtlCol="0">
+            <a:spAutoFit/>
+          </a:bodyPr>
+          <a:lstStyle/>
+          <a:p>
+            <a:r>
+              <a:rPr lang="en-US" dirty="0"/>
+              <a:t>dataset</a:t>
+            </a:r>
+            <a:endParaRPr lang="en-NL" dirty="0"/>
+          </a:p>
+        </p:txBody>
+      </p:sp>
+      <p:sp>
+        <p:nvSpPr>
+          <p:cNvPr id="15" name="Rectangle: Rounded Corners 14">
+            <a:extLst>
+              <a:ext uri="{FF2B5EF4-FFF2-40B4-BE49-F238E27FC236}">
+                <a16:creationId xmlns:a16="http://schemas.microsoft.com/office/drawing/2014/main" id="{04756AC9-4D7B-4F78-80C8-12E544536BDC}"/>
+              </a:ext>
+            </a:extLst>
+          </p:cNvPr>
+          <p:cNvSpPr/>
+          <p:nvPr/>
+        </p:nvSpPr>
+        <p:spPr>
+          <a:xfrm>
+            <a:off x="1281044" y="4218961"/>
+            <a:ext cx="1856439" cy="411762"/>
+          </a:xfrm>
+          <a:prstGeom prst="roundRect">
+            <a:avLst/>
+          </a:prstGeom>
+          <a:solidFill>
+            <a:schemeClr val="bg1">
+              <a:lumMod val="95000"/>
+            </a:schemeClr>
+          </a:solidFill>
+          <a:ln>
+            <a:solidFill>
+              <a:schemeClr val="tx1"/>
+            </a:solidFill>
+          </a:ln>
+        </p:spPr>
+        <p:style>
+          <a:lnRef idx="2">
+            <a:schemeClr val="accent1">
+              <a:shade val="50000"/>
+            </a:schemeClr>
+          </a:lnRef>
+          <a:fillRef idx="1">
+            <a:schemeClr val="accent1"/>
+          </a:fillRef>
+          <a:effectRef idx="0">
+            <a:schemeClr val="accent1"/>
+          </a:effectRef>
+          <a:fontRef idx="minor">
+            <a:schemeClr val="lt1"/>
+          </a:fontRef>
+        </p:style>
+        <p:txBody>
+          <a:bodyPr rtlCol="0" anchor="ctr"/>
+          <a:lstStyle/>
+          <a:p>
+            <a:pPr algn="ctr"/>
+            <a:r>
+              <a:rPr lang="en-US" sz="1400" dirty="0">
+                <a:solidFill>
+                  <a:schemeClr val="tx1"/>
+                </a:solidFill>
+              </a:rPr>
+              <a:t>staging</a:t>
+            </a:r>
+            <a:endParaRPr lang="en-NL" sz="1400" dirty="0">
+              <a:solidFill>
+                <a:schemeClr val="tx1"/>
+              </a:solidFill>
+            </a:endParaRPr>
+          </a:p>
+        </p:txBody>
+      </p:sp>
+      <p:sp>
+        <p:nvSpPr>
+          <p:cNvPr id="16" name="Rectangle: Rounded Corners 15">
+            <a:extLst>
+              <a:ext uri="{FF2B5EF4-FFF2-40B4-BE49-F238E27FC236}">
+                <a16:creationId xmlns:a16="http://schemas.microsoft.com/office/drawing/2014/main" id="{26FBB0E9-522A-46A0-BF3E-788368A4FC8E}"/>
+              </a:ext>
+            </a:extLst>
+          </p:cNvPr>
+          <p:cNvSpPr/>
+          <p:nvPr/>
+        </p:nvSpPr>
+        <p:spPr>
+          <a:xfrm>
+            <a:off x="1293628" y="3817796"/>
+            <a:ext cx="1827077" cy="385088"/>
+          </a:xfrm>
+          <a:prstGeom prst="roundRect">
+            <a:avLst/>
+          </a:prstGeom>
+          <a:solidFill>
+            <a:schemeClr val="bg1">
+              <a:lumMod val="95000"/>
+            </a:schemeClr>
+          </a:solidFill>
+          <a:ln>
+            <a:solidFill>
+              <a:schemeClr val="tx1"/>
+            </a:solidFill>
+          </a:ln>
+        </p:spPr>
+        <p:style>
+          <a:lnRef idx="2">
+            <a:schemeClr val="accent1">
+              <a:shade val="50000"/>
+            </a:schemeClr>
+          </a:lnRef>
+          <a:fillRef idx="1">
+            <a:schemeClr val="accent1"/>
+          </a:fillRef>
+          <a:effectRef idx="0">
+            <a:schemeClr val="accent1"/>
+          </a:effectRef>
+          <a:fontRef idx="minor">
+            <a:schemeClr val="lt1"/>
+          </a:fontRef>
+        </p:style>
+        <p:txBody>
+          <a:bodyPr rtlCol="0" anchor="ctr"/>
+          <a:lstStyle/>
+          <a:p>
+            <a:pPr algn="ctr"/>
+            <a:r>
+              <a:rPr lang="en-US" sz="1400" dirty="0">
+                <a:solidFill>
+                  <a:schemeClr val="tx1"/>
+                </a:solidFill>
+              </a:rPr>
+              <a:t>raw data warehouse</a:t>
+            </a:r>
+            <a:endParaRPr lang="en-NL" sz="1400" dirty="0">
+              <a:solidFill>
+                <a:schemeClr val="tx1"/>
+              </a:solidFill>
+            </a:endParaRPr>
+          </a:p>
+        </p:txBody>
+      </p:sp>
+      <p:sp>
+        <p:nvSpPr>
+          <p:cNvPr id="17" name="Rectangle: Rounded Corners 16">
+            <a:extLst>
+              <a:ext uri="{FF2B5EF4-FFF2-40B4-BE49-F238E27FC236}">
+                <a16:creationId xmlns:a16="http://schemas.microsoft.com/office/drawing/2014/main" id="{D1D41DFE-C98D-4847-990C-14F3908C30FC}"/>
+              </a:ext>
+            </a:extLst>
+          </p:cNvPr>
+          <p:cNvSpPr/>
+          <p:nvPr/>
+        </p:nvSpPr>
+        <p:spPr>
+          <a:xfrm>
+            <a:off x="1302017" y="3265627"/>
+            <a:ext cx="1827077" cy="536788"/>
+          </a:xfrm>
+          <a:prstGeom prst="roundRect">
+            <a:avLst/>
+          </a:prstGeom>
+          <a:solidFill>
+            <a:schemeClr val="bg1">
+              <a:lumMod val="95000"/>
+            </a:schemeClr>
+          </a:solidFill>
+          <a:ln>
+            <a:solidFill>
+              <a:schemeClr val="tx1"/>
+            </a:solidFill>
+          </a:ln>
+        </p:spPr>
+        <p:style>
+          <a:lnRef idx="2">
+            <a:schemeClr val="accent1">
+              <a:shade val="50000"/>
+            </a:schemeClr>
+          </a:lnRef>
+          <a:fillRef idx="1">
+            <a:schemeClr val="accent1"/>
+          </a:fillRef>
+          <a:effectRef idx="0">
+            <a:schemeClr val="accent1"/>
+          </a:effectRef>
+          <a:fontRef idx="minor">
+            <a:schemeClr val="lt1"/>
+          </a:fontRef>
+        </p:style>
+        <p:txBody>
+          <a:bodyPr rtlCol="0" anchor="ctr"/>
+          <a:lstStyle/>
+          <a:p>
+            <a:pPr algn="ctr"/>
+            <a:r>
+              <a:rPr lang="en-US" sz="1400" dirty="0">
+                <a:solidFill>
+                  <a:schemeClr val="tx1"/>
+                </a:solidFill>
+              </a:rPr>
+              <a:t>Integrated data warehouse</a:t>
+            </a:r>
+            <a:endParaRPr lang="en-NL" sz="1400" dirty="0">
+              <a:solidFill>
+                <a:schemeClr val="tx1"/>
+              </a:solidFill>
+            </a:endParaRPr>
+          </a:p>
+        </p:txBody>
+      </p:sp>
+      <p:sp>
+        <p:nvSpPr>
+          <p:cNvPr id="18" name="Rectangle: Rounded Corners 17">
+            <a:extLst>
+              <a:ext uri="{FF2B5EF4-FFF2-40B4-BE49-F238E27FC236}">
+                <a16:creationId xmlns:a16="http://schemas.microsoft.com/office/drawing/2014/main" id="{7EF9A28F-7B39-4393-82EE-BA8765E5EB8C}"/>
+              </a:ext>
+            </a:extLst>
+          </p:cNvPr>
+          <p:cNvSpPr/>
+          <p:nvPr/>
+        </p:nvSpPr>
+        <p:spPr>
+          <a:xfrm>
+            <a:off x="1302018" y="2888823"/>
+            <a:ext cx="1801910" cy="332550"/>
+          </a:xfrm>
+          <a:prstGeom prst="roundRect">
+            <a:avLst/>
+          </a:prstGeom>
+          <a:solidFill>
+            <a:schemeClr val="bg1">
+              <a:lumMod val="95000"/>
+            </a:schemeClr>
+          </a:solidFill>
+          <a:ln>
+            <a:solidFill>
+              <a:schemeClr val="tx1"/>
+            </a:solidFill>
+          </a:ln>
+        </p:spPr>
+        <p:style>
+          <a:lnRef idx="2">
+            <a:schemeClr val="accent1">
+              <a:shade val="50000"/>
+            </a:schemeClr>
+          </a:lnRef>
+          <a:fillRef idx="1">
+            <a:schemeClr val="accent1"/>
+          </a:fillRef>
+          <a:effectRef idx="0">
+            <a:schemeClr val="accent1"/>
+          </a:effectRef>
+          <a:fontRef idx="minor">
+            <a:schemeClr val="lt1"/>
+          </a:fontRef>
+        </p:style>
+        <p:txBody>
+          <a:bodyPr rtlCol="0" anchor="ctr"/>
+          <a:lstStyle/>
+          <a:p>
+            <a:pPr algn="ctr"/>
+            <a:r>
+              <a:rPr lang="en-US" sz="1400" dirty="0" err="1">
+                <a:solidFill>
+                  <a:schemeClr val="tx1"/>
+                </a:solidFill>
+              </a:rPr>
+              <a:t>datamarts</a:t>
+            </a:r>
+            <a:endParaRPr lang="en-NL" sz="1400" dirty="0">
+              <a:solidFill>
+                <a:schemeClr val="tx1"/>
+              </a:solidFill>
+            </a:endParaRPr>
+          </a:p>
+        </p:txBody>
+      </p:sp>
+      <p:sp>
+        <p:nvSpPr>
+          <p:cNvPr id="24" name="TextBox 23">
+            <a:extLst>
+              <a:ext uri="{FF2B5EF4-FFF2-40B4-BE49-F238E27FC236}">
+                <a16:creationId xmlns:a16="http://schemas.microsoft.com/office/drawing/2014/main" id="{3FABF90F-5698-40C8-80C9-4C144A5EE086}"/>
+              </a:ext>
+            </a:extLst>
+          </p:cNvPr>
+          <p:cNvSpPr txBox="1"/>
+          <p:nvPr/>
+        </p:nvSpPr>
+        <p:spPr>
+          <a:xfrm>
+            <a:off x="1259750" y="2450984"/>
+            <a:ext cx="1531381" cy="369332"/>
+          </a:xfrm>
+          <a:prstGeom prst="rect">
+            <a:avLst/>
+          </a:prstGeom>
+          <a:noFill/>
+        </p:spPr>
+        <p:txBody>
+          <a:bodyPr wrap="none" rtlCol="0">
+            <a:spAutoFit/>
+          </a:bodyPr>
+          <a:lstStyle/>
+          <a:p>
+            <a:r>
+              <a:rPr lang="en-US" dirty="0"/>
+              <a:t>for every layer</a:t>
+            </a:r>
+            <a:endParaRPr lang="en-NL" dirty="0"/>
+          </a:p>
+        </p:txBody>
+      </p:sp>
+      <p:sp>
+        <p:nvSpPr>
+          <p:cNvPr id="12" name="Rectangle 11">
+            <a:extLst>
+              <a:ext uri="{FF2B5EF4-FFF2-40B4-BE49-F238E27FC236}">
+                <a16:creationId xmlns:a16="http://schemas.microsoft.com/office/drawing/2014/main" id="{25A75AA1-8539-4CD7-ADE3-091CEBF7D599}"/>
+              </a:ext>
+            </a:extLst>
+          </p:cNvPr>
+          <p:cNvSpPr/>
+          <p:nvPr/>
+        </p:nvSpPr>
+        <p:spPr>
+          <a:xfrm>
+            <a:off x="4170728" y="1846976"/>
+            <a:ext cx="1694576" cy="645952"/>
+          </a:xfrm>
+          <a:prstGeom prst="rect">
+            <a:avLst/>
+          </a:prstGeom>
+          <a:solidFill>
+            <a:schemeClr val="accent4">
+              <a:lumMod val="20000"/>
+              <a:lumOff val="80000"/>
+            </a:schemeClr>
+          </a:solidFill>
+        </p:spPr>
+        <p:style>
+          <a:lnRef idx="2">
+            <a:schemeClr val="dk1"/>
+          </a:lnRef>
+          <a:fillRef idx="1">
+            <a:schemeClr val="lt1"/>
+          </a:fillRef>
+          <a:effectRef idx="0">
+            <a:schemeClr val="dk1"/>
+          </a:effectRef>
+          <a:fontRef idx="minor">
+            <a:schemeClr val="dk1"/>
+          </a:fontRef>
+        </p:style>
+        <p:txBody>
+          <a:bodyPr rtlCol="0" anchor="ctr"/>
+          <a:lstStyle/>
+          <a:p>
+            <a:pPr algn="ctr"/>
+            <a:r>
+              <a:rPr lang="en-US" dirty="0"/>
+              <a:t>describe</a:t>
+            </a:r>
+            <a:endParaRPr lang="en-NL" dirty="0"/>
+          </a:p>
+        </p:txBody>
+      </p:sp>
+      <p:sp>
+        <p:nvSpPr>
+          <p:cNvPr id="28" name="Rectangle 27">
+            <a:extLst>
+              <a:ext uri="{FF2B5EF4-FFF2-40B4-BE49-F238E27FC236}">
+                <a16:creationId xmlns:a16="http://schemas.microsoft.com/office/drawing/2014/main" id="{8A3FFD26-F7DC-4E0C-B903-DE7698D1F75B}"/>
+              </a:ext>
+            </a:extLst>
+          </p:cNvPr>
+          <p:cNvSpPr/>
+          <p:nvPr/>
+        </p:nvSpPr>
+        <p:spPr>
+          <a:xfrm>
+            <a:off x="4170728" y="3835166"/>
+            <a:ext cx="1694576" cy="645952"/>
+          </a:xfrm>
+          <a:prstGeom prst="rect">
+            <a:avLst/>
+          </a:prstGeom>
+          <a:solidFill>
+            <a:schemeClr val="accent1">
+              <a:lumMod val="20000"/>
+              <a:lumOff val="80000"/>
+            </a:schemeClr>
+          </a:solidFill>
+        </p:spPr>
+        <p:style>
+          <a:lnRef idx="2">
+            <a:schemeClr val="dk1"/>
+          </a:lnRef>
+          <a:fillRef idx="1">
+            <a:schemeClr val="lt1"/>
+          </a:fillRef>
+          <a:effectRef idx="0">
+            <a:schemeClr val="dk1"/>
+          </a:effectRef>
+          <a:fontRef idx="minor">
+            <a:schemeClr val="dk1"/>
+          </a:fontRef>
+        </p:style>
+        <p:txBody>
+          <a:bodyPr rtlCol="0" anchor="ctr"/>
+          <a:lstStyle/>
+          <a:p>
+            <a:pPr algn="ctr"/>
+            <a:r>
+              <a:rPr lang="en-US" dirty="0"/>
+              <a:t>execute</a:t>
+            </a:r>
+            <a:endParaRPr lang="en-NL" dirty="0"/>
+          </a:p>
+        </p:txBody>
+      </p:sp>
+      <p:pic>
+        <p:nvPicPr>
+          <p:cNvPr id="30" name="Picture 4" descr="Two Thin Arrows Forming A Circle Svg Png Icon Free Download (#72450) -  OnlineWebFonts.COM">
+            <a:extLst>
+              <a:ext uri="{FF2B5EF4-FFF2-40B4-BE49-F238E27FC236}">
+                <a16:creationId xmlns:a16="http://schemas.microsoft.com/office/drawing/2014/main" id="{8AD61A7B-F5F6-4250-B2D5-DB10E183EBBF}"/>
+              </a:ext>
+            </a:extLst>
+          </p:cNvPr>
+          <p:cNvPicPr>
+            <a:picLocks noChangeAspect="1" noChangeArrowheads="1"/>
+          </p:cNvPicPr>
+          <p:nvPr/>
+        </p:nvPicPr>
+        <p:blipFill>
+          <a:blip r:embed="rId2">
+            <a:extLst>
+              <a:ext uri="{28A0092B-C50C-407E-A947-70E740481C1C}">
+                <a14:useLocalDpi xmlns:a14="http://schemas.microsoft.com/office/drawing/2010/main" val="0"/>
+              </a:ext>
+            </a:extLst>
+          </a:blip>
+          <a:srcRect/>
+          <a:stretch>
+            <a:fillRect/>
+          </a:stretch>
+        </p:blipFill>
+        <p:spPr bwMode="auto">
+          <a:xfrm>
+            <a:off x="4379052" y="4908663"/>
+            <a:ext cx="1996581" cy="1648999"/>
+          </a:xfrm>
+          <a:prstGeom prst="rect">
+            <a:avLst/>
+          </a:prstGeom>
+          <a:noFill/>
+          <a:extLst>
+            <a:ext uri="{909E8E84-426E-40DD-AFC4-6F175D3DCCD1}">
+              <a14:hiddenFill xmlns:a14="http://schemas.microsoft.com/office/drawing/2010/main">
+                <a:solidFill>
+                  <a:srgbClr val="FFFFFF"/>
+                </a:solidFill>
+              </a14:hiddenFill>
+            </a:ext>
+          </a:extLst>
+        </p:spPr>
+      </p:pic>
+      <p:pic>
+        <p:nvPicPr>
+          <p:cNvPr id="1030" name="Picture 6" descr="observe Free Photos, Icons, Vectors &amp; Videos | Freestock">
+            <a:extLst>
+              <a:ext uri="{FF2B5EF4-FFF2-40B4-BE49-F238E27FC236}">
+                <a16:creationId xmlns:a16="http://schemas.microsoft.com/office/drawing/2014/main" id="{547651CA-762F-4684-8F16-A23AC9AAD8DA}"/>
+              </a:ext>
+            </a:extLst>
+          </p:cNvPr>
+          <p:cNvPicPr>
+            <a:picLocks noChangeAspect="1" noChangeArrowheads="1"/>
+          </p:cNvPicPr>
+          <p:nvPr/>
+        </p:nvPicPr>
+        <p:blipFill>
+          <a:blip r:embed="rId3">
+            <a:extLst>
+              <a:ext uri="{28A0092B-C50C-407E-A947-70E740481C1C}">
+                <a14:useLocalDpi xmlns:a14="http://schemas.microsoft.com/office/drawing/2010/main" val="0"/>
+              </a:ext>
+            </a:extLst>
+          </a:blip>
+          <a:srcRect/>
+          <a:stretch>
+            <a:fillRect/>
+          </a:stretch>
+        </p:blipFill>
+        <p:spPr bwMode="auto">
+          <a:xfrm>
+            <a:off x="4663714" y="964867"/>
+            <a:ext cx="789131" cy="789131"/>
+          </a:xfrm>
+          <a:prstGeom prst="rect">
+            <a:avLst/>
+          </a:prstGeom>
+          <a:noFill/>
+          <a:extLst>
+            <a:ext uri="{909E8E84-426E-40DD-AFC4-6F175D3DCCD1}">
+              <a14:hiddenFill xmlns:a14="http://schemas.microsoft.com/office/drawing/2010/main">
+                <a:solidFill>
+                  <a:srgbClr val="FFFFFF"/>
+                </a:solidFill>
+              </a14:hiddenFill>
+            </a:ext>
+          </a:extLst>
+        </p:spPr>
+      </p:pic>
+      <p:sp>
+        <p:nvSpPr>
+          <p:cNvPr id="32" name="TextBox 31">
+            <a:extLst>
+              <a:ext uri="{FF2B5EF4-FFF2-40B4-BE49-F238E27FC236}">
+                <a16:creationId xmlns:a16="http://schemas.microsoft.com/office/drawing/2014/main" id="{42F7D445-0B02-438F-92A6-52EE0EE33D3C}"/>
+              </a:ext>
+            </a:extLst>
+          </p:cNvPr>
+          <p:cNvSpPr txBox="1"/>
+          <p:nvPr/>
+        </p:nvSpPr>
+        <p:spPr>
+          <a:xfrm>
+            <a:off x="5271085" y="1160478"/>
+            <a:ext cx="3265253" cy="369332"/>
+          </a:xfrm>
+          <a:prstGeom prst="rect">
+            <a:avLst/>
+          </a:prstGeom>
+          <a:noFill/>
+        </p:spPr>
+        <p:txBody>
+          <a:bodyPr wrap="none" rtlCol="0">
+            <a:spAutoFit/>
+          </a:bodyPr>
+          <a:lstStyle/>
+          <a:p>
+            <a:r>
+              <a:rPr lang="en-US" dirty="0"/>
+              <a:t>observe source dataset structure</a:t>
+            </a:r>
+            <a:endParaRPr lang="en-NL" dirty="0"/>
+          </a:p>
+        </p:txBody>
+      </p:sp>
+      <p:sp>
+        <p:nvSpPr>
+          <p:cNvPr id="33" name="Rectangle 32">
+            <a:extLst>
+              <a:ext uri="{FF2B5EF4-FFF2-40B4-BE49-F238E27FC236}">
+                <a16:creationId xmlns:a16="http://schemas.microsoft.com/office/drawing/2014/main" id="{3F009827-CF9D-4C8C-B73B-BD13F613FC8B}"/>
+              </a:ext>
+            </a:extLst>
+          </p:cNvPr>
+          <p:cNvSpPr/>
+          <p:nvPr/>
+        </p:nvSpPr>
+        <p:spPr>
+          <a:xfrm>
+            <a:off x="4170728" y="422246"/>
+            <a:ext cx="1694576" cy="645952"/>
+          </a:xfrm>
+          <a:prstGeom prst="rect">
+            <a:avLst/>
+          </a:prstGeom>
+          <a:solidFill>
+            <a:schemeClr val="accent6">
+              <a:lumMod val="20000"/>
+              <a:lumOff val="80000"/>
+            </a:schemeClr>
+          </a:solidFill>
+        </p:spPr>
+        <p:style>
+          <a:lnRef idx="2">
+            <a:schemeClr val="dk1"/>
+          </a:lnRef>
+          <a:fillRef idx="1">
+            <a:schemeClr val="lt1"/>
+          </a:fillRef>
+          <a:effectRef idx="0">
+            <a:schemeClr val="dk1"/>
+          </a:effectRef>
+          <a:fontRef idx="minor">
+            <a:schemeClr val="dk1"/>
+          </a:fontRef>
+        </p:style>
+        <p:txBody>
+          <a:bodyPr rtlCol="0" anchor="ctr"/>
+          <a:lstStyle/>
+          <a:p>
+            <a:pPr algn="ctr"/>
+            <a:r>
+              <a:rPr lang="en-US" dirty="0"/>
+              <a:t>observe</a:t>
+            </a:r>
+            <a:endParaRPr lang="en-NL" dirty="0"/>
+          </a:p>
+        </p:txBody>
+      </p:sp>
+      <p:sp>
+        <p:nvSpPr>
+          <p:cNvPr id="13" name="TextBox 12">
+            <a:extLst>
+              <a:ext uri="{FF2B5EF4-FFF2-40B4-BE49-F238E27FC236}">
+                <a16:creationId xmlns:a16="http://schemas.microsoft.com/office/drawing/2014/main" id="{3A9799BD-5A66-45B9-8E56-A6D2FF6556EF}"/>
+              </a:ext>
+            </a:extLst>
+          </p:cNvPr>
+          <p:cNvSpPr txBox="1"/>
+          <p:nvPr/>
+        </p:nvSpPr>
+        <p:spPr>
+          <a:xfrm>
+            <a:off x="5377343" y="2835479"/>
+            <a:ext cx="3738267" cy="923330"/>
+          </a:xfrm>
+          <a:prstGeom prst="rect">
+            <a:avLst/>
+          </a:prstGeom>
+          <a:noFill/>
+        </p:spPr>
+        <p:txBody>
+          <a:bodyPr wrap="none" rtlCol="0">
+            <a:spAutoFit/>
+          </a:bodyPr>
+          <a:lstStyle/>
+          <a:p>
+            <a:pPr marL="285750" indent="-285750">
+              <a:buFontTx/>
+              <a:buChar char="-"/>
+            </a:pPr>
+            <a:r>
+              <a:rPr lang="en-US" dirty="0"/>
+              <a:t>structure change (</a:t>
+            </a:r>
+            <a:r>
+              <a:rPr lang="en-US" dirty="0" err="1"/>
+              <a:t>ddl</a:t>
+            </a:r>
+            <a:r>
+              <a:rPr lang="en-US" dirty="0"/>
+              <a:t>) </a:t>
+            </a:r>
+          </a:p>
+          <a:p>
+            <a:pPr marL="285750" indent="-285750">
+              <a:buFontTx/>
+              <a:buChar char="-"/>
+            </a:pPr>
+            <a:r>
+              <a:rPr lang="en-US" dirty="0"/>
+              <a:t>data loading and transforming (</a:t>
+            </a:r>
+            <a:r>
+              <a:rPr lang="en-US" dirty="0" err="1"/>
+              <a:t>etl</a:t>
+            </a:r>
+            <a:r>
+              <a:rPr lang="en-US" dirty="0"/>
+              <a:t>)</a:t>
+            </a:r>
+          </a:p>
+          <a:p>
+            <a:pPr marL="285750" indent="-285750">
+              <a:buFontTx/>
+              <a:buChar char="-"/>
+            </a:pPr>
+            <a:r>
+              <a:rPr lang="en-US" dirty="0"/>
+              <a:t>orchestration </a:t>
+            </a:r>
+            <a:endParaRPr lang="en-NL" dirty="0"/>
+          </a:p>
+        </p:txBody>
+      </p:sp>
+      <p:sp>
+        <p:nvSpPr>
+          <p:cNvPr id="35" name="TextBox 34">
+            <a:extLst>
+              <a:ext uri="{FF2B5EF4-FFF2-40B4-BE49-F238E27FC236}">
+                <a16:creationId xmlns:a16="http://schemas.microsoft.com/office/drawing/2014/main" id="{E0F11231-55C8-4183-8E3E-A0E618C79AE5}"/>
+              </a:ext>
+            </a:extLst>
+          </p:cNvPr>
+          <p:cNvSpPr txBox="1"/>
+          <p:nvPr/>
+        </p:nvSpPr>
+        <p:spPr>
+          <a:xfrm>
+            <a:off x="5507376" y="2562838"/>
+            <a:ext cx="4383244" cy="369332"/>
+          </a:xfrm>
+          <a:prstGeom prst="rect">
+            <a:avLst/>
+          </a:prstGeom>
+          <a:noFill/>
+        </p:spPr>
+        <p:txBody>
+          <a:bodyPr wrap="square" rtlCol="0">
+            <a:spAutoFit/>
+          </a:bodyPr>
+          <a:lstStyle/>
+          <a:p>
+            <a:r>
+              <a:rPr lang="en-US" dirty="0"/>
+              <a:t>describe what needs to be done</a:t>
+            </a:r>
+            <a:endParaRPr lang="en-NL" dirty="0"/>
+          </a:p>
+        </p:txBody>
+      </p:sp>
+      <p:pic>
+        <p:nvPicPr>
+          <p:cNvPr id="1032" name="Picture 8" descr="Free Pencil Icon. SVG, EPS, JPG, PNG. Download Pencil Icon.">
+            <a:extLst>
+              <a:ext uri="{FF2B5EF4-FFF2-40B4-BE49-F238E27FC236}">
+                <a16:creationId xmlns:a16="http://schemas.microsoft.com/office/drawing/2014/main" id="{A6603CA7-DF76-449E-BCDA-342887C5628F}"/>
+              </a:ext>
+            </a:extLst>
+          </p:cNvPr>
+          <p:cNvPicPr>
+            <a:picLocks noChangeAspect="1" noChangeArrowheads="1"/>
+          </p:cNvPicPr>
+          <p:nvPr/>
+        </p:nvPicPr>
+        <p:blipFill>
+          <a:blip r:embed="rId4">
+            <a:extLst>
+              <a:ext uri="{28A0092B-C50C-407E-A947-70E740481C1C}">
+                <a14:useLocalDpi xmlns:a14="http://schemas.microsoft.com/office/drawing/2010/main" val="0"/>
+              </a:ext>
+            </a:extLst>
+          </a:blip>
+          <a:srcRect/>
+          <a:stretch>
+            <a:fillRect/>
+          </a:stretch>
+        </p:blipFill>
+        <p:spPr bwMode="auto">
+          <a:xfrm>
+            <a:off x="4697268" y="2533608"/>
+            <a:ext cx="771656" cy="771656"/>
+          </a:xfrm>
+          <a:prstGeom prst="rect">
+            <a:avLst/>
+          </a:prstGeom>
+          <a:noFill/>
+          <a:extLst>
+            <a:ext uri="{909E8E84-426E-40DD-AFC4-6F175D3DCCD1}">
+              <a14:hiddenFill xmlns:a14="http://schemas.microsoft.com/office/drawing/2010/main">
+                <a:solidFill>
+                  <a:srgbClr val="FFFFFF"/>
+                </a:solidFill>
+              </a14:hiddenFill>
+            </a:ext>
+          </a:extLst>
+        </p:spPr>
+      </p:pic>
+      <p:sp>
+        <p:nvSpPr>
+          <p:cNvPr id="37" name="TextBox 36">
+            <a:extLst>
+              <a:ext uri="{FF2B5EF4-FFF2-40B4-BE49-F238E27FC236}">
+                <a16:creationId xmlns:a16="http://schemas.microsoft.com/office/drawing/2014/main" id="{D45650A9-DCC2-4519-8F9D-079BBC4CA9B8}"/>
+              </a:ext>
+            </a:extLst>
+          </p:cNvPr>
+          <p:cNvSpPr txBox="1"/>
+          <p:nvPr/>
+        </p:nvSpPr>
+        <p:spPr>
+          <a:xfrm>
+            <a:off x="4682457" y="4556621"/>
+            <a:ext cx="950838" cy="369332"/>
+          </a:xfrm>
+          <a:prstGeom prst="rect">
+            <a:avLst/>
+          </a:prstGeom>
+          <a:noFill/>
+        </p:spPr>
+        <p:txBody>
+          <a:bodyPr wrap="none" rtlCol="0">
+            <a:spAutoFit/>
+          </a:bodyPr>
+          <a:lstStyle/>
+          <a:p>
+            <a:r>
+              <a:rPr lang="en-US" dirty="0"/>
+              <a:t>for each</a:t>
+            </a:r>
+            <a:endParaRPr lang="en-NL" dirty="0"/>
+          </a:p>
+        </p:txBody>
+      </p:sp>
+      <p:sp>
+        <p:nvSpPr>
+          <p:cNvPr id="38" name="TextBox 37">
+            <a:extLst>
+              <a:ext uri="{FF2B5EF4-FFF2-40B4-BE49-F238E27FC236}">
+                <a16:creationId xmlns:a16="http://schemas.microsoft.com/office/drawing/2014/main" id="{F3427969-0BF7-4FDB-A1BA-327FE202B57A}"/>
+              </a:ext>
+            </a:extLst>
+          </p:cNvPr>
+          <p:cNvSpPr txBox="1"/>
+          <p:nvPr/>
+        </p:nvSpPr>
+        <p:spPr>
+          <a:xfrm>
+            <a:off x="4943914" y="5656976"/>
+            <a:ext cx="933525" cy="646331"/>
+          </a:xfrm>
+          <a:prstGeom prst="rect">
+            <a:avLst/>
+          </a:prstGeom>
+          <a:noFill/>
+        </p:spPr>
+        <p:txBody>
+          <a:bodyPr wrap="none" rtlCol="0">
+            <a:spAutoFit/>
+          </a:bodyPr>
+          <a:lstStyle/>
+          <a:p>
+            <a:r>
+              <a:rPr lang="en-US" dirty="0"/>
+              <a:t>dataset </a:t>
+            </a:r>
+            <a:br>
+              <a:rPr lang="en-US" dirty="0"/>
+            </a:br>
+            <a:r>
+              <a:rPr lang="en-US" dirty="0"/>
+              <a:t>object</a:t>
+            </a:r>
+            <a:endParaRPr lang="en-NL" dirty="0"/>
+          </a:p>
+        </p:txBody>
+      </p:sp>
+      <p:sp>
+        <p:nvSpPr>
+          <p:cNvPr id="27" name="Flowchart: Document 26">
+            <a:extLst>
+              <a:ext uri="{FF2B5EF4-FFF2-40B4-BE49-F238E27FC236}">
+                <a16:creationId xmlns:a16="http://schemas.microsoft.com/office/drawing/2014/main" id="{7F8761F1-E9A3-4BE8-BA2C-54A6498D4EBC}"/>
+              </a:ext>
+            </a:extLst>
+          </p:cNvPr>
+          <p:cNvSpPr/>
+          <p:nvPr/>
+        </p:nvSpPr>
+        <p:spPr>
+          <a:xfrm>
+            <a:off x="5083728" y="5251508"/>
+            <a:ext cx="419449" cy="402671"/>
+          </a:xfrm>
+          <a:prstGeom prst="flowChartDocument">
+            <a:avLst/>
+          </a:prstGeom>
+        </p:spPr>
+        <p:style>
+          <a:lnRef idx="2">
+            <a:schemeClr val="accent1"/>
+          </a:lnRef>
+          <a:fillRef idx="1">
+            <a:schemeClr val="lt1"/>
+          </a:fillRef>
+          <a:effectRef idx="0">
+            <a:schemeClr val="accent1"/>
+          </a:effectRef>
+          <a:fontRef idx="minor">
+            <a:schemeClr val="dk1"/>
+          </a:fontRef>
+        </p:style>
+        <p:txBody>
+          <a:bodyPr rtlCol="0" anchor="ctr"/>
+          <a:lstStyle/>
+          <a:p>
+            <a:pPr algn="ctr"/>
+            <a:endParaRPr lang="en-NL"/>
+          </a:p>
+        </p:txBody>
+      </p:sp>
+      <p:sp>
+        <p:nvSpPr>
+          <p:cNvPr id="40" name="TextBox 39">
+            <a:extLst>
+              <a:ext uri="{FF2B5EF4-FFF2-40B4-BE49-F238E27FC236}">
+                <a16:creationId xmlns:a16="http://schemas.microsoft.com/office/drawing/2014/main" id="{51114B78-F7FF-4349-B5C0-FEADE471DBA2}"/>
+              </a:ext>
+            </a:extLst>
+          </p:cNvPr>
+          <p:cNvSpPr txBox="1"/>
+          <p:nvPr/>
+        </p:nvSpPr>
+        <p:spPr>
+          <a:xfrm>
+            <a:off x="6616121" y="4820875"/>
+            <a:ext cx="4383244" cy="1477328"/>
+          </a:xfrm>
+          <a:prstGeom prst="rect">
+            <a:avLst/>
+          </a:prstGeom>
+          <a:noFill/>
+        </p:spPr>
+        <p:txBody>
+          <a:bodyPr wrap="square" rtlCol="0">
+            <a:spAutoFit/>
+          </a:bodyPr>
+          <a:lstStyle/>
+          <a:p>
+            <a:pPr marL="285750" indent="-285750">
+              <a:buFontTx/>
+              <a:buChar char="-"/>
+            </a:pPr>
+            <a:r>
+              <a:rPr lang="en-US" dirty="0"/>
+              <a:t>Generate code </a:t>
+            </a:r>
+          </a:p>
+          <a:p>
+            <a:pPr marL="742950" lvl="1" indent="-285750">
+              <a:buFontTx/>
+              <a:buChar char="-"/>
+            </a:pPr>
+            <a:r>
+              <a:rPr lang="en-US" dirty="0" err="1"/>
+              <a:t>ddl</a:t>
+            </a:r>
+            <a:endParaRPr lang="en-US" dirty="0"/>
+          </a:p>
+          <a:p>
+            <a:pPr marL="742950" lvl="1" indent="-285750">
+              <a:buFontTx/>
+              <a:buChar char="-"/>
+            </a:pPr>
+            <a:r>
+              <a:rPr lang="en-US" dirty="0" err="1"/>
+              <a:t>Etl</a:t>
+            </a:r>
+            <a:endParaRPr lang="en-US" dirty="0"/>
+          </a:p>
+          <a:p>
+            <a:pPr marL="742950" lvl="1" indent="-285750">
+              <a:buFontTx/>
+              <a:buChar char="-"/>
+            </a:pPr>
+            <a:r>
+              <a:rPr lang="en-US" dirty="0"/>
+              <a:t>Orchestration</a:t>
+            </a:r>
+          </a:p>
+          <a:p>
+            <a:pPr marL="285750" indent="-285750">
+              <a:buFontTx/>
+              <a:buChar char="-"/>
+            </a:pPr>
+            <a:r>
+              <a:rPr lang="en-US" dirty="0"/>
+              <a:t>Execute code</a:t>
+            </a:r>
+          </a:p>
+        </p:txBody>
+      </p:sp>
+    </p:spTree>
+    <p:extLst>
+      <p:ext uri="{BB962C8B-B14F-4D97-AF65-F5344CB8AC3E}">
+        <p14:creationId xmlns:p14="http://schemas.microsoft.com/office/powerpoint/2010/main" val="3962234357"/>
       </p:ext>
     </p:extLst>
   </p:cSld>

--- a/image/betl_architecture.pptx
+++ b/image/betl_architecture.pptx
@@ -20,6 +20,7 @@
     <p:sldId id="272" r:id="rId14"/>
     <p:sldId id="273" r:id="rId15"/>
     <p:sldId id="274" r:id="rId16"/>
+    <p:sldId id="275" r:id="rId17"/>
   </p:sldIdLst>
   <p:sldSz cx="12192000" cy="6858000"/>
   <p:notesSz cx="6858000" cy="9144000"/>
@@ -275,7 +276,7 @@
           <a:p>
             <a:fld id="{1719DC78-B2E2-489A-B4DC-503C173C394C}" type="datetimeFigureOut">
               <a:rPr lang="en-NL" smtClean="0"/>
-              <a:t>09/11/2021</a:t>
+              <a:t>18/01/2022</a:t>
             </a:fld>
             <a:endParaRPr lang="en-NL"/>
           </a:p>
@@ -475,7 +476,7 @@
           <a:p>
             <a:fld id="{1719DC78-B2E2-489A-B4DC-503C173C394C}" type="datetimeFigureOut">
               <a:rPr lang="en-NL" smtClean="0"/>
-              <a:t>09/11/2021</a:t>
+              <a:t>18/01/2022</a:t>
             </a:fld>
             <a:endParaRPr lang="en-NL"/>
           </a:p>
@@ -685,7 +686,7 @@
           <a:p>
             <a:fld id="{1719DC78-B2E2-489A-B4DC-503C173C394C}" type="datetimeFigureOut">
               <a:rPr lang="en-NL" smtClean="0"/>
-              <a:t>09/11/2021</a:t>
+              <a:t>18/01/2022</a:t>
             </a:fld>
             <a:endParaRPr lang="en-NL"/>
           </a:p>
@@ -885,7 +886,7 @@
           <a:p>
             <a:fld id="{1719DC78-B2E2-489A-B4DC-503C173C394C}" type="datetimeFigureOut">
               <a:rPr lang="en-NL" smtClean="0"/>
-              <a:t>09/11/2021</a:t>
+              <a:t>18/01/2022</a:t>
             </a:fld>
             <a:endParaRPr lang="en-NL"/>
           </a:p>
@@ -1161,7 +1162,7 @@
           <a:p>
             <a:fld id="{1719DC78-B2E2-489A-B4DC-503C173C394C}" type="datetimeFigureOut">
               <a:rPr lang="en-NL" smtClean="0"/>
-              <a:t>09/11/2021</a:t>
+              <a:t>18/01/2022</a:t>
             </a:fld>
             <a:endParaRPr lang="en-NL"/>
           </a:p>
@@ -1429,7 +1430,7 @@
           <a:p>
             <a:fld id="{1719DC78-B2E2-489A-B4DC-503C173C394C}" type="datetimeFigureOut">
               <a:rPr lang="en-NL" smtClean="0"/>
-              <a:t>09/11/2021</a:t>
+              <a:t>18/01/2022</a:t>
             </a:fld>
             <a:endParaRPr lang="en-NL"/>
           </a:p>
@@ -1844,7 +1845,7 @@
           <a:p>
             <a:fld id="{1719DC78-B2E2-489A-B4DC-503C173C394C}" type="datetimeFigureOut">
               <a:rPr lang="en-NL" smtClean="0"/>
-              <a:t>09/11/2021</a:t>
+              <a:t>18/01/2022</a:t>
             </a:fld>
             <a:endParaRPr lang="en-NL"/>
           </a:p>
@@ -1986,7 +1987,7 @@
           <a:p>
             <a:fld id="{1719DC78-B2E2-489A-B4DC-503C173C394C}" type="datetimeFigureOut">
               <a:rPr lang="en-NL" smtClean="0"/>
-              <a:t>09/11/2021</a:t>
+              <a:t>18/01/2022</a:t>
             </a:fld>
             <a:endParaRPr lang="en-NL"/>
           </a:p>
@@ -2099,7 +2100,7 @@
           <a:p>
             <a:fld id="{1719DC78-B2E2-489A-B4DC-503C173C394C}" type="datetimeFigureOut">
               <a:rPr lang="en-NL" smtClean="0"/>
-              <a:t>09/11/2021</a:t>
+              <a:t>18/01/2022</a:t>
             </a:fld>
             <a:endParaRPr lang="en-NL"/>
           </a:p>
@@ -2412,7 +2413,7 @@
           <a:p>
             <a:fld id="{1719DC78-B2E2-489A-B4DC-503C173C394C}" type="datetimeFigureOut">
               <a:rPr lang="en-NL" smtClean="0"/>
-              <a:t>09/11/2021</a:t>
+              <a:t>18/01/2022</a:t>
             </a:fld>
             <a:endParaRPr lang="en-NL"/>
           </a:p>
@@ -2701,7 +2702,7 @@
           <a:p>
             <a:fld id="{1719DC78-B2E2-489A-B4DC-503C173C394C}" type="datetimeFigureOut">
               <a:rPr lang="en-NL" smtClean="0"/>
-              <a:t>09/11/2021</a:t>
+              <a:t>18/01/2022</a:t>
             </a:fld>
             <a:endParaRPr lang="en-NL"/>
           </a:p>
@@ -2944,7 +2945,7 @@
           <a:p>
             <a:fld id="{1719DC78-B2E2-489A-B4DC-503C173C394C}" type="datetimeFigureOut">
               <a:rPr lang="en-NL" smtClean="0"/>
-              <a:t>09/11/2021</a:t>
+              <a:t>18/01/2022</a:t>
             </a:fld>
             <a:endParaRPr lang="en-NL"/>
           </a:p>
@@ -7827,6 +7828,1689 @@
     <p:extLst>
       <p:ext uri="{BB962C8B-B14F-4D97-AF65-F5344CB8AC3E}">
         <p14:creationId xmlns:p14="http://schemas.microsoft.com/office/powerpoint/2010/main" val="3962234357"/>
+      </p:ext>
+    </p:extLst>
+  </p:cSld>
+  <p:clrMapOvr>
+    <a:masterClrMapping/>
+  </p:clrMapOvr>
+</p:sld>
+</file>
+
+<file path=ppt/slides/slide16.xml><?xml version="1.0" encoding="utf-8"?>
+<p:sld xmlns:a="http://schemas.openxmlformats.org/drawingml/2006/main" xmlns:r="http://schemas.openxmlformats.org/officeDocument/2006/relationships" xmlns:p="http://schemas.openxmlformats.org/presentationml/2006/main">
+  <p:cSld>
+    <p:spTree>
+      <p:nvGrpSpPr>
+        <p:cNvPr id="1" name=""/>
+        <p:cNvGrpSpPr/>
+        <p:nvPr/>
+      </p:nvGrpSpPr>
+      <p:grpSpPr>
+        <a:xfrm>
+          <a:off x="0" y="0"/>
+          <a:ext cx="0" cy="0"/>
+          <a:chOff x="0" y="0"/>
+          <a:chExt cx="0" cy="0"/>
+        </a:xfrm>
+      </p:grpSpPr>
+      <p:sp>
+        <p:nvSpPr>
+          <p:cNvPr id="25" name="Cylinder 24">
+            <a:extLst>
+              <a:ext uri="{FF2B5EF4-FFF2-40B4-BE49-F238E27FC236}">
+                <a16:creationId xmlns:a16="http://schemas.microsoft.com/office/drawing/2014/main" id="{A2F4C73A-F55D-4FC9-84D9-0C817372749F}"/>
+              </a:ext>
+            </a:extLst>
+          </p:cNvPr>
+          <p:cNvSpPr/>
+          <p:nvPr/>
+        </p:nvSpPr>
+        <p:spPr>
+          <a:xfrm>
+            <a:off x="328791" y="3126443"/>
+            <a:ext cx="1212794" cy="912157"/>
+          </a:xfrm>
+          <a:prstGeom prst="can">
+            <a:avLst/>
+          </a:prstGeom>
+          <a:solidFill>
+            <a:srgbClr val="DEEBF7"/>
+          </a:solidFill>
+        </p:spPr>
+        <p:style>
+          <a:lnRef idx="2">
+            <a:schemeClr val="accent1">
+              <a:shade val="50000"/>
+            </a:schemeClr>
+          </a:lnRef>
+          <a:fillRef idx="1">
+            <a:schemeClr val="accent1"/>
+          </a:fillRef>
+          <a:effectRef idx="0">
+            <a:schemeClr val="accent1"/>
+          </a:effectRef>
+          <a:fontRef idx="minor">
+            <a:schemeClr val="lt1"/>
+          </a:fontRef>
+        </p:style>
+        <p:txBody>
+          <a:bodyPr rtlCol="0" anchor="ctr"/>
+          <a:lstStyle/>
+          <a:p>
+            <a:pPr algn="ctr"/>
+            <a:r>
+              <a:rPr lang="en-US" sz="1400" dirty="0">
+                <a:solidFill>
+                  <a:schemeClr val="tx1"/>
+                </a:solidFill>
+              </a:rPr>
+              <a:t>Adventure</a:t>
+            </a:r>
+          </a:p>
+          <a:p>
+            <a:pPr algn="ctr"/>
+            <a:r>
+              <a:rPr lang="en-US" sz="1400" dirty="0">
+                <a:solidFill>
+                  <a:schemeClr val="tx1"/>
+                </a:solidFill>
+              </a:rPr>
+              <a:t>Works</a:t>
+            </a:r>
+            <a:endParaRPr lang="en-NL" sz="1400" dirty="0">
+              <a:solidFill>
+                <a:schemeClr val="tx1"/>
+              </a:solidFill>
+            </a:endParaRPr>
+          </a:p>
+        </p:txBody>
+      </p:sp>
+      <p:sp>
+        <p:nvSpPr>
+          <p:cNvPr id="26" name="Cylinder 25">
+            <a:extLst>
+              <a:ext uri="{FF2B5EF4-FFF2-40B4-BE49-F238E27FC236}">
+                <a16:creationId xmlns:a16="http://schemas.microsoft.com/office/drawing/2014/main" id="{35662CCC-F1C4-483C-BDCC-191AB9D9EC94}"/>
+              </a:ext>
+            </a:extLst>
+          </p:cNvPr>
+          <p:cNvSpPr/>
+          <p:nvPr/>
+        </p:nvSpPr>
+        <p:spPr>
+          <a:xfrm>
+            <a:off x="2216206" y="740798"/>
+            <a:ext cx="673532" cy="742172"/>
+          </a:xfrm>
+          <a:prstGeom prst="can">
+            <a:avLst/>
+          </a:prstGeom>
+          <a:solidFill>
+            <a:srgbClr val="FFCC99">
+              <a:alpha val="92157"/>
+            </a:srgbClr>
+          </a:solidFill>
+        </p:spPr>
+        <p:style>
+          <a:lnRef idx="2">
+            <a:schemeClr val="accent1">
+              <a:shade val="50000"/>
+            </a:schemeClr>
+          </a:lnRef>
+          <a:fillRef idx="1">
+            <a:schemeClr val="accent1"/>
+          </a:fillRef>
+          <a:effectRef idx="0">
+            <a:schemeClr val="accent1"/>
+          </a:effectRef>
+          <a:fontRef idx="minor">
+            <a:schemeClr val="lt1"/>
+          </a:fontRef>
+        </p:style>
+        <p:txBody>
+          <a:bodyPr rtlCol="0" anchor="ctr"/>
+          <a:lstStyle/>
+          <a:p>
+            <a:pPr algn="ctr"/>
+            <a:r>
+              <a:rPr lang="en-US" sz="1400" dirty="0" err="1">
+                <a:solidFill>
+                  <a:schemeClr val="tx1"/>
+                </a:solidFill>
+              </a:rPr>
+              <a:t>betl</a:t>
+            </a:r>
+            <a:endParaRPr lang="en-NL" sz="1400" dirty="0">
+              <a:solidFill>
+                <a:schemeClr val="tx1"/>
+              </a:solidFill>
+            </a:endParaRPr>
+          </a:p>
+        </p:txBody>
+      </p:sp>
+      <p:sp>
+        <p:nvSpPr>
+          <p:cNvPr id="29" name="Cylinder 28">
+            <a:extLst>
+              <a:ext uri="{FF2B5EF4-FFF2-40B4-BE49-F238E27FC236}">
+                <a16:creationId xmlns:a16="http://schemas.microsoft.com/office/drawing/2014/main" id="{24E88E63-D20F-4B42-B0EA-5B706926522C}"/>
+              </a:ext>
+            </a:extLst>
+          </p:cNvPr>
+          <p:cNvSpPr/>
+          <p:nvPr/>
+        </p:nvSpPr>
+        <p:spPr>
+          <a:xfrm>
+            <a:off x="3447129" y="3085412"/>
+            <a:ext cx="1212794" cy="912157"/>
+          </a:xfrm>
+          <a:prstGeom prst="can">
+            <a:avLst/>
+          </a:prstGeom>
+          <a:solidFill>
+            <a:srgbClr val="DEEBF7"/>
+          </a:solidFill>
+        </p:spPr>
+        <p:style>
+          <a:lnRef idx="2">
+            <a:schemeClr val="accent1">
+              <a:shade val="50000"/>
+            </a:schemeClr>
+          </a:lnRef>
+          <a:fillRef idx="1">
+            <a:schemeClr val="accent1"/>
+          </a:fillRef>
+          <a:effectRef idx="0">
+            <a:schemeClr val="accent1"/>
+          </a:effectRef>
+          <a:fontRef idx="minor">
+            <a:schemeClr val="lt1"/>
+          </a:fontRef>
+        </p:style>
+        <p:txBody>
+          <a:bodyPr rtlCol="0" anchor="ctr"/>
+          <a:lstStyle/>
+          <a:p>
+            <a:pPr algn="ctr"/>
+            <a:r>
+              <a:rPr lang="en-US" sz="1400" dirty="0" err="1">
+                <a:solidFill>
+                  <a:schemeClr val="tx1"/>
+                </a:solidFill>
+              </a:rPr>
+              <a:t>MyDWH</a:t>
+            </a:r>
+            <a:br>
+              <a:rPr lang="en-US" sz="1400" dirty="0">
+                <a:solidFill>
+                  <a:schemeClr val="tx1"/>
+                </a:solidFill>
+              </a:rPr>
+            </a:br>
+            <a:r>
+              <a:rPr lang="en-US" sz="1400" dirty="0">
+                <a:solidFill>
+                  <a:schemeClr val="tx1"/>
+                </a:solidFill>
+              </a:rPr>
+              <a:t>Staging</a:t>
+            </a:r>
+            <a:endParaRPr lang="en-NL" sz="1400" dirty="0">
+              <a:solidFill>
+                <a:schemeClr val="tx1"/>
+              </a:solidFill>
+            </a:endParaRPr>
+          </a:p>
+        </p:txBody>
+      </p:sp>
+      <p:cxnSp>
+        <p:nvCxnSpPr>
+          <p:cNvPr id="3" name="Connector: Curved 2">
+            <a:extLst>
+              <a:ext uri="{FF2B5EF4-FFF2-40B4-BE49-F238E27FC236}">
+                <a16:creationId xmlns:a16="http://schemas.microsoft.com/office/drawing/2014/main" id="{BD3A9817-3A19-4796-9EF2-B548B50AAC2A}"/>
+              </a:ext>
+            </a:extLst>
+          </p:cNvPr>
+          <p:cNvCxnSpPr>
+            <a:cxnSpLocks/>
+            <a:stCxn id="25" idx="1"/>
+            <a:endCxn id="26" idx="2"/>
+          </p:cNvCxnSpPr>
+          <p:nvPr/>
+        </p:nvCxnSpPr>
+        <p:spPr>
+          <a:xfrm rot="5400000" flipH="1" flipV="1">
+            <a:off x="568418" y="1478655"/>
+            <a:ext cx="2014559" cy="1281018"/>
+          </a:xfrm>
+          <a:prstGeom prst="curvedConnector2">
+            <a:avLst/>
+          </a:prstGeom>
+          <a:ln>
+            <a:tailEnd type="triangle"/>
+          </a:ln>
+        </p:spPr>
+        <p:style>
+          <a:lnRef idx="1">
+            <a:schemeClr val="accent1"/>
+          </a:lnRef>
+          <a:fillRef idx="0">
+            <a:schemeClr val="accent1"/>
+          </a:fillRef>
+          <a:effectRef idx="0">
+            <a:schemeClr val="accent1"/>
+          </a:effectRef>
+          <a:fontRef idx="minor">
+            <a:schemeClr val="tx1"/>
+          </a:fontRef>
+        </p:style>
+      </p:cxnSp>
+      <p:sp>
+        <p:nvSpPr>
+          <p:cNvPr id="5" name="TextBox 4">
+            <a:extLst>
+              <a:ext uri="{FF2B5EF4-FFF2-40B4-BE49-F238E27FC236}">
+                <a16:creationId xmlns:a16="http://schemas.microsoft.com/office/drawing/2014/main" id="{847C0D1F-CC07-45C8-BED8-36652F8BAAC3}"/>
+              </a:ext>
+            </a:extLst>
+          </p:cNvPr>
+          <p:cNvSpPr txBox="1"/>
+          <p:nvPr/>
+        </p:nvSpPr>
+        <p:spPr>
+          <a:xfrm>
+            <a:off x="1078523" y="1934307"/>
+            <a:ext cx="903452" cy="307777"/>
+          </a:xfrm>
+          <a:prstGeom prst="rect">
+            <a:avLst/>
+          </a:prstGeom>
+          <a:noFill/>
+        </p:spPr>
+        <p:txBody>
+          <a:bodyPr wrap="none" rtlCol="0">
+            <a:spAutoFit/>
+          </a:bodyPr>
+          <a:lstStyle/>
+          <a:p>
+            <a:r>
+              <a:rPr lang="en-US" sz="1400" dirty="0"/>
+              <a:t>1.observe</a:t>
+            </a:r>
+            <a:endParaRPr lang="en-NL" sz="1400" dirty="0"/>
+          </a:p>
+        </p:txBody>
+      </p:sp>
+      <p:pic>
+        <p:nvPicPr>
+          <p:cNvPr id="7" name="Graphic 6" descr="Magnifying glass">
+            <a:extLst>
+              <a:ext uri="{FF2B5EF4-FFF2-40B4-BE49-F238E27FC236}">
+                <a16:creationId xmlns:a16="http://schemas.microsoft.com/office/drawing/2014/main" id="{08D05357-112C-46C9-88F0-2D7D62546CEC}"/>
+              </a:ext>
+            </a:extLst>
+          </p:cNvPr>
+          <p:cNvPicPr>
+            <a:picLocks noChangeAspect="1"/>
+          </p:cNvPicPr>
+          <p:nvPr/>
+        </p:nvPicPr>
+        <p:blipFill>
+          <a:blip r:embed="rId2">
+            <a:extLst>
+              <a:ext uri="{28A0092B-C50C-407E-A947-70E740481C1C}">
+                <a14:useLocalDpi xmlns:a14="http://schemas.microsoft.com/office/drawing/2010/main" val="0"/>
+              </a:ext>
+              <a:ext uri="{96DAC541-7B7A-43D3-8B79-37D633B846F1}">
+                <asvg:svgBlip xmlns:asvg="http://schemas.microsoft.com/office/drawing/2016/SVG/main" r:embed="rId3"/>
+              </a:ext>
+            </a:extLst>
+          </a:blip>
+          <a:stretch>
+            <a:fillRect/>
+          </a:stretch>
+        </p:blipFill>
+        <p:spPr>
+          <a:xfrm>
+            <a:off x="820615" y="1969477"/>
+            <a:ext cx="339970" cy="339970"/>
+          </a:xfrm>
+          <a:prstGeom prst="rect">
+            <a:avLst/>
+          </a:prstGeom>
+        </p:spPr>
+      </p:pic>
+      <p:cxnSp>
+        <p:nvCxnSpPr>
+          <p:cNvPr id="34" name="Connector: Curved 33">
+            <a:extLst>
+              <a:ext uri="{FF2B5EF4-FFF2-40B4-BE49-F238E27FC236}">
+                <a16:creationId xmlns:a16="http://schemas.microsoft.com/office/drawing/2014/main" id="{7F6B8413-C2F3-4A80-B80D-EA65576B35FB}"/>
+              </a:ext>
+            </a:extLst>
+          </p:cNvPr>
+          <p:cNvCxnSpPr>
+            <a:cxnSpLocks/>
+            <a:stCxn id="26" idx="3"/>
+            <a:endCxn id="26" idx="4"/>
+          </p:cNvCxnSpPr>
+          <p:nvPr/>
+        </p:nvCxnSpPr>
+        <p:spPr>
+          <a:xfrm rot="5400000" flipH="1" flipV="1">
+            <a:off x="2535812" y="1129044"/>
+            <a:ext cx="371086" cy="336766"/>
+          </a:xfrm>
+          <a:prstGeom prst="curvedConnector4">
+            <a:avLst>
+              <a:gd name="adj1" fmla="val -61603"/>
+              <a:gd name="adj2" fmla="val 167881"/>
+            </a:avLst>
+          </a:prstGeom>
+          <a:ln>
+            <a:tailEnd type="triangle"/>
+          </a:ln>
+        </p:spPr>
+        <p:style>
+          <a:lnRef idx="1">
+            <a:schemeClr val="accent1"/>
+          </a:lnRef>
+          <a:fillRef idx="0">
+            <a:schemeClr val="accent1"/>
+          </a:fillRef>
+          <a:effectRef idx="0">
+            <a:schemeClr val="accent1"/>
+          </a:effectRef>
+          <a:fontRef idx="minor">
+            <a:schemeClr val="tx1"/>
+          </a:fontRef>
+        </p:style>
+      </p:cxnSp>
+      <p:sp>
+        <p:nvSpPr>
+          <p:cNvPr id="39" name="TextBox 38">
+            <a:extLst>
+              <a:ext uri="{FF2B5EF4-FFF2-40B4-BE49-F238E27FC236}">
+                <a16:creationId xmlns:a16="http://schemas.microsoft.com/office/drawing/2014/main" id="{30A59D05-ECE4-4B13-B710-8EE5CC99147F}"/>
+              </a:ext>
+            </a:extLst>
+          </p:cNvPr>
+          <p:cNvSpPr txBox="1"/>
+          <p:nvPr/>
+        </p:nvSpPr>
+        <p:spPr>
+          <a:xfrm>
+            <a:off x="3434862" y="926122"/>
+            <a:ext cx="1344279" cy="307777"/>
+          </a:xfrm>
+          <a:prstGeom prst="rect">
+            <a:avLst/>
+          </a:prstGeom>
+          <a:noFill/>
+        </p:spPr>
+        <p:txBody>
+          <a:bodyPr wrap="none" rtlCol="0">
+            <a:spAutoFit/>
+          </a:bodyPr>
+          <a:lstStyle/>
+          <a:p>
+            <a:r>
+              <a:rPr lang="en-US" sz="1400" dirty="0"/>
+              <a:t>2.define staging</a:t>
+            </a:r>
+            <a:endParaRPr lang="en-NL" sz="1400" dirty="0"/>
+          </a:p>
+        </p:txBody>
+      </p:sp>
+      <p:pic>
+        <p:nvPicPr>
+          <p:cNvPr id="20" name="Graphic 19" descr="Document">
+            <a:extLst>
+              <a:ext uri="{FF2B5EF4-FFF2-40B4-BE49-F238E27FC236}">
+                <a16:creationId xmlns:a16="http://schemas.microsoft.com/office/drawing/2014/main" id="{ADFC2AFC-7551-43B2-8714-A93796CD7F83}"/>
+              </a:ext>
+            </a:extLst>
+          </p:cNvPr>
+          <p:cNvPicPr>
+            <a:picLocks noChangeAspect="1"/>
+          </p:cNvPicPr>
+          <p:nvPr/>
+        </p:nvPicPr>
+        <p:blipFill>
+          <a:blip r:embed="rId4">
+            <a:extLst>
+              <a:ext uri="{28A0092B-C50C-407E-A947-70E740481C1C}">
+                <a14:useLocalDpi xmlns:a14="http://schemas.microsoft.com/office/drawing/2010/main" val="0"/>
+              </a:ext>
+              <a:ext uri="{96DAC541-7B7A-43D3-8B79-37D633B846F1}">
+                <asvg:svgBlip xmlns:asvg="http://schemas.microsoft.com/office/drawing/2016/SVG/main" r:embed="rId5"/>
+              </a:ext>
+            </a:extLst>
+          </a:blip>
+          <a:stretch>
+            <a:fillRect/>
+          </a:stretch>
+        </p:blipFill>
+        <p:spPr>
+          <a:xfrm>
+            <a:off x="3089031" y="890956"/>
+            <a:ext cx="416167" cy="416167"/>
+          </a:xfrm>
+          <a:prstGeom prst="rect">
+            <a:avLst/>
+          </a:prstGeom>
+        </p:spPr>
+      </p:pic>
+      <p:cxnSp>
+        <p:nvCxnSpPr>
+          <p:cNvPr id="41" name="Connector: Curved 40">
+            <a:extLst>
+              <a:ext uri="{FF2B5EF4-FFF2-40B4-BE49-F238E27FC236}">
+                <a16:creationId xmlns:a16="http://schemas.microsoft.com/office/drawing/2014/main" id="{887012E2-0C10-4F8F-8D8C-EB3E3A937888}"/>
+              </a:ext>
+            </a:extLst>
+          </p:cNvPr>
+          <p:cNvCxnSpPr>
+            <a:cxnSpLocks/>
+            <a:stCxn id="26" idx="3"/>
+            <a:endCxn id="29" idx="1"/>
+          </p:cNvCxnSpPr>
+          <p:nvPr/>
+        </p:nvCxnSpPr>
+        <p:spPr>
+          <a:xfrm rot="16200000" flipH="1">
+            <a:off x="2502028" y="1533914"/>
+            <a:ext cx="1602442" cy="1500554"/>
+          </a:xfrm>
+          <a:prstGeom prst="curvedConnector3">
+            <a:avLst>
+              <a:gd name="adj1" fmla="val 50000"/>
+            </a:avLst>
+          </a:prstGeom>
+          <a:ln>
+            <a:tailEnd type="triangle"/>
+          </a:ln>
+        </p:spPr>
+        <p:style>
+          <a:lnRef idx="1">
+            <a:schemeClr val="accent1"/>
+          </a:lnRef>
+          <a:fillRef idx="0">
+            <a:schemeClr val="accent1"/>
+          </a:fillRef>
+          <a:effectRef idx="0">
+            <a:schemeClr val="accent1"/>
+          </a:effectRef>
+          <a:fontRef idx="minor">
+            <a:schemeClr val="tx1"/>
+          </a:fontRef>
+        </p:style>
+      </p:cxnSp>
+      <p:sp>
+        <p:nvSpPr>
+          <p:cNvPr id="43" name="TextBox 42">
+            <a:extLst>
+              <a:ext uri="{FF2B5EF4-FFF2-40B4-BE49-F238E27FC236}">
+                <a16:creationId xmlns:a16="http://schemas.microsoft.com/office/drawing/2014/main" id="{6F7EE283-1054-4ACB-9D48-809E19A4A534}"/>
+              </a:ext>
+            </a:extLst>
+          </p:cNvPr>
+          <p:cNvSpPr txBox="1"/>
+          <p:nvPr/>
+        </p:nvSpPr>
+        <p:spPr>
+          <a:xfrm>
+            <a:off x="3516924" y="1828800"/>
+            <a:ext cx="1687706" cy="307777"/>
+          </a:xfrm>
+          <a:prstGeom prst="rect">
+            <a:avLst/>
+          </a:prstGeom>
+          <a:noFill/>
+        </p:spPr>
+        <p:txBody>
+          <a:bodyPr wrap="none" rtlCol="0">
+            <a:spAutoFit/>
+          </a:bodyPr>
+          <a:lstStyle/>
+          <a:p>
+            <a:r>
+              <a:rPr lang="en-US" sz="1400" dirty="0"/>
+              <a:t>3.materialize staging</a:t>
+            </a:r>
+            <a:endParaRPr lang="en-NL" sz="1400" dirty="0"/>
+          </a:p>
+        </p:txBody>
+      </p:sp>
+      <p:sp>
+        <p:nvSpPr>
+          <p:cNvPr id="44" name="TextBox 43">
+            <a:extLst>
+              <a:ext uri="{FF2B5EF4-FFF2-40B4-BE49-F238E27FC236}">
+                <a16:creationId xmlns:a16="http://schemas.microsoft.com/office/drawing/2014/main" id="{A904E9A2-A4A0-42EC-ACCF-70AFC4BF1D60}"/>
+              </a:ext>
+            </a:extLst>
+          </p:cNvPr>
+          <p:cNvSpPr txBox="1"/>
+          <p:nvPr/>
+        </p:nvSpPr>
+        <p:spPr>
+          <a:xfrm>
+            <a:off x="3065585" y="1776046"/>
+            <a:ext cx="551754" cy="461665"/>
+          </a:xfrm>
+          <a:prstGeom prst="rect">
+            <a:avLst/>
+          </a:prstGeom>
+          <a:noFill/>
+        </p:spPr>
+        <p:txBody>
+          <a:bodyPr wrap="none" rtlCol="0">
+            <a:spAutoFit/>
+          </a:bodyPr>
+          <a:lstStyle/>
+          <a:p>
+            <a:r>
+              <a:rPr lang="en-US" sz="1200" b="1" dirty="0"/>
+              <a:t>T-SQL</a:t>
+            </a:r>
+            <a:br>
+              <a:rPr lang="en-US" sz="1200" b="1" dirty="0"/>
+            </a:br>
+            <a:r>
+              <a:rPr lang="en-US" sz="1200" b="1" dirty="0"/>
+              <a:t>DDL</a:t>
+            </a:r>
+            <a:endParaRPr lang="en-NL" sz="1200" b="1" dirty="0"/>
+          </a:p>
+        </p:txBody>
+      </p:sp>
+      <p:cxnSp>
+        <p:nvCxnSpPr>
+          <p:cNvPr id="45" name="Connector: Curved 44">
+            <a:extLst>
+              <a:ext uri="{FF2B5EF4-FFF2-40B4-BE49-F238E27FC236}">
+                <a16:creationId xmlns:a16="http://schemas.microsoft.com/office/drawing/2014/main" id="{208DD054-2088-4F90-A2A9-6D4CE6F963CF}"/>
+              </a:ext>
+            </a:extLst>
+          </p:cNvPr>
+          <p:cNvCxnSpPr>
+            <a:cxnSpLocks/>
+            <a:stCxn id="29" idx="2"/>
+            <a:endCxn id="26" idx="3"/>
+          </p:cNvCxnSpPr>
+          <p:nvPr/>
+        </p:nvCxnSpPr>
+        <p:spPr>
+          <a:xfrm rot="10800000">
+            <a:off x="2552973" y="1482971"/>
+            <a:ext cx="894157" cy="2058521"/>
+          </a:xfrm>
+          <a:prstGeom prst="curvedConnector2">
+            <a:avLst/>
+          </a:prstGeom>
+          <a:ln>
+            <a:tailEnd type="triangle"/>
+          </a:ln>
+        </p:spPr>
+        <p:style>
+          <a:lnRef idx="1">
+            <a:schemeClr val="accent1"/>
+          </a:lnRef>
+          <a:fillRef idx="0">
+            <a:schemeClr val="accent1"/>
+          </a:fillRef>
+          <a:effectRef idx="0">
+            <a:schemeClr val="accent1"/>
+          </a:effectRef>
+          <a:fontRef idx="minor">
+            <a:schemeClr val="tx1"/>
+          </a:fontRef>
+        </p:style>
+      </p:cxnSp>
+      <p:sp>
+        <p:nvSpPr>
+          <p:cNvPr id="52" name="TextBox 51">
+            <a:extLst>
+              <a:ext uri="{FF2B5EF4-FFF2-40B4-BE49-F238E27FC236}">
+                <a16:creationId xmlns:a16="http://schemas.microsoft.com/office/drawing/2014/main" id="{5CAFCC1D-A5EF-404D-B83E-5BA038E91218}"/>
+              </a:ext>
+            </a:extLst>
+          </p:cNvPr>
+          <p:cNvSpPr txBox="1"/>
+          <p:nvPr/>
+        </p:nvSpPr>
+        <p:spPr>
+          <a:xfrm>
+            <a:off x="2526323" y="2479431"/>
+            <a:ext cx="903452" cy="307777"/>
+          </a:xfrm>
+          <a:prstGeom prst="rect">
+            <a:avLst/>
+          </a:prstGeom>
+          <a:noFill/>
+        </p:spPr>
+        <p:txBody>
+          <a:bodyPr wrap="none" rtlCol="0">
+            <a:spAutoFit/>
+          </a:bodyPr>
+          <a:lstStyle/>
+          <a:p>
+            <a:r>
+              <a:rPr lang="en-US" sz="1400" dirty="0"/>
+              <a:t>4.observe</a:t>
+            </a:r>
+            <a:endParaRPr lang="en-NL" sz="1400" dirty="0"/>
+          </a:p>
+        </p:txBody>
+      </p:sp>
+      <p:pic>
+        <p:nvPicPr>
+          <p:cNvPr id="53" name="Graphic 52" descr="Magnifying glass">
+            <a:extLst>
+              <a:ext uri="{FF2B5EF4-FFF2-40B4-BE49-F238E27FC236}">
+                <a16:creationId xmlns:a16="http://schemas.microsoft.com/office/drawing/2014/main" id="{7765AA42-6ECE-4423-A2A3-F5ED171D8A0F}"/>
+              </a:ext>
+            </a:extLst>
+          </p:cNvPr>
+          <p:cNvPicPr>
+            <a:picLocks noChangeAspect="1"/>
+          </p:cNvPicPr>
+          <p:nvPr/>
+        </p:nvPicPr>
+        <p:blipFill>
+          <a:blip r:embed="rId2">
+            <a:extLst>
+              <a:ext uri="{28A0092B-C50C-407E-A947-70E740481C1C}">
+                <a14:useLocalDpi xmlns:a14="http://schemas.microsoft.com/office/drawing/2010/main" val="0"/>
+              </a:ext>
+              <a:ext uri="{96DAC541-7B7A-43D3-8B79-37D633B846F1}">
+                <asvg:svgBlip xmlns:asvg="http://schemas.microsoft.com/office/drawing/2016/SVG/main" r:embed="rId3"/>
+              </a:ext>
+            </a:extLst>
+          </a:blip>
+          <a:stretch>
+            <a:fillRect/>
+          </a:stretch>
+        </p:blipFill>
+        <p:spPr>
+          <a:xfrm>
+            <a:off x="2268415" y="2514601"/>
+            <a:ext cx="339970" cy="339970"/>
+          </a:xfrm>
+          <a:prstGeom prst="rect">
+            <a:avLst/>
+          </a:prstGeom>
+        </p:spPr>
+      </p:pic>
+      <p:pic>
+        <p:nvPicPr>
+          <p:cNvPr id="61" name="Picture 4" descr="Two Thin Arrows Forming A Circle Svg Png Icon Free Download (#72450) -  OnlineWebFonts.COM">
+            <a:extLst>
+              <a:ext uri="{FF2B5EF4-FFF2-40B4-BE49-F238E27FC236}">
+                <a16:creationId xmlns:a16="http://schemas.microsoft.com/office/drawing/2014/main" id="{5DE1CEA8-EBB8-4433-8667-F2BD81AE1581}"/>
+              </a:ext>
+            </a:extLst>
+          </p:cNvPr>
+          <p:cNvPicPr>
+            <a:picLocks noChangeAspect="1" noChangeArrowheads="1"/>
+          </p:cNvPicPr>
+          <p:nvPr/>
+        </p:nvPicPr>
+        <p:blipFill>
+          <a:blip r:embed="rId6">
+            <a:extLst>
+              <a:ext uri="{28A0092B-C50C-407E-A947-70E740481C1C}">
+                <a14:useLocalDpi xmlns:a14="http://schemas.microsoft.com/office/drawing/2010/main" val="0"/>
+              </a:ext>
+            </a:extLst>
+          </a:blip>
+          <a:srcRect/>
+          <a:stretch>
+            <a:fillRect/>
+          </a:stretch>
+        </p:blipFill>
+        <p:spPr bwMode="auto">
+          <a:xfrm>
+            <a:off x="1805339" y="3628293"/>
+            <a:ext cx="370088" cy="305660"/>
+          </a:xfrm>
+          <a:prstGeom prst="rect">
+            <a:avLst/>
+          </a:prstGeom>
+          <a:noFill/>
+          <a:extLst>
+            <a:ext uri="{909E8E84-426E-40DD-AFC4-6F175D3DCCD1}">
+              <a14:hiddenFill xmlns:a14="http://schemas.microsoft.com/office/drawing/2010/main">
+                <a:solidFill>
+                  <a:srgbClr val="FFFFFF"/>
+                </a:solidFill>
+              </a14:hiddenFill>
+            </a:ext>
+          </a:extLst>
+        </p:spPr>
+      </p:pic>
+      <p:sp>
+        <p:nvSpPr>
+          <p:cNvPr id="57" name="TextBox 56">
+            <a:extLst>
+              <a:ext uri="{FF2B5EF4-FFF2-40B4-BE49-F238E27FC236}">
+                <a16:creationId xmlns:a16="http://schemas.microsoft.com/office/drawing/2014/main" id="{49A4B956-B40C-4AE3-A75F-FE3C1F25F330}"/>
+              </a:ext>
+            </a:extLst>
+          </p:cNvPr>
+          <p:cNvSpPr txBox="1"/>
+          <p:nvPr/>
+        </p:nvSpPr>
+        <p:spPr>
+          <a:xfrm>
+            <a:off x="1822938" y="3587262"/>
+            <a:ext cx="351378" cy="369332"/>
+          </a:xfrm>
+          <a:prstGeom prst="rect">
+            <a:avLst/>
+          </a:prstGeom>
+          <a:noFill/>
+        </p:spPr>
+        <p:txBody>
+          <a:bodyPr wrap="none" rtlCol="0">
+            <a:spAutoFit/>
+          </a:bodyPr>
+          <a:lstStyle/>
+          <a:p>
+            <a:r>
+              <a:rPr lang="en-NL" b="0" i="0" dirty="0">
+                <a:solidFill>
+                  <a:srgbClr val="222222"/>
+                </a:solidFill>
+                <a:effectLst/>
+                <a:latin typeface="source_sans_proregular"/>
+              </a:rPr>
+              <a:t>⊳</a:t>
+            </a:r>
+            <a:endParaRPr lang="en-NL" dirty="0"/>
+          </a:p>
+        </p:txBody>
+      </p:sp>
+      <p:sp>
+        <p:nvSpPr>
+          <p:cNvPr id="63" name="TextBox 62">
+            <a:extLst>
+              <a:ext uri="{FF2B5EF4-FFF2-40B4-BE49-F238E27FC236}">
+                <a16:creationId xmlns:a16="http://schemas.microsoft.com/office/drawing/2014/main" id="{A08F62B7-1DB1-49DA-BDD8-30226C38D5AD}"/>
+              </a:ext>
+            </a:extLst>
+          </p:cNvPr>
+          <p:cNvSpPr txBox="1"/>
+          <p:nvPr/>
+        </p:nvSpPr>
+        <p:spPr>
+          <a:xfrm>
+            <a:off x="2168769" y="3622431"/>
+            <a:ext cx="1072409" cy="307777"/>
+          </a:xfrm>
+          <a:prstGeom prst="rect">
+            <a:avLst/>
+          </a:prstGeom>
+          <a:noFill/>
+        </p:spPr>
+        <p:txBody>
+          <a:bodyPr wrap="none" rtlCol="0">
+            <a:spAutoFit/>
+          </a:bodyPr>
+          <a:lstStyle/>
+          <a:p>
+            <a:r>
+              <a:rPr lang="en-US" sz="1400" dirty="0"/>
+              <a:t>5.staging </a:t>
+            </a:r>
+            <a:r>
+              <a:rPr lang="en-US" sz="1400" dirty="0" err="1"/>
+              <a:t>etl</a:t>
+            </a:r>
+            <a:endParaRPr lang="en-NL" sz="1400" dirty="0"/>
+          </a:p>
+        </p:txBody>
+      </p:sp>
+      <p:cxnSp>
+        <p:nvCxnSpPr>
+          <p:cNvPr id="59" name="Straight Arrow Connector 58">
+            <a:extLst>
+              <a:ext uri="{FF2B5EF4-FFF2-40B4-BE49-F238E27FC236}">
+                <a16:creationId xmlns:a16="http://schemas.microsoft.com/office/drawing/2014/main" id="{DD87254E-90B7-4F0D-A1C6-0C623EC7FBF6}"/>
+              </a:ext>
+            </a:extLst>
+          </p:cNvPr>
+          <p:cNvCxnSpPr>
+            <a:cxnSpLocks/>
+            <a:stCxn id="25" idx="4"/>
+            <a:endCxn id="29" idx="2"/>
+          </p:cNvCxnSpPr>
+          <p:nvPr/>
+        </p:nvCxnSpPr>
+        <p:spPr>
+          <a:xfrm flipV="1">
+            <a:off x="1541585" y="3541491"/>
+            <a:ext cx="1905544" cy="41031"/>
+          </a:xfrm>
+          <a:prstGeom prst="straightConnector1">
+            <a:avLst/>
+          </a:prstGeom>
+          <a:ln>
+            <a:tailEnd type="triangle"/>
+          </a:ln>
+        </p:spPr>
+        <p:style>
+          <a:lnRef idx="1">
+            <a:schemeClr val="accent1"/>
+          </a:lnRef>
+          <a:fillRef idx="0">
+            <a:schemeClr val="accent1"/>
+          </a:fillRef>
+          <a:effectRef idx="0">
+            <a:schemeClr val="accent1"/>
+          </a:effectRef>
+          <a:fontRef idx="minor">
+            <a:schemeClr val="tx1"/>
+          </a:fontRef>
+        </p:style>
+      </p:cxnSp>
+      <p:sp>
+        <p:nvSpPr>
+          <p:cNvPr id="67" name="Cylinder 66">
+            <a:extLst>
+              <a:ext uri="{FF2B5EF4-FFF2-40B4-BE49-F238E27FC236}">
+                <a16:creationId xmlns:a16="http://schemas.microsoft.com/office/drawing/2014/main" id="{F560868F-4312-4346-9F38-CE1C6B77DB7F}"/>
+              </a:ext>
+            </a:extLst>
+          </p:cNvPr>
+          <p:cNvSpPr/>
+          <p:nvPr/>
+        </p:nvSpPr>
+        <p:spPr>
+          <a:xfrm>
+            <a:off x="8142220" y="3155750"/>
+            <a:ext cx="1212794" cy="912157"/>
+          </a:xfrm>
+          <a:prstGeom prst="can">
+            <a:avLst/>
+          </a:prstGeom>
+          <a:solidFill>
+            <a:srgbClr val="DEEBF7"/>
+          </a:solidFill>
+        </p:spPr>
+        <p:style>
+          <a:lnRef idx="2">
+            <a:schemeClr val="accent1">
+              <a:shade val="50000"/>
+            </a:schemeClr>
+          </a:lnRef>
+          <a:fillRef idx="1">
+            <a:schemeClr val="accent1"/>
+          </a:fillRef>
+          <a:effectRef idx="0">
+            <a:schemeClr val="accent1"/>
+          </a:effectRef>
+          <a:fontRef idx="minor">
+            <a:schemeClr val="lt1"/>
+          </a:fontRef>
+        </p:style>
+        <p:txBody>
+          <a:bodyPr rtlCol="0" anchor="ctr"/>
+          <a:lstStyle/>
+          <a:p>
+            <a:pPr algn="ctr"/>
+            <a:r>
+              <a:rPr lang="en-US" sz="1400" dirty="0" err="1">
+                <a:solidFill>
+                  <a:schemeClr val="tx1"/>
+                </a:solidFill>
+              </a:rPr>
+              <a:t>MyDWH</a:t>
+            </a:r>
+            <a:br>
+              <a:rPr lang="en-US" sz="1400" dirty="0">
+                <a:solidFill>
+                  <a:schemeClr val="tx1"/>
+                </a:solidFill>
+              </a:rPr>
+            </a:br>
+            <a:r>
+              <a:rPr lang="en-US" sz="1400" dirty="0">
+                <a:solidFill>
+                  <a:schemeClr val="tx1"/>
+                </a:solidFill>
+              </a:rPr>
+              <a:t>Staging</a:t>
+            </a:r>
+            <a:endParaRPr lang="en-NL" sz="1400" dirty="0">
+              <a:solidFill>
+                <a:schemeClr val="tx1"/>
+              </a:solidFill>
+            </a:endParaRPr>
+          </a:p>
+        </p:txBody>
+      </p:sp>
+      <p:pic>
+        <p:nvPicPr>
+          <p:cNvPr id="68" name="Picture 4" descr="Two Thin Arrows Forming A Circle Svg Png Icon Free Download (#72450) -  OnlineWebFonts.COM">
+            <a:extLst>
+              <a:ext uri="{FF2B5EF4-FFF2-40B4-BE49-F238E27FC236}">
+                <a16:creationId xmlns:a16="http://schemas.microsoft.com/office/drawing/2014/main" id="{C34E5FF3-0E57-4F24-AABB-4CD143873CDC}"/>
+              </a:ext>
+            </a:extLst>
+          </p:cNvPr>
+          <p:cNvPicPr>
+            <a:picLocks noChangeAspect="1" noChangeArrowheads="1"/>
+          </p:cNvPicPr>
+          <p:nvPr/>
+        </p:nvPicPr>
+        <p:blipFill>
+          <a:blip r:embed="rId6">
+            <a:extLst>
+              <a:ext uri="{28A0092B-C50C-407E-A947-70E740481C1C}">
+                <a14:useLocalDpi xmlns:a14="http://schemas.microsoft.com/office/drawing/2010/main" val="0"/>
+              </a:ext>
+            </a:extLst>
+          </a:blip>
+          <a:srcRect/>
+          <a:stretch>
+            <a:fillRect/>
+          </a:stretch>
+        </p:blipFill>
+        <p:spPr bwMode="auto">
+          <a:xfrm>
+            <a:off x="5808769" y="3581401"/>
+            <a:ext cx="370088" cy="305660"/>
+          </a:xfrm>
+          <a:prstGeom prst="rect">
+            <a:avLst/>
+          </a:prstGeom>
+          <a:noFill/>
+          <a:extLst>
+            <a:ext uri="{909E8E84-426E-40DD-AFC4-6F175D3DCCD1}">
+              <a14:hiddenFill xmlns:a14="http://schemas.microsoft.com/office/drawing/2010/main">
+                <a:solidFill>
+                  <a:srgbClr val="FFFFFF"/>
+                </a:solidFill>
+              </a14:hiddenFill>
+            </a:ext>
+          </a:extLst>
+        </p:spPr>
+      </p:pic>
+      <p:sp>
+        <p:nvSpPr>
+          <p:cNvPr id="69" name="TextBox 68">
+            <a:extLst>
+              <a:ext uri="{FF2B5EF4-FFF2-40B4-BE49-F238E27FC236}">
+                <a16:creationId xmlns:a16="http://schemas.microsoft.com/office/drawing/2014/main" id="{CDEEBF66-6955-4842-9638-48E10227012B}"/>
+              </a:ext>
+            </a:extLst>
+          </p:cNvPr>
+          <p:cNvSpPr txBox="1"/>
+          <p:nvPr/>
+        </p:nvSpPr>
+        <p:spPr>
+          <a:xfrm>
+            <a:off x="5826368" y="3540370"/>
+            <a:ext cx="351378" cy="369332"/>
+          </a:xfrm>
+          <a:prstGeom prst="rect">
+            <a:avLst/>
+          </a:prstGeom>
+          <a:noFill/>
+        </p:spPr>
+        <p:txBody>
+          <a:bodyPr wrap="none" rtlCol="0">
+            <a:spAutoFit/>
+          </a:bodyPr>
+          <a:lstStyle/>
+          <a:p>
+            <a:r>
+              <a:rPr lang="en-NL" b="0" i="0" dirty="0">
+                <a:solidFill>
+                  <a:srgbClr val="222222"/>
+                </a:solidFill>
+                <a:effectLst/>
+                <a:latin typeface="source_sans_proregular"/>
+              </a:rPr>
+              <a:t>⊳</a:t>
+            </a:r>
+            <a:endParaRPr lang="en-NL" dirty="0"/>
+          </a:p>
+        </p:txBody>
+      </p:sp>
+      <p:sp>
+        <p:nvSpPr>
+          <p:cNvPr id="70" name="TextBox 69">
+            <a:extLst>
+              <a:ext uri="{FF2B5EF4-FFF2-40B4-BE49-F238E27FC236}">
+                <a16:creationId xmlns:a16="http://schemas.microsoft.com/office/drawing/2014/main" id="{C4DA1643-590B-4A2C-8ECA-D6CBEED66481}"/>
+              </a:ext>
+            </a:extLst>
+          </p:cNvPr>
+          <p:cNvSpPr txBox="1"/>
+          <p:nvPr/>
+        </p:nvSpPr>
+        <p:spPr>
+          <a:xfrm>
+            <a:off x="6172199" y="3575539"/>
+            <a:ext cx="926664" cy="307777"/>
+          </a:xfrm>
+          <a:prstGeom prst="rect">
+            <a:avLst/>
+          </a:prstGeom>
+          <a:noFill/>
+        </p:spPr>
+        <p:txBody>
+          <a:bodyPr wrap="none" rtlCol="0">
+            <a:spAutoFit/>
+          </a:bodyPr>
+          <a:lstStyle/>
+          <a:p>
+            <a:r>
+              <a:rPr lang="en-US" sz="1400" dirty="0"/>
+              <a:t>10.rdw </a:t>
+            </a:r>
+            <a:r>
+              <a:rPr lang="en-US" sz="1400" dirty="0" err="1"/>
+              <a:t>etl</a:t>
+            </a:r>
+            <a:endParaRPr lang="en-NL" sz="1400" dirty="0"/>
+          </a:p>
+        </p:txBody>
+      </p:sp>
+      <p:cxnSp>
+        <p:nvCxnSpPr>
+          <p:cNvPr id="71" name="Straight Arrow Connector 70">
+            <a:extLst>
+              <a:ext uri="{FF2B5EF4-FFF2-40B4-BE49-F238E27FC236}">
+                <a16:creationId xmlns:a16="http://schemas.microsoft.com/office/drawing/2014/main" id="{06B8EFCC-164F-4948-AF9A-DB07A9A5ABB0}"/>
+              </a:ext>
+            </a:extLst>
+          </p:cNvPr>
+          <p:cNvCxnSpPr>
+            <a:cxnSpLocks/>
+          </p:cNvCxnSpPr>
+          <p:nvPr/>
+        </p:nvCxnSpPr>
+        <p:spPr>
+          <a:xfrm flipV="1">
+            <a:off x="4648200" y="3475892"/>
+            <a:ext cx="3493477" cy="42154"/>
+          </a:xfrm>
+          <a:prstGeom prst="straightConnector1">
+            <a:avLst/>
+          </a:prstGeom>
+          <a:ln>
+            <a:tailEnd type="triangle"/>
+          </a:ln>
+        </p:spPr>
+        <p:style>
+          <a:lnRef idx="1">
+            <a:schemeClr val="accent1"/>
+          </a:lnRef>
+          <a:fillRef idx="0">
+            <a:schemeClr val="accent1"/>
+          </a:fillRef>
+          <a:effectRef idx="0">
+            <a:schemeClr val="accent1"/>
+          </a:effectRef>
+          <a:fontRef idx="minor">
+            <a:schemeClr val="tx1"/>
+          </a:fontRef>
+        </p:style>
+      </p:cxnSp>
+      <p:sp>
+        <p:nvSpPr>
+          <p:cNvPr id="72" name="Cylinder 71">
+            <a:extLst>
+              <a:ext uri="{FF2B5EF4-FFF2-40B4-BE49-F238E27FC236}">
+                <a16:creationId xmlns:a16="http://schemas.microsoft.com/office/drawing/2014/main" id="{7661586B-A282-4323-BB20-9B10EEFDF0DF}"/>
+              </a:ext>
+            </a:extLst>
+          </p:cNvPr>
+          <p:cNvSpPr/>
+          <p:nvPr/>
+        </p:nvSpPr>
+        <p:spPr>
+          <a:xfrm>
+            <a:off x="6958190" y="805275"/>
+            <a:ext cx="673532" cy="742172"/>
+          </a:xfrm>
+          <a:prstGeom prst="can">
+            <a:avLst/>
+          </a:prstGeom>
+          <a:solidFill>
+            <a:srgbClr val="FFCC99">
+              <a:alpha val="92157"/>
+            </a:srgbClr>
+          </a:solidFill>
+        </p:spPr>
+        <p:style>
+          <a:lnRef idx="2">
+            <a:schemeClr val="accent1">
+              <a:shade val="50000"/>
+            </a:schemeClr>
+          </a:lnRef>
+          <a:fillRef idx="1">
+            <a:schemeClr val="accent1"/>
+          </a:fillRef>
+          <a:effectRef idx="0">
+            <a:schemeClr val="accent1"/>
+          </a:effectRef>
+          <a:fontRef idx="minor">
+            <a:schemeClr val="lt1"/>
+          </a:fontRef>
+        </p:style>
+        <p:txBody>
+          <a:bodyPr rtlCol="0" anchor="ctr"/>
+          <a:lstStyle/>
+          <a:p>
+            <a:pPr algn="ctr"/>
+            <a:r>
+              <a:rPr lang="en-US" sz="1400" dirty="0" err="1">
+                <a:solidFill>
+                  <a:schemeClr val="tx1"/>
+                </a:solidFill>
+              </a:rPr>
+              <a:t>betl</a:t>
+            </a:r>
+            <a:endParaRPr lang="en-NL" sz="1400" dirty="0">
+              <a:solidFill>
+                <a:schemeClr val="tx1"/>
+              </a:solidFill>
+            </a:endParaRPr>
+          </a:p>
+        </p:txBody>
+      </p:sp>
+      <p:cxnSp>
+        <p:nvCxnSpPr>
+          <p:cNvPr id="73" name="Connector: Curved 72">
+            <a:extLst>
+              <a:ext uri="{FF2B5EF4-FFF2-40B4-BE49-F238E27FC236}">
+                <a16:creationId xmlns:a16="http://schemas.microsoft.com/office/drawing/2014/main" id="{F7815BAC-BEDD-4776-BD1B-6594D2B237B5}"/>
+              </a:ext>
+            </a:extLst>
+          </p:cNvPr>
+          <p:cNvCxnSpPr>
+            <a:cxnSpLocks/>
+            <a:endCxn id="72" idx="2"/>
+          </p:cNvCxnSpPr>
+          <p:nvPr/>
+        </p:nvCxnSpPr>
+        <p:spPr>
+          <a:xfrm flipV="1">
+            <a:off x="4153175" y="1176361"/>
+            <a:ext cx="2805015" cy="1897330"/>
+          </a:xfrm>
+          <a:prstGeom prst="curvedConnector3">
+            <a:avLst>
+              <a:gd name="adj1" fmla="val 50000"/>
+            </a:avLst>
+          </a:prstGeom>
+          <a:ln>
+            <a:tailEnd type="triangle"/>
+          </a:ln>
+        </p:spPr>
+        <p:style>
+          <a:lnRef idx="1">
+            <a:schemeClr val="accent1"/>
+          </a:lnRef>
+          <a:fillRef idx="0">
+            <a:schemeClr val="accent1"/>
+          </a:fillRef>
+          <a:effectRef idx="0">
+            <a:schemeClr val="accent1"/>
+          </a:effectRef>
+          <a:fontRef idx="minor">
+            <a:schemeClr val="tx1"/>
+          </a:fontRef>
+        </p:style>
+      </p:cxnSp>
+      <p:sp>
+        <p:nvSpPr>
+          <p:cNvPr id="75" name="TextBox 74">
+            <a:extLst>
+              <a:ext uri="{FF2B5EF4-FFF2-40B4-BE49-F238E27FC236}">
+                <a16:creationId xmlns:a16="http://schemas.microsoft.com/office/drawing/2014/main" id="{416AD6CA-CBD0-4134-8DCD-A4CCCC9A63EC}"/>
+              </a:ext>
+            </a:extLst>
+          </p:cNvPr>
+          <p:cNvSpPr txBox="1"/>
+          <p:nvPr/>
+        </p:nvSpPr>
+        <p:spPr>
+          <a:xfrm>
+            <a:off x="5521569" y="1834661"/>
+            <a:ext cx="903452" cy="307777"/>
+          </a:xfrm>
+          <a:prstGeom prst="rect">
+            <a:avLst/>
+          </a:prstGeom>
+          <a:noFill/>
+        </p:spPr>
+        <p:txBody>
+          <a:bodyPr wrap="none" rtlCol="0">
+            <a:spAutoFit/>
+          </a:bodyPr>
+          <a:lstStyle/>
+          <a:p>
+            <a:r>
+              <a:rPr lang="en-US" sz="1400" dirty="0"/>
+              <a:t>6.observe</a:t>
+            </a:r>
+            <a:endParaRPr lang="en-NL" sz="1400" dirty="0"/>
+          </a:p>
+        </p:txBody>
+      </p:sp>
+      <p:pic>
+        <p:nvPicPr>
+          <p:cNvPr id="76" name="Graphic 75" descr="Magnifying glass">
+            <a:extLst>
+              <a:ext uri="{FF2B5EF4-FFF2-40B4-BE49-F238E27FC236}">
+                <a16:creationId xmlns:a16="http://schemas.microsoft.com/office/drawing/2014/main" id="{FA173761-E290-4FD6-806E-28E1D1909EDE}"/>
+              </a:ext>
+            </a:extLst>
+          </p:cNvPr>
+          <p:cNvPicPr>
+            <a:picLocks noChangeAspect="1"/>
+          </p:cNvPicPr>
+          <p:nvPr/>
+        </p:nvPicPr>
+        <p:blipFill>
+          <a:blip r:embed="rId2">
+            <a:extLst>
+              <a:ext uri="{28A0092B-C50C-407E-A947-70E740481C1C}">
+                <a14:useLocalDpi xmlns:a14="http://schemas.microsoft.com/office/drawing/2010/main" val="0"/>
+              </a:ext>
+              <a:ext uri="{96DAC541-7B7A-43D3-8B79-37D633B846F1}">
+                <asvg:svgBlip xmlns:asvg="http://schemas.microsoft.com/office/drawing/2016/SVG/main" r:embed="rId3"/>
+              </a:ext>
+            </a:extLst>
+          </a:blip>
+          <a:stretch>
+            <a:fillRect/>
+          </a:stretch>
+        </p:blipFill>
+        <p:spPr>
+          <a:xfrm>
+            <a:off x="5263661" y="1869831"/>
+            <a:ext cx="339970" cy="339970"/>
+          </a:xfrm>
+          <a:prstGeom prst="rect">
+            <a:avLst/>
+          </a:prstGeom>
+        </p:spPr>
+      </p:pic>
+      <p:cxnSp>
+        <p:nvCxnSpPr>
+          <p:cNvPr id="77" name="Connector: Curved 76">
+            <a:extLst>
+              <a:ext uri="{FF2B5EF4-FFF2-40B4-BE49-F238E27FC236}">
+                <a16:creationId xmlns:a16="http://schemas.microsoft.com/office/drawing/2014/main" id="{18EB501D-8A40-4C51-A50F-4FD1F0FF18B8}"/>
+              </a:ext>
+            </a:extLst>
+          </p:cNvPr>
+          <p:cNvCxnSpPr>
+            <a:cxnSpLocks/>
+          </p:cNvCxnSpPr>
+          <p:nvPr/>
+        </p:nvCxnSpPr>
+        <p:spPr>
+          <a:xfrm rot="5400000" flipH="1" flipV="1">
+            <a:off x="7260212" y="1234551"/>
+            <a:ext cx="371086" cy="336766"/>
+          </a:xfrm>
+          <a:prstGeom prst="curvedConnector4">
+            <a:avLst>
+              <a:gd name="adj1" fmla="val -61603"/>
+              <a:gd name="adj2" fmla="val 167881"/>
+            </a:avLst>
+          </a:prstGeom>
+          <a:ln>
+            <a:tailEnd type="triangle"/>
+          </a:ln>
+        </p:spPr>
+        <p:style>
+          <a:lnRef idx="1">
+            <a:schemeClr val="accent1"/>
+          </a:lnRef>
+          <a:fillRef idx="0">
+            <a:schemeClr val="accent1"/>
+          </a:fillRef>
+          <a:effectRef idx="0">
+            <a:schemeClr val="accent1"/>
+          </a:effectRef>
+          <a:fontRef idx="minor">
+            <a:schemeClr val="tx1"/>
+          </a:fontRef>
+        </p:style>
+      </p:cxnSp>
+      <p:sp>
+        <p:nvSpPr>
+          <p:cNvPr id="78" name="TextBox 77">
+            <a:extLst>
+              <a:ext uri="{FF2B5EF4-FFF2-40B4-BE49-F238E27FC236}">
+                <a16:creationId xmlns:a16="http://schemas.microsoft.com/office/drawing/2014/main" id="{354278EB-1E34-4624-B769-906FEA59786F}"/>
+              </a:ext>
+            </a:extLst>
+          </p:cNvPr>
+          <p:cNvSpPr txBox="1"/>
+          <p:nvPr/>
+        </p:nvSpPr>
+        <p:spPr>
+          <a:xfrm>
+            <a:off x="8159262" y="1031629"/>
+            <a:ext cx="1107163" cy="307777"/>
+          </a:xfrm>
+          <a:prstGeom prst="rect">
+            <a:avLst/>
+          </a:prstGeom>
+          <a:noFill/>
+        </p:spPr>
+        <p:txBody>
+          <a:bodyPr wrap="none" rtlCol="0">
+            <a:spAutoFit/>
+          </a:bodyPr>
+          <a:lstStyle/>
+          <a:p>
+            <a:r>
+              <a:rPr lang="en-US" sz="1400" dirty="0"/>
+              <a:t>7.define </a:t>
+            </a:r>
+            <a:r>
+              <a:rPr lang="en-US" sz="1400" dirty="0" err="1"/>
+              <a:t>rdw</a:t>
+            </a:r>
+            <a:endParaRPr lang="en-NL" sz="1400" dirty="0"/>
+          </a:p>
+        </p:txBody>
+      </p:sp>
+      <p:pic>
+        <p:nvPicPr>
+          <p:cNvPr id="79" name="Graphic 78" descr="Document">
+            <a:extLst>
+              <a:ext uri="{FF2B5EF4-FFF2-40B4-BE49-F238E27FC236}">
+                <a16:creationId xmlns:a16="http://schemas.microsoft.com/office/drawing/2014/main" id="{46FD0A4F-D818-4CBB-ABFD-8910BF54F5E0}"/>
+              </a:ext>
+            </a:extLst>
+          </p:cNvPr>
+          <p:cNvPicPr>
+            <a:picLocks noChangeAspect="1"/>
+          </p:cNvPicPr>
+          <p:nvPr/>
+        </p:nvPicPr>
+        <p:blipFill>
+          <a:blip r:embed="rId4">
+            <a:extLst>
+              <a:ext uri="{28A0092B-C50C-407E-A947-70E740481C1C}">
+                <a14:useLocalDpi xmlns:a14="http://schemas.microsoft.com/office/drawing/2010/main" val="0"/>
+              </a:ext>
+              <a:ext uri="{96DAC541-7B7A-43D3-8B79-37D633B846F1}">
+                <asvg:svgBlip xmlns:asvg="http://schemas.microsoft.com/office/drawing/2016/SVG/main" r:embed="rId5"/>
+              </a:ext>
+            </a:extLst>
+          </a:blip>
+          <a:stretch>
+            <a:fillRect/>
+          </a:stretch>
+        </p:blipFill>
+        <p:spPr>
+          <a:xfrm>
+            <a:off x="7813431" y="996463"/>
+            <a:ext cx="416167" cy="416167"/>
+          </a:xfrm>
+          <a:prstGeom prst="rect">
+            <a:avLst/>
+          </a:prstGeom>
+        </p:spPr>
+      </p:pic>
+      <p:cxnSp>
+        <p:nvCxnSpPr>
+          <p:cNvPr id="80" name="Connector: Curved 79">
+            <a:extLst>
+              <a:ext uri="{FF2B5EF4-FFF2-40B4-BE49-F238E27FC236}">
+                <a16:creationId xmlns:a16="http://schemas.microsoft.com/office/drawing/2014/main" id="{FADACA9E-9FDB-4342-AADF-294A9F44672D}"/>
+              </a:ext>
+            </a:extLst>
+          </p:cNvPr>
+          <p:cNvCxnSpPr>
+            <a:cxnSpLocks/>
+          </p:cNvCxnSpPr>
+          <p:nvPr/>
+        </p:nvCxnSpPr>
+        <p:spPr>
+          <a:xfrm rot="16200000" flipH="1">
+            <a:off x="7167813" y="1598391"/>
+            <a:ext cx="1602442" cy="1500554"/>
+          </a:xfrm>
+          <a:prstGeom prst="curvedConnector3">
+            <a:avLst>
+              <a:gd name="adj1" fmla="val 50000"/>
+            </a:avLst>
+          </a:prstGeom>
+          <a:ln>
+            <a:tailEnd type="triangle"/>
+          </a:ln>
+        </p:spPr>
+        <p:style>
+          <a:lnRef idx="1">
+            <a:schemeClr val="accent1"/>
+          </a:lnRef>
+          <a:fillRef idx="0">
+            <a:schemeClr val="accent1"/>
+          </a:fillRef>
+          <a:effectRef idx="0">
+            <a:schemeClr val="accent1"/>
+          </a:effectRef>
+          <a:fontRef idx="minor">
+            <a:schemeClr val="tx1"/>
+          </a:fontRef>
+        </p:style>
+      </p:cxnSp>
+      <p:sp>
+        <p:nvSpPr>
+          <p:cNvPr id="81" name="TextBox 80">
+            <a:extLst>
+              <a:ext uri="{FF2B5EF4-FFF2-40B4-BE49-F238E27FC236}">
+                <a16:creationId xmlns:a16="http://schemas.microsoft.com/office/drawing/2014/main" id="{D71D1BF4-5F76-4BAC-9D54-BE6A40FC6959}"/>
+              </a:ext>
+            </a:extLst>
+          </p:cNvPr>
+          <p:cNvSpPr txBox="1"/>
+          <p:nvPr/>
+        </p:nvSpPr>
+        <p:spPr>
+          <a:xfrm>
+            <a:off x="8182709" y="1893277"/>
+            <a:ext cx="1687706" cy="307777"/>
+          </a:xfrm>
+          <a:prstGeom prst="rect">
+            <a:avLst/>
+          </a:prstGeom>
+          <a:noFill/>
+        </p:spPr>
+        <p:txBody>
+          <a:bodyPr wrap="none" rtlCol="0">
+            <a:spAutoFit/>
+          </a:bodyPr>
+          <a:lstStyle/>
+          <a:p>
+            <a:r>
+              <a:rPr lang="en-US" sz="1400" dirty="0"/>
+              <a:t>8.materialize staging</a:t>
+            </a:r>
+            <a:endParaRPr lang="en-NL" sz="1400" dirty="0"/>
+          </a:p>
+        </p:txBody>
+      </p:sp>
+      <p:sp>
+        <p:nvSpPr>
+          <p:cNvPr id="82" name="TextBox 81">
+            <a:extLst>
+              <a:ext uri="{FF2B5EF4-FFF2-40B4-BE49-F238E27FC236}">
+                <a16:creationId xmlns:a16="http://schemas.microsoft.com/office/drawing/2014/main" id="{A9F8A9B3-93BE-4660-8FCE-7B9819285A6B}"/>
+              </a:ext>
+            </a:extLst>
+          </p:cNvPr>
+          <p:cNvSpPr txBox="1"/>
+          <p:nvPr/>
+        </p:nvSpPr>
+        <p:spPr>
+          <a:xfrm>
+            <a:off x="7731370" y="1840523"/>
+            <a:ext cx="551754" cy="461665"/>
+          </a:xfrm>
+          <a:prstGeom prst="rect">
+            <a:avLst/>
+          </a:prstGeom>
+          <a:noFill/>
+        </p:spPr>
+        <p:txBody>
+          <a:bodyPr wrap="none" rtlCol="0">
+            <a:spAutoFit/>
+          </a:bodyPr>
+          <a:lstStyle/>
+          <a:p>
+            <a:r>
+              <a:rPr lang="en-US" sz="1200" b="1" dirty="0"/>
+              <a:t>T-SQL</a:t>
+            </a:r>
+            <a:br>
+              <a:rPr lang="en-US" sz="1200" b="1" dirty="0"/>
+            </a:br>
+            <a:r>
+              <a:rPr lang="en-US" sz="1200" b="1" dirty="0"/>
+              <a:t>DDL</a:t>
+            </a:r>
+            <a:endParaRPr lang="en-NL" sz="1200" b="1" dirty="0"/>
+          </a:p>
+        </p:txBody>
+      </p:sp>
+      <p:cxnSp>
+        <p:nvCxnSpPr>
+          <p:cNvPr id="84" name="Connector: Curved 83">
+            <a:extLst>
+              <a:ext uri="{FF2B5EF4-FFF2-40B4-BE49-F238E27FC236}">
+                <a16:creationId xmlns:a16="http://schemas.microsoft.com/office/drawing/2014/main" id="{22B61531-11EA-4ED6-A8B2-85E0D2772FC6}"/>
+              </a:ext>
+            </a:extLst>
+          </p:cNvPr>
+          <p:cNvCxnSpPr>
+            <a:cxnSpLocks/>
+          </p:cNvCxnSpPr>
+          <p:nvPr/>
+        </p:nvCxnSpPr>
+        <p:spPr>
+          <a:xfrm rot="10800000">
+            <a:off x="7253927" y="1553310"/>
+            <a:ext cx="894157" cy="2058521"/>
+          </a:xfrm>
+          <a:prstGeom prst="curvedConnector2">
+            <a:avLst/>
+          </a:prstGeom>
+          <a:ln>
+            <a:tailEnd type="triangle"/>
+          </a:ln>
+        </p:spPr>
+        <p:style>
+          <a:lnRef idx="1">
+            <a:schemeClr val="accent1"/>
+          </a:lnRef>
+          <a:fillRef idx="0">
+            <a:schemeClr val="accent1"/>
+          </a:fillRef>
+          <a:effectRef idx="0">
+            <a:schemeClr val="accent1"/>
+          </a:effectRef>
+          <a:fontRef idx="minor">
+            <a:schemeClr val="tx1"/>
+          </a:fontRef>
+        </p:style>
+      </p:cxnSp>
+      <p:sp>
+        <p:nvSpPr>
+          <p:cNvPr id="85" name="TextBox 84">
+            <a:extLst>
+              <a:ext uri="{FF2B5EF4-FFF2-40B4-BE49-F238E27FC236}">
+                <a16:creationId xmlns:a16="http://schemas.microsoft.com/office/drawing/2014/main" id="{B9FF86C6-5219-4F5C-A730-A2C7CAB91804}"/>
+              </a:ext>
+            </a:extLst>
+          </p:cNvPr>
+          <p:cNvSpPr txBox="1"/>
+          <p:nvPr/>
+        </p:nvSpPr>
+        <p:spPr>
+          <a:xfrm>
+            <a:off x="7227277" y="2549770"/>
+            <a:ext cx="903452" cy="307777"/>
+          </a:xfrm>
+          <a:prstGeom prst="rect">
+            <a:avLst/>
+          </a:prstGeom>
+          <a:noFill/>
+        </p:spPr>
+        <p:txBody>
+          <a:bodyPr wrap="none" rtlCol="0">
+            <a:spAutoFit/>
+          </a:bodyPr>
+          <a:lstStyle/>
+          <a:p>
+            <a:r>
+              <a:rPr lang="en-US" sz="1400" dirty="0"/>
+              <a:t>9.observe</a:t>
+            </a:r>
+            <a:endParaRPr lang="en-NL" sz="1400" dirty="0"/>
+          </a:p>
+        </p:txBody>
+      </p:sp>
+      <p:pic>
+        <p:nvPicPr>
+          <p:cNvPr id="86" name="Graphic 85" descr="Magnifying glass">
+            <a:extLst>
+              <a:ext uri="{FF2B5EF4-FFF2-40B4-BE49-F238E27FC236}">
+                <a16:creationId xmlns:a16="http://schemas.microsoft.com/office/drawing/2014/main" id="{FD3B9122-7F95-4B9F-9D4A-74F71EDE4239}"/>
+              </a:ext>
+            </a:extLst>
+          </p:cNvPr>
+          <p:cNvPicPr>
+            <a:picLocks noChangeAspect="1"/>
+          </p:cNvPicPr>
+          <p:nvPr/>
+        </p:nvPicPr>
+        <p:blipFill>
+          <a:blip r:embed="rId2">
+            <a:extLst>
+              <a:ext uri="{28A0092B-C50C-407E-A947-70E740481C1C}">
+                <a14:useLocalDpi xmlns:a14="http://schemas.microsoft.com/office/drawing/2010/main" val="0"/>
+              </a:ext>
+              <a:ext uri="{96DAC541-7B7A-43D3-8B79-37D633B846F1}">
+                <asvg:svgBlip xmlns:asvg="http://schemas.microsoft.com/office/drawing/2016/SVG/main" r:embed="rId3"/>
+              </a:ext>
+            </a:extLst>
+          </a:blip>
+          <a:stretch>
+            <a:fillRect/>
+          </a:stretch>
+        </p:blipFill>
+        <p:spPr>
+          <a:xfrm>
+            <a:off x="6969369" y="2584940"/>
+            <a:ext cx="339970" cy="339970"/>
+          </a:xfrm>
+          <a:prstGeom prst="rect">
+            <a:avLst/>
+          </a:prstGeom>
+        </p:spPr>
+      </p:pic>
+    </p:spTree>
+    <p:extLst>
+      <p:ext uri="{BB962C8B-B14F-4D97-AF65-F5344CB8AC3E}">
+        <p14:creationId xmlns:p14="http://schemas.microsoft.com/office/powerpoint/2010/main" val="4060112146"/>
       </p:ext>
     </p:extLst>
   </p:cSld>

--- a/image/betl_architecture.pptx
+++ b/image/betl_architecture.pptx
@@ -276,7 +276,7 @@
           <a:p>
             <a:fld id="{1719DC78-B2E2-489A-B4DC-503C173C394C}" type="datetimeFigureOut">
               <a:rPr lang="en-NL" smtClean="0"/>
-              <a:t>18/01/2022</a:t>
+              <a:t>24/01/2022</a:t>
             </a:fld>
             <a:endParaRPr lang="en-NL"/>
           </a:p>
@@ -476,7 +476,7 @@
           <a:p>
             <a:fld id="{1719DC78-B2E2-489A-B4DC-503C173C394C}" type="datetimeFigureOut">
               <a:rPr lang="en-NL" smtClean="0"/>
-              <a:t>18/01/2022</a:t>
+              <a:t>24/01/2022</a:t>
             </a:fld>
             <a:endParaRPr lang="en-NL"/>
           </a:p>
@@ -686,7 +686,7 @@
           <a:p>
             <a:fld id="{1719DC78-B2E2-489A-B4DC-503C173C394C}" type="datetimeFigureOut">
               <a:rPr lang="en-NL" smtClean="0"/>
-              <a:t>18/01/2022</a:t>
+              <a:t>24/01/2022</a:t>
             </a:fld>
             <a:endParaRPr lang="en-NL"/>
           </a:p>
@@ -886,7 +886,7 @@
           <a:p>
             <a:fld id="{1719DC78-B2E2-489A-B4DC-503C173C394C}" type="datetimeFigureOut">
               <a:rPr lang="en-NL" smtClean="0"/>
-              <a:t>18/01/2022</a:t>
+              <a:t>24/01/2022</a:t>
             </a:fld>
             <a:endParaRPr lang="en-NL"/>
           </a:p>
@@ -1162,7 +1162,7 @@
           <a:p>
             <a:fld id="{1719DC78-B2E2-489A-B4DC-503C173C394C}" type="datetimeFigureOut">
               <a:rPr lang="en-NL" smtClean="0"/>
-              <a:t>18/01/2022</a:t>
+              <a:t>24/01/2022</a:t>
             </a:fld>
             <a:endParaRPr lang="en-NL"/>
           </a:p>
@@ -1430,7 +1430,7 @@
           <a:p>
             <a:fld id="{1719DC78-B2E2-489A-B4DC-503C173C394C}" type="datetimeFigureOut">
               <a:rPr lang="en-NL" smtClean="0"/>
-              <a:t>18/01/2022</a:t>
+              <a:t>24/01/2022</a:t>
             </a:fld>
             <a:endParaRPr lang="en-NL"/>
           </a:p>
@@ -1845,7 +1845,7 @@
           <a:p>
             <a:fld id="{1719DC78-B2E2-489A-B4DC-503C173C394C}" type="datetimeFigureOut">
               <a:rPr lang="en-NL" smtClean="0"/>
-              <a:t>18/01/2022</a:t>
+              <a:t>24/01/2022</a:t>
             </a:fld>
             <a:endParaRPr lang="en-NL"/>
           </a:p>
@@ -1987,7 +1987,7 @@
           <a:p>
             <a:fld id="{1719DC78-B2E2-489A-B4DC-503C173C394C}" type="datetimeFigureOut">
               <a:rPr lang="en-NL" smtClean="0"/>
-              <a:t>18/01/2022</a:t>
+              <a:t>24/01/2022</a:t>
             </a:fld>
             <a:endParaRPr lang="en-NL"/>
           </a:p>
@@ -2100,7 +2100,7 @@
           <a:p>
             <a:fld id="{1719DC78-B2E2-489A-B4DC-503C173C394C}" type="datetimeFigureOut">
               <a:rPr lang="en-NL" smtClean="0"/>
-              <a:t>18/01/2022</a:t>
+              <a:t>24/01/2022</a:t>
             </a:fld>
             <a:endParaRPr lang="en-NL"/>
           </a:p>
@@ -2413,7 +2413,7 @@
           <a:p>
             <a:fld id="{1719DC78-B2E2-489A-B4DC-503C173C394C}" type="datetimeFigureOut">
               <a:rPr lang="en-NL" smtClean="0"/>
-              <a:t>18/01/2022</a:t>
+              <a:t>24/01/2022</a:t>
             </a:fld>
             <a:endParaRPr lang="en-NL"/>
           </a:p>
@@ -2702,7 +2702,7 @@
           <a:p>
             <a:fld id="{1719DC78-B2E2-489A-B4DC-503C173C394C}" type="datetimeFigureOut">
               <a:rPr lang="en-NL" smtClean="0"/>
-              <a:t>18/01/2022</a:t>
+              <a:t>24/01/2022</a:t>
             </a:fld>
             <a:endParaRPr lang="en-NL"/>
           </a:p>
@@ -2945,7 +2945,7 @@
           <a:p>
             <a:fld id="{1719DC78-B2E2-489A-B4DC-503C173C394C}" type="datetimeFigureOut">
               <a:rPr lang="en-NL" smtClean="0"/>
-              <a:t>18/01/2022</a:t>
+              <a:t>24/01/2022</a:t>
             </a:fld>
             <a:endParaRPr lang="en-NL"/>
           </a:p>
@@ -8772,19 +8772,19 @@
               <a:t>MyDWH</a:t>
             </a:r>
             <a:br>
-              <a:rPr lang="en-US" sz="1400" dirty="0">
+              <a:rPr lang="en-US" sz="1400">
                 <a:solidFill>
                   <a:schemeClr val="tx1"/>
                 </a:solidFill>
               </a:rPr>
             </a:br>
             <a:r>
-              <a:rPr lang="en-US" sz="1400" dirty="0">
+              <a:rPr lang="en-US" sz="1400">
                 <a:solidFill>
                   <a:schemeClr val="tx1"/>
                 </a:solidFill>
               </a:rPr>
-              <a:t>Staging</a:t>
+              <a:t>RDW</a:t>
             </a:r>
             <a:endParaRPr lang="en-NL" sz="1400" dirty="0">
               <a:solidFill>
